--- a/Documentation/CopycatSimonsSymphonypresintation.pptx
+++ b/Documentation/CopycatSimonsSymphonypresintation.pptx
@@ -1663,6 +1663,151 @@
                 </a:solidFill>
               </a:rPr>
               <a:t>: Utilized to sort an array, considering custom comparison logic.</a:t>
+            </a:r>
+            <a:br>
+              <a:rPr lang="en" sz="1300">
+                <a:solidFill>
+                  <a:srgbClr val="1D1C1D"/>
+                </a:solidFill>
+              </a:rPr>
+            </a:br>
+            <a:r>
+              <a:rPr lang="en" sz="1300">
+                <a:solidFill>
+                  <a:srgbClr val="188038"/>
+                </a:solidFill>
+              </a:rPr>
+              <a:t>JSON.parse(): </a:t>
+            </a:r>
+            <a:r>
+              <a:rPr lang="en" sz="1300">
+                <a:solidFill>
+                  <a:srgbClr val="1D1C1D"/>
+                </a:solidFill>
+              </a:rPr>
+              <a:t>This function is used to parse a JSON string, converting it into a JavaScript object for further manipulation or usage.</a:t>
+            </a:r>
+            <a:endParaRPr sz="1300">
+              <a:solidFill>
+                <a:srgbClr val="1D1C1D"/>
+              </a:solidFill>
+            </a:endParaRPr>
+          </a:p>
+          <a:p>
+            <a:pPr indent="-228600" lvl="0" marL="723900" rtl="0" algn="l">
+              <a:lnSpc>
+                <a:spcPct val="115000"/>
+              </a:lnSpc>
+              <a:spcBef>
+                <a:spcPts val="0"/>
+              </a:spcBef>
+              <a:spcAft>
+                <a:spcPts val="0"/>
+              </a:spcAft>
+              <a:buClr>
+                <a:srgbClr val="1D1C1D"/>
+              </a:buClr>
+              <a:buSzPts val="1300"/>
+              <a:buNone/>
+            </a:pPr>
+            <a:r>
+              <a:rPr lang="en" sz="1300">
+                <a:solidFill>
+                  <a:srgbClr val="188038"/>
+                </a:solidFill>
+              </a:rPr>
+              <a:t>localStorage.getItem(""):</a:t>
+            </a:r>
+            <a:r>
+              <a:rPr lang="en" sz="1300">
+                <a:solidFill>
+                  <a:srgbClr val="1D1C1D"/>
+                </a:solidFill>
+              </a:rPr>
+              <a:t> This code is employed to retrieve a value from the web browser's local storage based on a specific key.</a:t>
+            </a:r>
+            <a:endParaRPr sz="1300">
+              <a:solidFill>
+                <a:srgbClr val="1D1C1D"/>
+              </a:solidFill>
+            </a:endParaRPr>
+          </a:p>
+          <a:p>
+            <a:pPr indent="-228600" lvl="0" marL="723900" rtl="0" algn="l">
+              <a:lnSpc>
+                <a:spcPct val="115000"/>
+              </a:lnSpc>
+              <a:spcBef>
+                <a:spcPts val="0"/>
+              </a:spcBef>
+              <a:spcAft>
+                <a:spcPts val="0"/>
+              </a:spcAft>
+              <a:buClr>
+                <a:srgbClr val="1D1C1D"/>
+              </a:buClr>
+              <a:buSzPts val="1300"/>
+              <a:buNone/>
+            </a:pPr>
+            <a:r>
+              <a:rPr lang="en" sz="1300">
+                <a:solidFill>
+                  <a:srgbClr val="188038"/>
+                </a:solidFill>
+              </a:rPr>
+              <a:t>JSON.stringify(): </a:t>
+            </a:r>
+            <a:r>
+              <a:rPr lang="en" sz="1300">
+                <a:solidFill>
+                  <a:srgbClr val="1D1C1D"/>
+                </a:solidFill>
+              </a:rPr>
+              <a:t>This method is used to convert a JavaScript object into a JSON string, allowing for easy storage or transmission of data.</a:t>
+            </a:r>
+            <a:endParaRPr sz="1300">
+              <a:solidFill>
+                <a:srgbClr val="1D1C1D"/>
+              </a:solidFill>
+            </a:endParaRPr>
+          </a:p>
+          <a:p>
+            <a:pPr indent="0" lvl="0" marL="457200" rtl="0" algn="l">
+              <a:lnSpc>
+                <a:spcPct val="115000"/>
+              </a:lnSpc>
+              <a:spcBef>
+                <a:spcPts val="0"/>
+              </a:spcBef>
+              <a:spcAft>
+                <a:spcPts val="0"/>
+              </a:spcAft>
+              <a:buNone/>
+            </a:pPr>
+            <a:r>
+              <a:t/>
+            </a:r>
+            <a:endParaRPr sz="1300">
+              <a:solidFill>
+                <a:srgbClr val="1D1C1D"/>
+              </a:solidFill>
+            </a:endParaRPr>
+          </a:p>
+          <a:p>
+            <a:pPr indent="0" lvl="0" marL="457200" rtl="0" algn="l">
+              <a:lnSpc>
+                <a:spcPct val="115000"/>
+              </a:lnSpc>
+              <a:spcBef>
+                <a:spcPts val="0"/>
+              </a:spcBef>
+              <a:spcAft>
+                <a:spcPts val="0"/>
+              </a:spcAft>
+              <a:buNone/>
+            </a:pPr>
+            <a:r>
+              <a:t/>
             </a:r>
             <a:endParaRPr sz="1300">
               <a:solidFill>
@@ -8031,7 +8176,7 @@
         </p:nvSpPr>
         <p:spPr>
           <a:xfrm>
-            <a:off x="311700" y="1223913"/>
+            <a:off x="311700" y="1119793"/>
             <a:ext cx="8520600" cy="454800"/>
           </a:xfrm>
           <a:prstGeom prst="rect">
@@ -8083,7 +8228,7 @@
         </p:nvSpPr>
         <p:spPr>
           <a:xfrm>
-            <a:off x="311700" y="1785869"/>
+            <a:off x="311700" y="1681749"/>
             <a:ext cx="8520600" cy="454800"/>
           </a:xfrm>
           <a:prstGeom prst="rect">
@@ -8141,8 +8286,8 @@
         </p:nvSpPr>
         <p:spPr>
           <a:xfrm>
-            <a:off x="2570925" y="1785869"/>
-            <a:ext cx="5108700" cy="1743300"/>
+            <a:off x="2570925" y="1681749"/>
+            <a:ext cx="5108700" cy="2539800"/>
           </a:xfrm>
           <a:prstGeom prst="rect">
             <a:avLst/>
@@ -8324,7 +8469,7 @@
                 <a:cs typeface="Consolas"/>
                 <a:sym typeface="Consolas"/>
               </a:rPr>
-              <a:t>s.forEach(element =&gt; { });</a:t>
+              <a:t>s.forEach(element =&gt; { })</a:t>
             </a:r>
             <a:endParaRPr sz="1750">
               <a:solidFill>
@@ -8359,12 +8504,102 @@
                 <a:cs typeface="Consolas"/>
                 <a:sym typeface="Consolas"/>
               </a:rPr>
-              <a:t>topScores.sort((a, b) =&gt;);</a:t>
-            </a:r>
-            <a:endParaRPr sz="1750">
+              <a:t>topScores.sort((a, b) =&gt;)</a:t>
+            </a:r>
+            <a:endParaRPr sz="1500">
               <a:solidFill>
-                <a:srgbClr val="1D1C1D"/>
+                <a:srgbClr val="188038"/>
               </a:solidFill>
+              <a:latin typeface="Consolas"/>
+              <a:ea typeface="Consolas"/>
+              <a:cs typeface="Consolas"/>
+              <a:sym typeface="Consolas"/>
+            </a:endParaRPr>
+          </a:p>
+          <a:p>
+            <a:pPr indent="-228600" lvl="0" marL="723900" rtl="0" algn="l">
+              <a:lnSpc>
+                <a:spcPct val="115000"/>
+              </a:lnSpc>
+              <a:spcBef>
+                <a:spcPts val="0"/>
+              </a:spcBef>
+              <a:spcAft>
+                <a:spcPts val="0"/>
+              </a:spcAft>
+              <a:buClr>
+                <a:srgbClr val="188038"/>
+              </a:buClr>
+              <a:buSzPts val="1500"/>
+              <a:buFont typeface="Consolas"/>
+              <a:buNone/>
+            </a:pPr>
+            <a:r>
+              <a:rPr lang="en" sz="1500">
+                <a:solidFill>
+                  <a:srgbClr val="188038"/>
+                </a:solidFill>
+                <a:latin typeface="Consolas"/>
+                <a:ea typeface="Consolas"/>
+                <a:cs typeface="Consolas"/>
+                <a:sym typeface="Consolas"/>
+              </a:rPr>
+              <a:t>JSON.parse()</a:t>
+            </a:r>
+            <a:br>
+              <a:rPr lang="en" sz="1500">
+                <a:solidFill>
+                  <a:srgbClr val="188038"/>
+                </a:solidFill>
+                <a:latin typeface="Consolas"/>
+                <a:ea typeface="Consolas"/>
+                <a:cs typeface="Consolas"/>
+                <a:sym typeface="Consolas"/>
+              </a:rPr>
+            </a:br>
+            <a:r>
+              <a:rPr lang="en" sz="1500">
+                <a:solidFill>
+                  <a:srgbClr val="188038"/>
+                </a:solidFill>
+                <a:latin typeface="Consolas"/>
+                <a:ea typeface="Consolas"/>
+                <a:cs typeface="Consolas"/>
+                <a:sym typeface="Consolas"/>
+              </a:rPr>
+              <a:t>localStorage.getItem("")</a:t>
+            </a:r>
+            <a:br>
+              <a:rPr lang="en" sz="1500">
+                <a:solidFill>
+                  <a:srgbClr val="188038"/>
+                </a:solidFill>
+                <a:latin typeface="Consolas"/>
+                <a:ea typeface="Consolas"/>
+                <a:cs typeface="Consolas"/>
+                <a:sym typeface="Consolas"/>
+              </a:rPr>
+            </a:br>
+            <a:r>
+              <a:rPr lang="en" sz="1500">
+                <a:solidFill>
+                  <a:srgbClr val="188038"/>
+                </a:solidFill>
+                <a:latin typeface="Consolas"/>
+                <a:ea typeface="Consolas"/>
+                <a:cs typeface="Consolas"/>
+                <a:sym typeface="Consolas"/>
+              </a:rPr>
+              <a:t>JSON.stringify()</a:t>
+            </a:r>
+            <a:endParaRPr sz="1500">
+              <a:solidFill>
+                <a:srgbClr val="188038"/>
+              </a:solidFill>
+              <a:latin typeface="Consolas"/>
+              <a:ea typeface="Consolas"/>
+              <a:cs typeface="Consolas"/>
+              <a:sym typeface="Consolas"/>
             </a:endParaRPr>
           </a:p>
         </p:txBody>
@@ -8379,7 +8614,7 @@
         </p:nvSpPr>
         <p:spPr>
           <a:xfrm>
-            <a:off x="311700" y="3625994"/>
+            <a:off x="311700" y="4242373"/>
             <a:ext cx="8520600" cy="454800"/>
           </a:xfrm>
           <a:prstGeom prst="rect">
@@ -9101,6 +9336,285 @@
 </file>
 
 <file path=ppt/theme/theme1.xml><?xml version="1.0" encoding="utf-8"?>
+<a:theme xmlns:a="http://schemas.openxmlformats.org/drawingml/2006/main" xmlns:r="http://schemas.openxmlformats.org/officeDocument/2006/relationships">
+  <a:themeElements>
+    <a:clrScheme name="Default">
+      <a:dk1>
+        <a:srgbClr val="000000"/>
+      </a:dk1>
+      <a:lt1>
+        <a:srgbClr val="FFFFFF"/>
+      </a:lt1>
+      <a:dk2>
+        <a:srgbClr val="158158"/>
+      </a:dk2>
+      <a:lt2>
+        <a:srgbClr val="F3F3F3"/>
+      </a:lt2>
+      <a:accent1>
+        <a:srgbClr val="058DC7"/>
+      </a:accent1>
+      <a:accent2>
+        <a:srgbClr val="50B432"/>
+      </a:accent2>
+      <a:accent3>
+        <a:srgbClr val="ED561B"/>
+      </a:accent3>
+      <a:accent4>
+        <a:srgbClr val="EDEF00"/>
+      </a:accent4>
+      <a:accent5>
+        <a:srgbClr val="24CBE5"/>
+      </a:accent5>
+      <a:accent6>
+        <a:srgbClr val="64E572"/>
+      </a:accent6>
+      <a:hlink>
+        <a:srgbClr val="2200CC"/>
+      </a:hlink>
+      <a:folHlink>
+        <a:srgbClr val="551A8B"/>
+      </a:folHlink>
+    </a:clrScheme>
+    <a:fontScheme name="Office">
+      <a:majorFont>
+        <a:latin typeface="Arial"/>
+        <a:ea typeface=""/>
+        <a:cs typeface=""/>
+        <a:font script="Jpan" typeface="ＭＳ Ｐゴシック"/>
+        <a:font script="Hang" typeface="맑은 고딕"/>
+        <a:font script="Hans" typeface="宋体"/>
+        <a:font script="Hant" typeface="新細明體"/>
+        <a:font script="Arab" typeface="Times New Roman"/>
+        <a:font script="Hebr" typeface="Times New Roman"/>
+        <a:font script="Thai" typeface="Angsana New"/>
+        <a:font script="Ethi" typeface="Nyala"/>
+        <a:font script="Beng" typeface="Vrinda"/>
+        <a:font script="Gujr" typeface="Shruti"/>
+        <a:font script="Khmr" typeface="MoolBoran"/>
+        <a:font script="Knda" typeface="Tunga"/>
+        <a:font script="Guru" typeface="Raavi"/>
+        <a:font script="Cans" typeface="Euphemia"/>
+        <a:font script="Cher" typeface="Plantagenet Cherokee"/>
+        <a:font script="Yiii" typeface="Microsoft Yi Baiti"/>
+        <a:font script="Tibt" typeface="Microsoft Himalaya"/>
+        <a:font script="Thaa" typeface="MV Boli"/>
+        <a:font script="Deva" typeface="Mangal"/>
+        <a:font script="Telu" typeface="Gautami"/>
+        <a:font script="Taml" typeface="Latha"/>
+        <a:font script="Syrc" typeface="Estrangelo Edessa"/>
+        <a:font script="Orya" typeface="Kalinga"/>
+        <a:font script="Mlym" typeface="Kartika"/>
+        <a:font script="Laoo" typeface="DokChampa"/>
+        <a:font script="Sinh" typeface="Iskoola Pota"/>
+        <a:font script="Mong" typeface="Mongolian Baiti"/>
+        <a:font script="Viet" typeface="Times New Roman"/>
+        <a:font script="Uigh" typeface="Microsoft Uighur"/>
+        <a:font script="Geor" typeface="Sylfaen"/>
+      </a:majorFont>
+      <a:minorFont>
+        <a:latin typeface="Arial"/>
+        <a:ea typeface=""/>
+        <a:cs typeface=""/>
+        <a:font script="Jpan" typeface="ＭＳ Ｐゴシック"/>
+        <a:font script="Hang" typeface="맑은 고딕"/>
+        <a:font script="Hans" typeface="宋体"/>
+        <a:font script="Hant" typeface="新細明體"/>
+        <a:font script="Arab" typeface="Arial"/>
+        <a:font script="Hebr" typeface="Arial"/>
+        <a:font script="Thai" typeface="Cordia New"/>
+        <a:font script="Ethi" typeface="Nyala"/>
+        <a:font script="Beng" typeface="Vrinda"/>
+        <a:font script="Gujr" typeface="Shruti"/>
+        <a:font script="Khmr" typeface="DaunPenh"/>
+        <a:font script="Knda" typeface="Tunga"/>
+        <a:font script="Guru" typeface="Raavi"/>
+        <a:font script="Cans" typeface="Euphemia"/>
+        <a:font script="Cher" typeface="Plantagenet Cherokee"/>
+        <a:font script="Yiii" typeface="Microsoft Yi Baiti"/>
+        <a:font script="Tibt" typeface="Microsoft Himalaya"/>
+        <a:font script="Thaa" typeface="MV Boli"/>
+        <a:font script="Deva" typeface="Mangal"/>
+        <a:font script="Telu" typeface="Gautami"/>
+        <a:font script="Taml" typeface="Latha"/>
+        <a:font script="Syrc" typeface="Estrangelo Edessa"/>
+        <a:font script="Orya" typeface="Kalinga"/>
+        <a:font script="Mlym" typeface="Kartika"/>
+        <a:font script="Laoo" typeface="DokChampa"/>
+        <a:font script="Sinh" typeface="Iskoola Pota"/>
+        <a:font script="Mong" typeface="Mongolian Baiti"/>
+        <a:font script="Viet" typeface="Arial"/>
+        <a:font script="Uigh" typeface="Microsoft Uighur"/>
+        <a:font script="Geor" typeface="Sylfaen"/>
+      </a:minorFont>
+    </a:fontScheme>
+    <a:fmtScheme name="Office">
+      <a:fillStyleLst>
+        <a:solidFill>
+          <a:schemeClr val="phClr"/>
+        </a:solidFill>
+        <a:gradFill rotWithShape="1">
+          <a:gsLst>
+            <a:gs pos="0">
+              <a:schemeClr val="phClr">
+                <a:tint val="50000"/>
+                <a:satMod val="300000"/>
+              </a:schemeClr>
+            </a:gs>
+            <a:gs pos="35000">
+              <a:schemeClr val="phClr">
+                <a:tint val="37000"/>
+                <a:satMod val="300000"/>
+              </a:schemeClr>
+            </a:gs>
+            <a:gs pos="100000">
+              <a:schemeClr val="phClr">
+                <a:tint val="15000"/>
+                <a:satMod val="350000"/>
+              </a:schemeClr>
+            </a:gs>
+          </a:gsLst>
+          <a:lin ang="16200000" scaled="1"/>
+        </a:gradFill>
+        <a:gradFill rotWithShape="1">
+          <a:gsLst>
+            <a:gs pos="0">
+              <a:schemeClr val="phClr">
+                <a:tint val="100000"/>
+                <a:shade val="100000"/>
+                <a:satMod val="130000"/>
+              </a:schemeClr>
+            </a:gs>
+            <a:gs pos="100000">
+              <a:schemeClr val="phClr">
+                <a:tint val="50000"/>
+                <a:shade val="100000"/>
+                <a:satMod val="350000"/>
+              </a:schemeClr>
+            </a:gs>
+          </a:gsLst>
+          <a:lin ang="16200000" scaled="0"/>
+        </a:gradFill>
+      </a:fillStyleLst>
+      <a:lnStyleLst>
+        <a:ln w="9525" cap="flat" cmpd="sng" algn="ctr">
+          <a:solidFill>
+            <a:schemeClr val="phClr">
+              <a:shade val="95000"/>
+              <a:satMod val="105000"/>
+            </a:schemeClr>
+          </a:solidFill>
+          <a:prstDash val="solid"/>
+        </a:ln>
+        <a:ln w="25400" cap="flat" cmpd="sng" algn="ctr">
+          <a:solidFill>
+            <a:schemeClr val="phClr"/>
+          </a:solidFill>
+          <a:prstDash val="solid"/>
+        </a:ln>
+        <a:ln w="38100" cap="flat" cmpd="sng" algn="ctr">
+          <a:solidFill>
+            <a:schemeClr val="phClr"/>
+          </a:solidFill>
+          <a:prstDash val="solid"/>
+        </a:ln>
+      </a:lnStyleLst>
+      <a:effectStyleLst>
+        <a:effectStyle>
+          <a:effectLst>
+            <a:outerShdw blurRad="40000" dist="20000" dir="5400000" rotWithShape="0">
+              <a:srgbClr val="000000">
+                <a:alpha val="38000"/>
+              </a:srgbClr>
+            </a:outerShdw>
+          </a:effectLst>
+        </a:effectStyle>
+        <a:effectStyle>
+          <a:effectLst>
+            <a:outerShdw blurRad="40000" dist="23000" dir="5400000" rotWithShape="0">
+              <a:srgbClr val="000000">
+                <a:alpha val="35000"/>
+              </a:srgbClr>
+            </a:outerShdw>
+          </a:effectLst>
+        </a:effectStyle>
+        <a:effectStyle>
+          <a:effectLst>
+            <a:outerShdw blurRad="40000" dist="23000" dir="5400000" rotWithShape="0">
+              <a:srgbClr val="000000">
+                <a:alpha val="35000"/>
+              </a:srgbClr>
+            </a:outerShdw>
+          </a:effectLst>
+          <a:scene3d>
+            <a:camera prst="orthographicFront">
+              <a:rot lat="0" lon="0" rev="0"/>
+            </a:camera>
+            <a:lightRig rig="threePt" dir="t">
+              <a:rot lat="0" lon="0" rev="1200000"/>
+            </a:lightRig>
+          </a:scene3d>
+          <a:sp3d>
+            <a:bevelT w="63500" h="25400"/>
+          </a:sp3d>
+        </a:effectStyle>
+      </a:effectStyleLst>
+      <a:bgFillStyleLst>
+        <a:solidFill>
+          <a:schemeClr val="phClr"/>
+        </a:solidFill>
+        <a:gradFill rotWithShape="1">
+          <a:gsLst>
+            <a:gs pos="0">
+              <a:schemeClr val="phClr">
+                <a:tint val="40000"/>
+                <a:satMod val="350000"/>
+              </a:schemeClr>
+            </a:gs>
+            <a:gs pos="40000">
+              <a:schemeClr val="phClr">
+                <a:tint val="45000"/>
+                <a:shade val="99000"/>
+                <a:satMod val="350000"/>
+              </a:schemeClr>
+            </a:gs>
+            <a:gs pos="100000">
+              <a:schemeClr val="phClr">
+                <a:shade val="20000"/>
+                <a:satMod val="255000"/>
+              </a:schemeClr>
+            </a:gs>
+          </a:gsLst>
+          <a:path path="circle">
+            <a:fillToRect l="50000" t="-80000" r="50000" b="180000"/>
+          </a:path>
+        </a:gradFill>
+        <a:gradFill rotWithShape="1">
+          <a:gsLst>
+            <a:gs pos="0">
+              <a:schemeClr val="phClr">
+                <a:tint val="80000"/>
+                <a:satMod val="300000"/>
+              </a:schemeClr>
+            </a:gs>
+            <a:gs pos="100000">
+              <a:schemeClr val="phClr">
+                <a:shade val="30000"/>
+                <a:satMod val="200000"/>
+              </a:schemeClr>
+            </a:gs>
+          </a:gsLst>
+          <a:path path="circle">
+            <a:fillToRect l="50000" t="50000" r="50000" b="50000"/>
+          </a:path>
+        </a:gradFill>
+      </a:bgFillStyleLst>
+    </a:fmtScheme>
+  </a:themeElements>
+</a:theme>
+</file>
+
+<file path=ppt/theme/theme2.xml><?xml version="1.0" encoding="utf-8"?>
 <a:theme xmlns:a="http://schemas.openxmlformats.org/drawingml/2006/main" xmlns:r="http://schemas.openxmlformats.org/officeDocument/2006/relationships" name="Simple Dark">
   <a:themeElements>
     <a:clrScheme name="Simple Dark">
@@ -9377,283 +9891,4 @@
     </a:fmtScheme>
   </a:themeElements>
 </a:theme>
-</file>
-
-<file path=ppt/theme/theme2.xml><?xml version="1.0" encoding="utf-8"?>
-<a:theme xmlns:a="http://schemas.openxmlformats.org/drawingml/2006/main" xmlns:r="http://schemas.openxmlformats.org/officeDocument/2006/relationships">
-  <a:themeElements>
-    <a:clrScheme name="Default">
-      <a:dk1>
-        <a:srgbClr val="000000"/>
-      </a:dk1>
-      <a:lt1>
-        <a:srgbClr val="FFFFFF"/>
-      </a:lt1>
-      <a:dk2>
-        <a:srgbClr val="158158"/>
-      </a:dk2>
-      <a:lt2>
-        <a:srgbClr val="F3F3F3"/>
-      </a:lt2>
-      <a:accent1>
-        <a:srgbClr val="058DC7"/>
-      </a:accent1>
-      <a:accent2>
-        <a:srgbClr val="50B432"/>
-      </a:accent2>
-      <a:accent3>
-        <a:srgbClr val="ED561B"/>
-      </a:accent3>
-      <a:accent4>
-        <a:srgbClr val="EDEF00"/>
-      </a:accent4>
-      <a:accent5>
-        <a:srgbClr val="24CBE5"/>
-      </a:accent5>
-      <a:accent6>
-        <a:srgbClr val="64E572"/>
-      </a:accent6>
-      <a:hlink>
-        <a:srgbClr val="2200CC"/>
-      </a:hlink>
-      <a:folHlink>
-        <a:srgbClr val="551A8B"/>
-      </a:folHlink>
-    </a:clrScheme>
-    <a:fontScheme name="Office">
-      <a:majorFont>
-        <a:latin typeface="Arial"/>
-        <a:ea typeface=""/>
-        <a:cs typeface=""/>
-        <a:font script="Jpan" typeface="ＭＳ Ｐゴシック"/>
-        <a:font script="Hang" typeface="맑은 고딕"/>
-        <a:font script="Hans" typeface="宋体"/>
-        <a:font script="Hant" typeface="新細明體"/>
-        <a:font script="Arab" typeface="Times New Roman"/>
-        <a:font script="Hebr" typeface="Times New Roman"/>
-        <a:font script="Thai" typeface="Angsana New"/>
-        <a:font script="Ethi" typeface="Nyala"/>
-        <a:font script="Beng" typeface="Vrinda"/>
-        <a:font script="Gujr" typeface="Shruti"/>
-        <a:font script="Khmr" typeface="MoolBoran"/>
-        <a:font script="Knda" typeface="Tunga"/>
-        <a:font script="Guru" typeface="Raavi"/>
-        <a:font script="Cans" typeface="Euphemia"/>
-        <a:font script="Cher" typeface="Plantagenet Cherokee"/>
-        <a:font script="Yiii" typeface="Microsoft Yi Baiti"/>
-        <a:font script="Tibt" typeface="Microsoft Himalaya"/>
-        <a:font script="Thaa" typeface="MV Boli"/>
-        <a:font script="Deva" typeface="Mangal"/>
-        <a:font script="Telu" typeface="Gautami"/>
-        <a:font script="Taml" typeface="Latha"/>
-        <a:font script="Syrc" typeface="Estrangelo Edessa"/>
-        <a:font script="Orya" typeface="Kalinga"/>
-        <a:font script="Mlym" typeface="Kartika"/>
-        <a:font script="Laoo" typeface="DokChampa"/>
-        <a:font script="Sinh" typeface="Iskoola Pota"/>
-        <a:font script="Mong" typeface="Mongolian Baiti"/>
-        <a:font script="Viet" typeface="Times New Roman"/>
-        <a:font script="Uigh" typeface="Microsoft Uighur"/>
-        <a:font script="Geor" typeface="Sylfaen"/>
-      </a:majorFont>
-      <a:minorFont>
-        <a:latin typeface="Arial"/>
-        <a:ea typeface=""/>
-        <a:cs typeface=""/>
-        <a:font script="Jpan" typeface="ＭＳ Ｐゴシック"/>
-        <a:font script="Hang" typeface="맑은 고딕"/>
-        <a:font script="Hans" typeface="宋体"/>
-        <a:font script="Hant" typeface="新細明體"/>
-        <a:font script="Arab" typeface="Arial"/>
-        <a:font script="Hebr" typeface="Arial"/>
-        <a:font script="Thai" typeface="Cordia New"/>
-        <a:font script="Ethi" typeface="Nyala"/>
-        <a:font script="Beng" typeface="Vrinda"/>
-        <a:font script="Gujr" typeface="Shruti"/>
-        <a:font script="Khmr" typeface="DaunPenh"/>
-        <a:font script="Knda" typeface="Tunga"/>
-        <a:font script="Guru" typeface="Raavi"/>
-        <a:font script="Cans" typeface="Euphemia"/>
-        <a:font script="Cher" typeface="Plantagenet Cherokee"/>
-        <a:font script="Yiii" typeface="Microsoft Yi Baiti"/>
-        <a:font script="Tibt" typeface="Microsoft Himalaya"/>
-        <a:font script="Thaa" typeface="MV Boli"/>
-        <a:font script="Deva" typeface="Mangal"/>
-        <a:font script="Telu" typeface="Gautami"/>
-        <a:font script="Taml" typeface="Latha"/>
-        <a:font script="Syrc" typeface="Estrangelo Edessa"/>
-        <a:font script="Orya" typeface="Kalinga"/>
-        <a:font script="Mlym" typeface="Kartika"/>
-        <a:font script="Laoo" typeface="DokChampa"/>
-        <a:font script="Sinh" typeface="Iskoola Pota"/>
-        <a:font script="Mong" typeface="Mongolian Baiti"/>
-        <a:font script="Viet" typeface="Arial"/>
-        <a:font script="Uigh" typeface="Microsoft Uighur"/>
-        <a:font script="Geor" typeface="Sylfaen"/>
-      </a:minorFont>
-    </a:fontScheme>
-    <a:fmtScheme name="Office">
-      <a:fillStyleLst>
-        <a:solidFill>
-          <a:schemeClr val="phClr"/>
-        </a:solidFill>
-        <a:gradFill rotWithShape="1">
-          <a:gsLst>
-            <a:gs pos="0">
-              <a:schemeClr val="phClr">
-                <a:tint val="50000"/>
-                <a:satMod val="300000"/>
-              </a:schemeClr>
-            </a:gs>
-            <a:gs pos="35000">
-              <a:schemeClr val="phClr">
-                <a:tint val="37000"/>
-                <a:satMod val="300000"/>
-              </a:schemeClr>
-            </a:gs>
-            <a:gs pos="100000">
-              <a:schemeClr val="phClr">
-                <a:tint val="15000"/>
-                <a:satMod val="350000"/>
-              </a:schemeClr>
-            </a:gs>
-          </a:gsLst>
-          <a:lin ang="16200000" scaled="1"/>
-        </a:gradFill>
-        <a:gradFill rotWithShape="1">
-          <a:gsLst>
-            <a:gs pos="0">
-              <a:schemeClr val="phClr">
-                <a:tint val="100000"/>
-                <a:shade val="100000"/>
-                <a:satMod val="130000"/>
-              </a:schemeClr>
-            </a:gs>
-            <a:gs pos="100000">
-              <a:schemeClr val="phClr">
-                <a:tint val="50000"/>
-                <a:shade val="100000"/>
-                <a:satMod val="350000"/>
-              </a:schemeClr>
-            </a:gs>
-          </a:gsLst>
-          <a:lin ang="16200000" scaled="0"/>
-        </a:gradFill>
-      </a:fillStyleLst>
-      <a:lnStyleLst>
-        <a:ln w="9525" cap="flat" cmpd="sng" algn="ctr">
-          <a:solidFill>
-            <a:schemeClr val="phClr">
-              <a:shade val="95000"/>
-              <a:satMod val="105000"/>
-            </a:schemeClr>
-          </a:solidFill>
-          <a:prstDash val="solid"/>
-        </a:ln>
-        <a:ln w="25400" cap="flat" cmpd="sng" algn="ctr">
-          <a:solidFill>
-            <a:schemeClr val="phClr"/>
-          </a:solidFill>
-          <a:prstDash val="solid"/>
-        </a:ln>
-        <a:ln w="38100" cap="flat" cmpd="sng" algn="ctr">
-          <a:solidFill>
-            <a:schemeClr val="phClr"/>
-          </a:solidFill>
-          <a:prstDash val="solid"/>
-        </a:ln>
-      </a:lnStyleLst>
-      <a:effectStyleLst>
-        <a:effectStyle>
-          <a:effectLst>
-            <a:outerShdw blurRad="40000" dist="20000" dir="5400000" rotWithShape="0">
-              <a:srgbClr val="000000">
-                <a:alpha val="38000"/>
-              </a:srgbClr>
-            </a:outerShdw>
-          </a:effectLst>
-        </a:effectStyle>
-        <a:effectStyle>
-          <a:effectLst>
-            <a:outerShdw blurRad="40000" dist="23000" dir="5400000" rotWithShape="0">
-              <a:srgbClr val="000000">
-                <a:alpha val="35000"/>
-              </a:srgbClr>
-            </a:outerShdw>
-          </a:effectLst>
-        </a:effectStyle>
-        <a:effectStyle>
-          <a:effectLst>
-            <a:outerShdw blurRad="40000" dist="23000" dir="5400000" rotWithShape="0">
-              <a:srgbClr val="000000">
-                <a:alpha val="35000"/>
-              </a:srgbClr>
-            </a:outerShdw>
-          </a:effectLst>
-          <a:scene3d>
-            <a:camera prst="orthographicFront">
-              <a:rot lat="0" lon="0" rev="0"/>
-            </a:camera>
-            <a:lightRig rig="threePt" dir="t">
-              <a:rot lat="0" lon="0" rev="1200000"/>
-            </a:lightRig>
-          </a:scene3d>
-          <a:sp3d>
-            <a:bevelT w="63500" h="25400"/>
-          </a:sp3d>
-        </a:effectStyle>
-      </a:effectStyleLst>
-      <a:bgFillStyleLst>
-        <a:solidFill>
-          <a:schemeClr val="phClr"/>
-        </a:solidFill>
-        <a:gradFill rotWithShape="1">
-          <a:gsLst>
-            <a:gs pos="0">
-              <a:schemeClr val="phClr">
-                <a:tint val="40000"/>
-                <a:satMod val="350000"/>
-              </a:schemeClr>
-            </a:gs>
-            <a:gs pos="40000">
-              <a:schemeClr val="phClr">
-                <a:tint val="45000"/>
-                <a:shade val="99000"/>
-                <a:satMod val="350000"/>
-              </a:schemeClr>
-            </a:gs>
-            <a:gs pos="100000">
-              <a:schemeClr val="phClr">
-                <a:shade val="20000"/>
-                <a:satMod val="255000"/>
-              </a:schemeClr>
-            </a:gs>
-          </a:gsLst>
-          <a:path path="circle">
-            <a:fillToRect l="50000" t="-80000" r="50000" b="180000"/>
-          </a:path>
-        </a:gradFill>
-        <a:gradFill rotWithShape="1">
-          <a:gsLst>
-            <a:gs pos="0">
-              <a:schemeClr val="phClr">
-                <a:tint val="80000"/>
-                <a:satMod val="300000"/>
-              </a:schemeClr>
-            </a:gs>
-            <a:gs pos="100000">
-              <a:schemeClr val="phClr">
-                <a:shade val="30000"/>
-                <a:satMod val="200000"/>
-              </a:schemeClr>
-            </a:gs>
-          </a:gsLst>
-          <a:path path="circle">
-            <a:fillToRect l="50000" t="50000" r="50000" b="50000"/>
-          </a:path>
-        </a:gradFill>
-      </a:bgFillStyleLst>
-    </a:fmtScheme>
-  </a:themeElements>
-</a:theme>
 </file>
--- a/Documentation/CopycatSimonsSymphonypresintation.pptx
+++ b/Documentation/CopycatSimonsSymphonypresintation.pptx
@@ -1,31 +1,45 @@
 
 <file path=ppt/presentation.xml><?xml version="1.0" encoding="utf-8"?>
-<p:presentation xmlns:a="http://schemas.openxmlformats.org/drawingml/2006/main" xmlns:r="http://schemas.openxmlformats.org/officeDocument/2006/relationships" xmlns:mc="http://schemas.openxmlformats.org/markup-compatibility/2006" xmlns:mv="urn:schemas-microsoft-com:mac:vml" xmlns:p="http://schemas.openxmlformats.org/presentationml/2006/main" xmlns:c="http://schemas.openxmlformats.org/drawingml/2006/chart" xmlns:dgm="http://schemas.openxmlformats.org/drawingml/2006/diagram" xmlns:o="urn:schemas-microsoft-com:office:office" xmlns:v="urn:schemas-microsoft-com:vml" xmlns:pvml="urn:schemas-microsoft-com:office:powerpoint" xmlns:com="http://schemas.openxmlformats.org/drawingml/2006/compatibility" xmlns:p14="http://schemas.microsoft.com/office/powerpoint/2010/main" xmlns:p15="http://schemas.microsoft.com/office/powerpoint/2012/main" xmlns:ahyp="http://schemas.microsoft.com/office/drawing/2018/hyperlinkcolor" autoCompressPictures="0" embedTrueTypeFonts="1" strictFirstAndLastChars="0" saveSubsetFonts="1">
+<p:presentation xmlns:a="http://schemas.openxmlformats.org/drawingml/2006/main" xmlns:r="http://schemas.openxmlformats.org/officeDocument/2006/relationships" xmlns:p="http://schemas.openxmlformats.org/presentationml/2006/main" strictFirstAndLastChars="0" embedTrueTypeFonts="1" saveSubsetFonts="1" autoCompressPictures="0">
   <p:sldMasterIdLst>
-    <p:sldMasterId id="2147483659" r:id="rId4"/>
+    <p:sldMasterId id="2147483659" r:id="rId1"/>
   </p:sldMasterIdLst>
   <p:notesMasterIdLst>
-    <p:notesMasterId r:id="rId5"/>
+    <p:notesMasterId r:id="rId9"/>
   </p:notesMasterIdLst>
   <p:sldIdLst>
-    <p:sldId id="256" r:id="rId6"/>
-    <p:sldId id="257" r:id="rId7"/>
-    <p:sldId id="258" r:id="rId8"/>
-    <p:sldId id="259" r:id="rId9"/>
-    <p:sldId id="260" r:id="rId10"/>
-    <p:sldId id="261" r:id="rId11"/>
-    <p:sldId id="262" r:id="rId12"/>
+    <p:sldId id="256" r:id="rId2"/>
+    <p:sldId id="257" r:id="rId3"/>
+    <p:sldId id="258" r:id="rId4"/>
+    <p:sldId id="259" r:id="rId5"/>
+    <p:sldId id="260" r:id="rId6"/>
+    <p:sldId id="261" r:id="rId7"/>
+    <p:sldId id="262" r:id="rId8"/>
   </p:sldIdLst>
-  <p:sldSz cy="5143500" cx="9144000"/>
+  <p:sldSz cx="9144000" cy="5143500" type="screen16x9"/>
   <p:notesSz cx="6858000" cy="9144000"/>
   <p:embeddedFontLst>
     <p:embeddedFont>
-      <p:font typeface="Bungee"/>
-      <p:regular r:id="rId13"/>
+      <p:font typeface="Bungee" panose="020B0604020202020204" charset="0"/>
+      <p:regular r:id="rId10"/>
+    </p:embeddedFont>
+    <p:embeddedFont>
+      <p:font typeface="Calibri" panose="020F0502020204030204" pitchFamily="34" charset="0"/>
+      <p:regular r:id="rId11"/>
+      <p:bold r:id="rId12"/>
+      <p:italic r:id="rId13"/>
+      <p:boldItalic r:id="rId14"/>
+    </p:embeddedFont>
+    <p:embeddedFont>
+      <p:font typeface="Consolas" panose="020B0609020204030204" pitchFamily="49" charset="0"/>
+      <p:regular r:id="rId15"/>
+      <p:bold r:id="rId16"/>
+      <p:italic r:id="rId17"/>
+      <p:boldItalic r:id="rId18"/>
     </p:embeddedFont>
   </p:embeddedFontLst>
   <p:defaultTextStyle>
-    <a:defPPr lvl="0" marR="0" rtl="0" algn="l">
+    <a:defPPr marR="0" lvl="0" algn="l" rtl="0">
       <a:lnSpc>
         <a:spcPct val="100000"/>
       </a:lnSpc>
@@ -36,7 +50,7 @@
         <a:spcPts val="0"/>
       </a:spcAft>
     </a:defPPr>
-    <a:lvl1pPr lvl="0" marR="0" rtl="0" algn="l">
+    <a:lvl1pPr marR="0" lvl="0" algn="l" rtl="0">
       <a:lnSpc>
         <a:spcPct val="100000"/>
       </a:lnSpc>
@@ -50,7 +64,7 @@
         <a:srgbClr val="000000"/>
       </a:buClr>
       <a:buFont typeface="Arial"/>
-      <a:defRPr b="0" i="0" sz="1400" u="none" cap="none" strike="noStrike">
+      <a:defRPr sz="1400" b="0" i="0" u="none" strike="noStrike" cap="none">
         <a:solidFill>
           <a:srgbClr val="000000"/>
         </a:solidFill>
@@ -60,7 +74,7 @@
         <a:sym typeface="Arial"/>
       </a:defRPr>
     </a:lvl1pPr>
-    <a:lvl2pPr lvl="1" marR="0" rtl="0" algn="l">
+    <a:lvl2pPr marR="0" lvl="1" algn="l" rtl="0">
       <a:lnSpc>
         <a:spcPct val="100000"/>
       </a:lnSpc>
@@ -74,7 +88,7 @@
         <a:srgbClr val="000000"/>
       </a:buClr>
       <a:buFont typeface="Arial"/>
-      <a:defRPr b="0" i="0" sz="1400" u="none" cap="none" strike="noStrike">
+      <a:defRPr sz="1400" b="0" i="0" u="none" strike="noStrike" cap="none">
         <a:solidFill>
           <a:srgbClr val="000000"/>
         </a:solidFill>
@@ -84,7 +98,7 @@
         <a:sym typeface="Arial"/>
       </a:defRPr>
     </a:lvl2pPr>
-    <a:lvl3pPr lvl="2" marR="0" rtl="0" algn="l">
+    <a:lvl3pPr marR="0" lvl="2" algn="l" rtl="0">
       <a:lnSpc>
         <a:spcPct val="100000"/>
       </a:lnSpc>
@@ -98,7 +112,7 @@
         <a:srgbClr val="000000"/>
       </a:buClr>
       <a:buFont typeface="Arial"/>
-      <a:defRPr b="0" i="0" sz="1400" u="none" cap="none" strike="noStrike">
+      <a:defRPr sz="1400" b="0" i="0" u="none" strike="noStrike" cap="none">
         <a:solidFill>
           <a:srgbClr val="000000"/>
         </a:solidFill>
@@ -108,7 +122,7 @@
         <a:sym typeface="Arial"/>
       </a:defRPr>
     </a:lvl3pPr>
-    <a:lvl4pPr lvl="3" marR="0" rtl="0" algn="l">
+    <a:lvl4pPr marR="0" lvl="3" algn="l" rtl="0">
       <a:lnSpc>
         <a:spcPct val="100000"/>
       </a:lnSpc>
@@ -122,7 +136,7 @@
         <a:srgbClr val="000000"/>
       </a:buClr>
       <a:buFont typeface="Arial"/>
-      <a:defRPr b="0" i="0" sz="1400" u="none" cap="none" strike="noStrike">
+      <a:defRPr sz="1400" b="0" i="0" u="none" strike="noStrike" cap="none">
         <a:solidFill>
           <a:srgbClr val="000000"/>
         </a:solidFill>
@@ -132,7 +146,7 @@
         <a:sym typeface="Arial"/>
       </a:defRPr>
     </a:lvl4pPr>
-    <a:lvl5pPr lvl="4" marR="0" rtl="0" algn="l">
+    <a:lvl5pPr marR="0" lvl="4" algn="l" rtl="0">
       <a:lnSpc>
         <a:spcPct val="100000"/>
       </a:lnSpc>
@@ -146,7 +160,7 @@
         <a:srgbClr val="000000"/>
       </a:buClr>
       <a:buFont typeface="Arial"/>
-      <a:defRPr b="0" i="0" sz="1400" u="none" cap="none" strike="noStrike">
+      <a:defRPr sz="1400" b="0" i="0" u="none" strike="noStrike" cap="none">
         <a:solidFill>
           <a:srgbClr val="000000"/>
         </a:solidFill>
@@ -156,7 +170,7 @@
         <a:sym typeface="Arial"/>
       </a:defRPr>
     </a:lvl5pPr>
-    <a:lvl6pPr lvl="5" marR="0" rtl="0" algn="l">
+    <a:lvl6pPr marR="0" lvl="5" algn="l" rtl="0">
       <a:lnSpc>
         <a:spcPct val="100000"/>
       </a:lnSpc>
@@ -170,7 +184,7 @@
         <a:srgbClr val="000000"/>
       </a:buClr>
       <a:buFont typeface="Arial"/>
-      <a:defRPr b="0" i="0" sz="1400" u="none" cap="none" strike="noStrike">
+      <a:defRPr sz="1400" b="0" i="0" u="none" strike="noStrike" cap="none">
         <a:solidFill>
           <a:srgbClr val="000000"/>
         </a:solidFill>
@@ -180,7 +194,7 @@
         <a:sym typeface="Arial"/>
       </a:defRPr>
     </a:lvl6pPr>
-    <a:lvl7pPr lvl="6" marR="0" rtl="0" algn="l">
+    <a:lvl7pPr marR="0" lvl="6" algn="l" rtl="0">
       <a:lnSpc>
         <a:spcPct val="100000"/>
       </a:lnSpc>
@@ -194,7 +208,7 @@
         <a:srgbClr val="000000"/>
       </a:buClr>
       <a:buFont typeface="Arial"/>
-      <a:defRPr b="0" i="0" sz="1400" u="none" cap="none" strike="noStrike">
+      <a:defRPr sz="1400" b="0" i="0" u="none" strike="noStrike" cap="none">
         <a:solidFill>
           <a:srgbClr val="000000"/>
         </a:solidFill>
@@ -204,7 +218,7 @@
         <a:sym typeface="Arial"/>
       </a:defRPr>
     </a:lvl7pPr>
-    <a:lvl8pPr lvl="7" marR="0" rtl="0" algn="l">
+    <a:lvl8pPr marR="0" lvl="7" algn="l" rtl="0">
       <a:lnSpc>
         <a:spcPct val="100000"/>
       </a:lnSpc>
@@ -218,7 +232,7 @@
         <a:srgbClr val="000000"/>
       </a:buClr>
       <a:buFont typeface="Arial"/>
-      <a:defRPr b="0" i="0" sz="1400" u="none" cap="none" strike="noStrike">
+      <a:defRPr sz="1400" b="0" i="0" u="none" strike="noStrike" cap="none">
         <a:solidFill>
           <a:srgbClr val="000000"/>
         </a:solidFill>
@@ -228,7 +242,7 @@
         <a:sym typeface="Arial"/>
       </a:defRPr>
     </a:lvl8pPr>
-    <a:lvl9pPr lvl="8" marR="0" rtl="0" algn="l">
+    <a:lvl9pPr marR="0" lvl="8" algn="l" rtl="0">
       <a:lnSpc>
         <a:spcPct val="100000"/>
       </a:lnSpc>
@@ -242,7 +256,7 @@
         <a:srgbClr val="000000"/>
       </a:buClr>
       <a:buFont typeface="Arial"/>
-      <a:defRPr b="0" i="0" sz="1400" u="none" cap="none" strike="noStrike">
+      <a:defRPr sz="1400" b="0" i="0" u="none" strike="noStrike" cap="none">
         <a:solidFill>
           <a:srgbClr val="000000"/>
         </a:solidFill>
@@ -255,7 +269,7 @@
   </p:defaultTextStyle>
   <p:extLst>
     <p:ext uri="{EFAFB233-063F-42B5-8137-9DF3F51BA10A}">
-      <p15:sldGuideLst>
+      <p15:sldGuideLst xmlns:p15="http://schemas.microsoft.com/office/powerpoint/2012/main">
         <p15:guide id="1" orient="horz" pos="1620">
           <p15:clr>
             <a:srgbClr val="747775"/>
@@ -273,11 +287,16 @@
 </file>
 
 <file path=ppt/notesMasters/notesMaster1.xml><?xml version="1.0" encoding="utf-8"?>
-<p:notesMaster xmlns:a="http://schemas.openxmlformats.org/drawingml/2006/main" xmlns:r="http://schemas.openxmlformats.org/officeDocument/2006/relationships" xmlns:mc="http://schemas.openxmlformats.org/markup-compatibility/2006" xmlns:mv="urn:schemas-microsoft-com:mac:vml" xmlns:p="http://schemas.openxmlformats.org/presentationml/2006/main" xmlns:c="http://schemas.openxmlformats.org/drawingml/2006/chart" xmlns:dgm="http://schemas.openxmlformats.org/drawingml/2006/diagram" xmlns:o="urn:schemas-microsoft-com:office:office" xmlns:v="urn:schemas-microsoft-com:vml" xmlns:pvml="urn:schemas-microsoft-com:office:powerpoint" xmlns:com="http://schemas.openxmlformats.org/drawingml/2006/compatibility" xmlns:p14="http://schemas.microsoft.com/office/powerpoint/2010/main" xmlns:p15="http://schemas.microsoft.com/office/powerpoint/2012/main" xmlns:ahyp="http://schemas.microsoft.com/office/drawing/2018/hyperlinkcolor">
+<p:notesMaster xmlns:a="http://schemas.openxmlformats.org/drawingml/2006/main" xmlns:r="http://schemas.openxmlformats.org/officeDocument/2006/relationships" xmlns:p="http://schemas.openxmlformats.org/presentationml/2006/main">
   <p:cSld>
+    <p:bg>
+      <p:bgRef idx="1001">
+        <a:schemeClr val="bg1"/>
+      </p:bgRef>
+    </p:bg>
     <p:spTree>
       <p:nvGrpSpPr>
-        <p:cNvPr id="2" name="Shape 2"/>
+        <p:cNvPr id="1" name="Shape 2"/>
         <p:cNvGrpSpPr/>
         <p:nvPr/>
       </p:nvGrpSpPr>
@@ -292,9 +311,11 @@
       <p:sp>
         <p:nvSpPr>
           <p:cNvPr id="3" name="Google Shape;3;n"/>
-          <p:cNvSpPr/>
+          <p:cNvSpPr>
+            <a:spLocks noGrp="1" noRot="1" noChangeAspect="1"/>
+          </p:cNvSpPr>
           <p:nvPr>
-            <p:ph idx="2" type="sldImg"/>
+            <p:ph type="sldImg" idx="2"/>
           </p:nvPr>
         </p:nvSpPr>
         <p:spPr>
@@ -303,9 +324,13 @@
             <a:ext cx="6096075" cy="3429000"/>
           </a:xfrm>
           <a:custGeom>
-            <a:rect b="b" l="l" r="r" t="t"/>
+            <a:avLst/>
+            <a:gdLst/>
+            <a:ahLst/>
+            <a:cxnLst/>
+            <a:rect l="l" t="t" r="r" b="b"/>
             <a:pathLst>
-              <a:path extrusionOk="0" h="120000" w="120000">
+              <a:path w="120000" h="120000" extrusionOk="0">
                 <a:moveTo>
                   <a:pt x="0" y="0"/>
                 </a:moveTo>
@@ -323,23 +348,25 @@
             </a:pathLst>
           </a:custGeom>
           <a:noFill/>
-          <a:ln cap="flat" cmpd="sng" w="9525">
+          <a:ln w="9525" cap="flat" cmpd="sng">
             <a:solidFill>
               <a:srgbClr val="000000"/>
             </a:solidFill>
             <a:prstDash val="solid"/>
             <a:round/>
-            <a:headEnd len="sm" w="sm" type="none"/>
-            <a:tailEnd len="sm" w="sm" type="none"/>
+            <a:headEnd type="none" w="sm" len="sm"/>
+            <a:tailEnd type="none" w="sm" len="sm"/>
           </a:ln>
         </p:spPr>
       </p:sp>
       <p:sp>
         <p:nvSpPr>
           <p:cNvPr id="4" name="Google Shape;4;n"/>
-          <p:cNvSpPr txBox="1"/>
+          <p:cNvSpPr txBox="1">
+            <a:spLocks noGrp="1"/>
+          </p:cNvSpPr>
           <p:nvPr>
-            <p:ph idx="1" type="body"/>
+            <p:ph type="body" idx="1"/>
           </p:nvPr>
         </p:nvSpPr>
         <p:spPr>
@@ -356,11 +383,11 @@
           </a:ln>
         </p:spPr>
         <p:txBody>
-          <a:bodyPr anchorCtr="0" anchor="t" bIns="91425" lIns="91425" spcFirstLastPara="1" rIns="91425" wrap="square" tIns="91425">
+          <a:bodyPr spcFirstLastPara="1" wrap="square" lIns="91425" tIns="91425" rIns="91425" bIns="91425" anchor="t" anchorCtr="0">
             <a:noAutofit/>
           </a:bodyPr>
           <a:lstStyle>
-            <a:lvl1pPr indent="-298450" lvl="0" marL="457200">
+            <a:lvl1pPr marL="457200" lvl="0" indent="-298450">
               <a:spcBef>
                 <a:spcPts val="0"/>
               </a:spcBef>
@@ -371,7 +398,7 @@
               <a:buChar char="●"/>
               <a:defRPr sz="1100"/>
             </a:lvl1pPr>
-            <a:lvl2pPr indent="-298450" lvl="1" marL="914400">
+            <a:lvl2pPr marL="914400" lvl="1" indent="-298450">
               <a:spcBef>
                 <a:spcPts val="0"/>
               </a:spcBef>
@@ -382,7 +409,7 @@
               <a:buChar char="○"/>
               <a:defRPr sz="1100"/>
             </a:lvl2pPr>
-            <a:lvl3pPr indent="-298450" lvl="2" marL="1371600">
+            <a:lvl3pPr marL="1371600" lvl="2" indent="-298450">
               <a:spcBef>
                 <a:spcPts val="0"/>
               </a:spcBef>
@@ -393,7 +420,7 @@
               <a:buChar char="■"/>
               <a:defRPr sz="1100"/>
             </a:lvl3pPr>
-            <a:lvl4pPr indent="-298450" lvl="3" marL="1828800">
+            <a:lvl4pPr marL="1828800" lvl="3" indent="-298450">
               <a:spcBef>
                 <a:spcPts val="0"/>
               </a:spcBef>
@@ -404,7 +431,7 @@
               <a:buChar char="●"/>
               <a:defRPr sz="1100"/>
             </a:lvl4pPr>
-            <a:lvl5pPr indent="-298450" lvl="4" marL="2286000">
+            <a:lvl5pPr marL="2286000" lvl="4" indent="-298450">
               <a:spcBef>
                 <a:spcPts val="0"/>
               </a:spcBef>
@@ -415,7 +442,7 @@
               <a:buChar char="○"/>
               <a:defRPr sz="1100"/>
             </a:lvl5pPr>
-            <a:lvl6pPr indent="-298450" lvl="5" marL="2743200">
+            <a:lvl6pPr marL="2743200" lvl="5" indent="-298450">
               <a:spcBef>
                 <a:spcPts val="0"/>
               </a:spcBef>
@@ -426,7 +453,7 @@
               <a:buChar char="■"/>
               <a:defRPr sz="1100"/>
             </a:lvl6pPr>
-            <a:lvl7pPr indent="-298450" lvl="6" marL="3200400">
+            <a:lvl7pPr marL="3200400" lvl="6" indent="-298450">
               <a:spcBef>
                 <a:spcPts val="0"/>
               </a:spcBef>
@@ -437,7 +464,7 @@
               <a:buChar char="●"/>
               <a:defRPr sz="1100"/>
             </a:lvl7pPr>
-            <a:lvl8pPr indent="-298450" lvl="7" marL="3657600">
+            <a:lvl8pPr marL="3657600" lvl="7" indent="-298450">
               <a:spcBef>
                 <a:spcPts val="0"/>
               </a:spcBef>
@@ -448,7 +475,7 @@
               <a:buChar char="○"/>
               <a:defRPr sz="1100"/>
             </a:lvl8pPr>
-            <a:lvl9pPr indent="-298450" lvl="8" marL="4114800">
+            <a:lvl9pPr marL="4114800" lvl="8" indent="-298450">
               <a:spcBef>
                 <a:spcPts val="0"/>
               </a:spcBef>
@@ -460,14 +487,16 @@
               <a:defRPr sz="1100"/>
             </a:lvl9pPr>
           </a:lstStyle>
-          <a:p/>
+          <a:p>
+            <a:endParaRPr/>
+          </a:p>
         </p:txBody>
       </p:sp>
     </p:spTree>
   </p:cSld>
-  <p:clrMap accent1="accent1" accent2="accent2" accent3="accent3" accent4="accent4" accent5="accent5" accent6="accent6" bg1="lt1" bg2="dk2" tx1="dk1" tx2="lt2" folHlink="folHlink" hlink="hlink"/>
+  <p:clrMap bg1="lt1" tx1="dk1" bg2="dk2" tx2="lt2" accent1="accent1" accent2="accent2" accent3="accent3" accent4="accent4" accent5="accent5" accent6="accent6" hlink="hlink" folHlink="folHlink"/>
   <p:notesStyle>
-    <a:defPPr lvl="0" marR="0" rtl="0" algn="l">
+    <a:defPPr marR="0" lvl="0" algn="l" rtl="0">
       <a:lnSpc>
         <a:spcPct val="100000"/>
       </a:lnSpc>
@@ -478,7 +507,7 @@
         <a:spcPts val="0"/>
       </a:spcAft>
     </a:defPPr>
-    <a:lvl1pPr lvl="0" marR="0" rtl="0" algn="l">
+    <a:lvl1pPr marR="0" lvl="0" algn="l" rtl="0">
       <a:lnSpc>
         <a:spcPct val="100000"/>
       </a:lnSpc>
@@ -492,7 +521,7 @@
         <a:srgbClr val="000000"/>
       </a:buClr>
       <a:buFont typeface="Arial"/>
-      <a:defRPr b="0" i="0" sz="1400" u="none" cap="none" strike="noStrike">
+      <a:defRPr sz="1400" b="0" i="0" u="none" strike="noStrike" cap="none">
         <a:solidFill>
           <a:srgbClr val="000000"/>
         </a:solidFill>
@@ -502,7 +531,7 @@
         <a:sym typeface="Arial"/>
       </a:defRPr>
     </a:lvl1pPr>
-    <a:lvl2pPr lvl="1" marR="0" rtl="0" algn="l">
+    <a:lvl2pPr marR="0" lvl="1" algn="l" rtl="0">
       <a:lnSpc>
         <a:spcPct val="100000"/>
       </a:lnSpc>
@@ -516,7 +545,7 @@
         <a:srgbClr val="000000"/>
       </a:buClr>
       <a:buFont typeface="Arial"/>
-      <a:defRPr b="0" i="0" sz="1400" u="none" cap="none" strike="noStrike">
+      <a:defRPr sz="1400" b="0" i="0" u="none" strike="noStrike" cap="none">
         <a:solidFill>
           <a:srgbClr val="000000"/>
         </a:solidFill>
@@ -526,7 +555,7 @@
         <a:sym typeface="Arial"/>
       </a:defRPr>
     </a:lvl2pPr>
-    <a:lvl3pPr lvl="2" marR="0" rtl="0" algn="l">
+    <a:lvl3pPr marR="0" lvl="2" algn="l" rtl="0">
       <a:lnSpc>
         <a:spcPct val="100000"/>
       </a:lnSpc>
@@ -540,7 +569,7 @@
         <a:srgbClr val="000000"/>
       </a:buClr>
       <a:buFont typeface="Arial"/>
-      <a:defRPr b="0" i="0" sz="1400" u="none" cap="none" strike="noStrike">
+      <a:defRPr sz="1400" b="0" i="0" u="none" strike="noStrike" cap="none">
         <a:solidFill>
           <a:srgbClr val="000000"/>
         </a:solidFill>
@@ -550,7 +579,7 @@
         <a:sym typeface="Arial"/>
       </a:defRPr>
     </a:lvl3pPr>
-    <a:lvl4pPr lvl="3" marR="0" rtl="0" algn="l">
+    <a:lvl4pPr marR="0" lvl="3" algn="l" rtl="0">
       <a:lnSpc>
         <a:spcPct val="100000"/>
       </a:lnSpc>
@@ -564,7 +593,7 @@
         <a:srgbClr val="000000"/>
       </a:buClr>
       <a:buFont typeface="Arial"/>
-      <a:defRPr b="0" i="0" sz="1400" u="none" cap="none" strike="noStrike">
+      <a:defRPr sz="1400" b="0" i="0" u="none" strike="noStrike" cap="none">
         <a:solidFill>
           <a:srgbClr val="000000"/>
         </a:solidFill>
@@ -574,7 +603,7 @@
         <a:sym typeface="Arial"/>
       </a:defRPr>
     </a:lvl4pPr>
-    <a:lvl5pPr lvl="4" marR="0" rtl="0" algn="l">
+    <a:lvl5pPr marR="0" lvl="4" algn="l" rtl="0">
       <a:lnSpc>
         <a:spcPct val="100000"/>
       </a:lnSpc>
@@ -588,7 +617,7 @@
         <a:srgbClr val="000000"/>
       </a:buClr>
       <a:buFont typeface="Arial"/>
-      <a:defRPr b="0" i="0" sz="1400" u="none" cap="none" strike="noStrike">
+      <a:defRPr sz="1400" b="0" i="0" u="none" strike="noStrike" cap="none">
         <a:solidFill>
           <a:srgbClr val="000000"/>
         </a:solidFill>
@@ -598,7 +627,7 @@
         <a:sym typeface="Arial"/>
       </a:defRPr>
     </a:lvl5pPr>
-    <a:lvl6pPr lvl="5" marR="0" rtl="0" algn="l">
+    <a:lvl6pPr marR="0" lvl="5" algn="l" rtl="0">
       <a:lnSpc>
         <a:spcPct val="100000"/>
       </a:lnSpc>
@@ -612,7 +641,7 @@
         <a:srgbClr val="000000"/>
       </a:buClr>
       <a:buFont typeface="Arial"/>
-      <a:defRPr b="0" i="0" sz="1400" u="none" cap="none" strike="noStrike">
+      <a:defRPr sz="1400" b="0" i="0" u="none" strike="noStrike" cap="none">
         <a:solidFill>
           <a:srgbClr val="000000"/>
         </a:solidFill>
@@ -622,7 +651,7 @@
         <a:sym typeface="Arial"/>
       </a:defRPr>
     </a:lvl6pPr>
-    <a:lvl7pPr lvl="6" marR="0" rtl="0" algn="l">
+    <a:lvl7pPr marR="0" lvl="6" algn="l" rtl="0">
       <a:lnSpc>
         <a:spcPct val="100000"/>
       </a:lnSpc>
@@ -636,7 +665,7 @@
         <a:srgbClr val="000000"/>
       </a:buClr>
       <a:buFont typeface="Arial"/>
-      <a:defRPr b="0" i="0" sz="1400" u="none" cap="none" strike="noStrike">
+      <a:defRPr sz="1400" b="0" i="0" u="none" strike="noStrike" cap="none">
         <a:solidFill>
           <a:srgbClr val="000000"/>
         </a:solidFill>
@@ -646,7 +675,7 @@
         <a:sym typeface="Arial"/>
       </a:defRPr>
     </a:lvl7pPr>
-    <a:lvl8pPr lvl="7" marR="0" rtl="0" algn="l">
+    <a:lvl8pPr marR="0" lvl="7" algn="l" rtl="0">
       <a:lnSpc>
         <a:spcPct val="100000"/>
       </a:lnSpc>
@@ -660,7 +689,7 @@
         <a:srgbClr val="000000"/>
       </a:buClr>
       <a:buFont typeface="Arial"/>
-      <a:defRPr b="0" i="0" sz="1400" u="none" cap="none" strike="noStrike">
+      <a:defRPr sz="1400" b="0" i="0" u="none" strike="noStrike" cap="none">
         <a:solidFill>
           <a:srgbClr val="000000"/>
         </a:solidFill>
@@ -670,7 +699,7 @@
         <a:sym typeface="Arial"/>
       </a:defRPr>
     </a:lvl8pPr>
-    <a:lvl9pPr lvl="8" marR="0" rtl="0" algn="l">
+    <a:lvl9pPr marR="0" lvl="8" algn="l" rtl="0">
       <a:lnSpc>
         <a:spcPct val="100000"/>
       </a:lnSpc>
@@ -684,7 +713,7 @@
         <a:srgbClr val="000000"/>
       </a:buClr>
       <a:buFont typeface="Arial"/>
-      <a:defRPr b="0" i="0" sz="1400" u="none" cap="none" strike="noStrike">
+      <a:defRPr sz="1400" b="0" i="0" u="none" strike="noStrike" cap="none">
         <a:solidFill>
           <a:srgbClr val="000000"/>
         </a:solidFill>
@@ -699,11 +728,11 @@
 </file>
 
 <file path=ppt/notesSlides/notesSlide1.xml><?xml version="1.0" encoding="utf-8"?>
-<p:notes xmlns:a="http://schemas.openxmlformats.org/drawingml/2006/main" xmlns:r="http://schemas.openxmlformats.org/officeDocument/2006/relationships" xmlns:mc="http://schemas.openxmlformats.org/markup-compatibility/2006" xmlns:mv="urn:schemas-microsoft-com:mac:vml" xmlns:p="http://schemas.openxmlformats.org/presentationml/2006/main" xmlns:c="http://schemas.openxmlformats.org/drawingml/2006/chart" xmlns:dgm="http://schemas.openxmlformats.org/drawingml/2006/diagram" xmlns:o="urn:schemas-microsoft-com:office:office" xmlns:v="urn:schemas-microsoft-com:vml" xmlns:pvml="urn:schemas-microsoft-com:office:powerpoint" xmlns:com="http://schemas.openxmlformats.org/drawingml/2006/compatibility" xmlns:p14="http://schemas.microsoft.com/office/powerpoint/2010/main" xmlns:p15="http://schemas.microsoft.com/office/powerpoint/2012/main" xmlns:ahyp="http://schemas.microsoft.com/office/drawing/2018/hyperlinkcolor" showMasterPhAnim="0" showMasterSp="0">
+<p:notes xmlns:a="http://schemas.openxmlformats.org/drawingml/2006/main" xmlns:r="http://schemas.openxmlformats.org/officeDocument/2006/relationships" xmlns:p="http://schemas.openxmlformats.org/presentationml/2006/main" showMasterSp="0" showMasterPhAnim="0">
   <p:cSld>
     <p:spTree>
       <p:nvGrpSpPr>
-        <p:cNvPr id="50" name="Shape 50"/>
+        <p:cNvPr id="1" name="Shape 50"/>
         <p:cNvGrpSpPr/>
         <p:nvPr/>
       </p:nvGrpSpPr>
@@ -718,20 +747,26 @@
       <p:sp>
         <p:nvSpPr>
           <p:cNvPr id="51" name="Google Shape;51;p:notes"/>
-          <p:cNvSpPr/>
+          <p:cNvSpPr>
+            <a:spLocks noGrp="1" noRot="1" noChangeAspect="1"/>
+          </p:cNvSpPr>
           <p:nvPr>
-            <p:ph idx="2" type="sldImg"/>
+            <p:ph type="sldImg" idx="2"/>
           </p:nvPr>
         </p:nvSpPr>
         <p:spPr>
           <a:xfrm>
-            <a:off x="381300" y="685800"/>
-            <a:ext cx="6096075" cy="3429000"/>
+            <a:off x="381000" y="685800"/>
+            <a:ext cx="6096000" cy="3429000"/>
           </a:xfrm>
           <a:custGeom>
-            <a:rect b="b" l="l" r="r" t="t"/>
+            <a:avLst/>
+            <a:gdLst/>
+            <a:ahLst/>
+            <a:cxnLst/>
+            <a:rect l="l" t="t" r="r" b="b"/>
             <a:pathLst>
-              <a:path extrusionOk="0" h="120000" w="120000">
+              <a:path w="120000" h="120000" extrusionOk="0">
                 <a:moveTo>
                   <a:pt x="0" y="0"/>
                 </a:moveTo>
@@ -753,9 +788,11 @@
       <p:sp>
         <p:nvSpPr>
           <p:cNvPr id="52" name="Google Shape;52;p:notes"/>
-          <p:cNvSpPr txBox="1"/>
+          <p:cNvSpPr txBox="1">
+            <a:spLocks noGrp="1"/>
+          </p:cNvSpPr>
           <p:nvPr>
-            <p:ph idx="1" type="body"/>
+            <p:ph type="body" idx="1"/>
           </p:nvPr>
         </p:nvSpPr>
         <p:spPr>
@@ -768,12 +805,12 @@
           </a:prstGeom>
         </p:spPr>
         <p:txBody>
-          <a:bodyPr anchorCtr="0" anchor="t" bIns="91425" lIns="91425" spcFirstLastPara="1" rIns="91425" wrap="square" tIns="91425">
+          <a:bodyPr spcFirstLastPara="1" wrap="square" lIns="91425" tIns="91425" rIns="91425" bIns="91425" anchor="t" anchorCtr="0">
             <a:noAutofit/>
           </a:bodyPr>
           <a:lstStyle/>
           <a:p>
-            <a:pPr indent="0" lvl="0" marL="0" rtl="0" algn="l">
+            <a:pPr marL="0" lvl="0" indent="0" algn="l" rtl="0">
               <a:spcBef>
                 <a:spcPts val="0"/>
               </a:spcBef>
@@ -797,7 +834,7 @@
             </a:endParaRPr>
           </a:p>
           <a:p>
-            <a:pPr indent="0" lvl="0" marL="0" rtl="0" algn="l">
+            <a:pPr marL="0" lvl="0" indent="0" algn="l" rtl="0">
               <a:spcBef>
                 <a:spcPts val="0"/>
               </a:spcBef>
@@ -811,9 +848,6 @@
               <a:buFont typeface="Arial"/>
               <a:buNone/>
             </a:pPr>
-            <a:r>
-              <a:t/>
-            </a:r>
             <a:endParaRPr sz="1300">
               <a:solidFill>
                 <a:schemeClr val="dk1"/>
@@ -821,7 +855,7 @@
             </a:endParaRPr>
           </a:p>
           <a:p>
-            <a:pPr indent="0" lvl="0" marL="0" rtl="0" algn="l">
+            <a:pPr marL="0" lvl="0" indent="0" algn="l" rtl="0">
               <a:spcBef>
                 <a:spcPts val="0"/>
               </a:spcBef>
@@ -856,11 +890,11 @@
 </file>
 
 <file path=ppt/notesSlides/notesSlide2.xml><?xml version="1.0" encoding="utf-8"?>
-<p:notes xmlns:a="http://schemas.openxmlformats.org/drawingml/2006/main" xmlns:r="http://schemas.openxmlformats.org/officeDocument/2006/relationships" xmlns:mc="http://schemas.openxmlformats.org/markup-compatibility/2006" xmlns:mv="urn:schemas-microsoft-com:mac:vml" xmlns:p="http://schemas.openxmlformats.org/presentationml/2006/main" xmlns:c="http://schemas.openxmlformats.org/drawingml/2006/chart" xmlns:dgm="http://schemas.openxmlformats.org/drawingml/2006/diagram" xmlns:o="urn:schemas-microsoft-com:office:office" xmlns:v="urn:schemas-microsoft-com:vml" xmlns:pvml="urn:schemas-microsoft-com:office:powerpoint" xmlns:com="http://schemas.openxmlformats.org/drawingml/2006/compatibility" xmlns:p14="http://schemas.microsoft.com/office/powerpoint/2010/main" xmlns:p15="http://schemas.microsoft.com/office/powerpoint/2012/main" xmlns:ahyp="http://schemas.microsoft.com/office/drawing/2018/hyperlinkcolor" showMasterPhAnim="0" showMasterSp="0">
+<p:notes xmlns:a="http://schemas.openxmlformats.org/drawingml/2006/main" xmlns:r="http://schemas.openxmlformats.org/officeDocument/2006/relationships" xmlns:p="http://schemas.openxmlformats.org/presentationml/2006/main" showMasterSp="0" showMasterPhAnim="0">
   <p:cSld>
     <p:spTree>
       <p:nvGrpSpPr>
-        <p:cNvPr id="56" name="Shape 56"/>
+        <p:cNvPr id="1" name="Shape 56"/>
         <p:cNvGrpSpPr/>
         <p:nvPr/>
       </p:nvGrpSpPr>
@@ -875,20 +909,26 @@
       <p:sp>
         <p:nvSpPr>
           <p:cNvPr id="57" name="Google Shape;57;g258f7ace5fa_0_49:notes"/>
-          <p:cNvSpPr/>
+          <p:cNvSpPr>
+            <a:spLocks noGrp="1" noRot="1" noChangeAspect="1"/>
+          </p:cNvSpPr>
           <p:nvPr>
-            <p:ph idx="2" type="sldImg"/>
+            <p:ph type="sldImg" idx="2"/>
           </p:nvPr>
         </p:nvSpPr>
         <p:spPr>
           <a:xfrm>
-            <a:off x="381300" y="685800"/>
+            <a:off x="381000" y="685800"/>
             <a:ext cx="6096000" cy="3429000"/>
           </a:xfrm>
           <a:custGeom>
-            <a:rect b="b" l="l" r="r" t="t"/>
+            <a:avLst/>
+            <a:gdLst/>
+            <a:ahLst/>
+            <a:cxnLst/>
+            <a:rect l="l" t="t" r="r" b="b"/>
             <a:pathLst>
-              <a:path extrusionOk="0" h="120000" w="120000">
+              <a:path w="120000" h="120000" extrusionOk="0">
                 <a:moveTo>
                   <a:pt x="0" y="0"/>
                 </a:moveTo>
@@ -910,9 +950,11 @@
       <p:sp>
         <p:nvSpPr>
           <p:cNvPr id="58" name="Google Shape;58;g258f7ace5fa_0_49:notes"/>
-          <p:cNvSpPr txBox="1"/>
+          <p:cNvSpPr txBox="1">
+            <a:spLocks noGrp="1"/>
+          </p:cNvSpPr>
           <p:nvPr>
-            <p:ph idx="1" type="body"/>
+            <p:ph type="body" idx="1"/>
           </p:nvPr>
         </p:nvSpPr>
         <p:spPr>
@@ -925,12 +967,12 @@
           </a:prstGeom>
         </p:spPr>
         <p:txBody>
-          <a:bodyPr anchorCtr="0" anchor="t" bIns="91425" lIns="91425" spcFirstLastPara="1" rIns="91425" wrap="square" tIns="91425">
+          <a:bodyPr spcFirstLastPara="1" wrap="square" lIns="91425" tIns="91425" rIns="91425" bIns="91425" anchor="t" anchorCtr="0">
             <a:noAutofit/>
           </a:bodyPr>
           <a:lstStyle/>
           <a:p>
-            <a:pPr indent="0" lvl="0" marL="0" rtl="0" algn="l">
+            <a:pPr marL="0" lvl="0" indent="0" algn="l" rtl="0">
               <a:spcBef>
                 <a:spcPts val="0"/>
               </a:spcBef>
@@ -940,29 +982,21 @@
               <a:buNone/>
             </a:pPr>
             <a:r>
-              <a:rPr lang="en" sz="1300">
+              <a:rPr lang="en" sz="1300" dirty="0">
                 <a:solidFill>
                   <a:schemeClr val="dk1"/>
                 </a:solidFill>
               </a:rPr>
-              <a:t>I will take </a:t>
-            </a:r>
-            <a:r>
-              <a:rPr lang="en" sz="1300">
-                <a:solidFill>
-                  <a:schemeClr val="dk1"/>
-                </a:solidFill>
-              </a:rPr>
-              <a:t>you through this game development process.</a:t>
-            </a:r>
-            <a:endParaRPr sz="1300">
+              <a:t>I will take you through this game development process.</a:t>
+            </a:r>
+            <a:endParaRPr sz="1300" dirty="0">
               <a:solidFill>
                 <a:schemeClr val="dk1"/>
               </a:solidFill>
             </a:endParaRPr>
           </a:p>
           <a:p>
-            <a:pPr indent="0" lvl="0" marL="0" rtl="0" algn="l">
+            <a:pPr marL="0" lvl="0" indent="0" algn="l" rtl="0">
               <a:spcBef>
                 <a:spcPts val="0"/>
               </a:spcBef>
@@ -971,17 +1005,14 @@
               </a:spcAft>
               <a:buNone/>
             </a:pPr>
-            <a:r>
-              <a:t/>
-            </a:r>
-            <a:endParaRPr sz="1300">
+            <a:endParaRPr sz="1300" dirty="0">
               <a:solidFill>
                 <a:schemeClr val="dk1"/>
               </a:solidFill>
             </a:endParaRPr>
           </a:p>
           <a:p>
-            <a:pPr indent="0" lvl="0" marL="0" rtl="0" algn="l">
+            <a:pPr marL="0" lvl="0" indent="0" algn="l" rtl="0">
               <a:spcBef>
                 <a:spcPts val="0"/>
               </a:spcBef>
@@ -991,7 +1022,7 @@
               <a:buNone/>
             </a:pPr>
             <a:r>
-              <a:rPr lang="en" sz="1300">
+              <a:rPr lang="en" sz="1300" dirty="0">
                 <a:solidFill>
                   <a:schemeClr val="dk1"/>
                 </a:solidFill>
@@ -999,43 +1030,20 @@
               <a:t>And here is how im gonna do it</a:t>
             </a:r>
             <a:br>
-              <a:rPr lang="en" sz="1300">
+              <a:rPr lang="en" sz="1300" dirty="0">
                 <a:solidFill>
                   <a:schemeClr val="dk1"/>
                 </a:solidFill>
               </a:rPr>
             </a:br>
-            <a:br>
-              <a:rPr lang="en" sz="1300">
-                <a:solidFill>
-                  <a:schemeClr val="dk1"/>
-                </a:solidFill>
-              </a:rPr>
-            </a:br>
-            <a:r>
-              <a:rPr lang="en" sz="1300">
-                <a:solidFill>
-                  <a:schemeClr val="dk1"/>
-                </a:solidFill>
-              </a:rPr>
-              <a:t>But before diving into that, </a:t>
-            </a:r>
-            <a:r>
-              <a:rPr lang="en" sz="1300">
-                <a:solidFill>
-                  <a:schemeClr val="dk1"/>
-                </a:solidFill>
-              </a:rPr>
-              <a:t>let's get a look into the game</a:t>
-            </a:r>
-            <a:endParaRPr sz="1300">
+            <a:endParaRPr sz="1300" dirty="0">
               <a:solidFill>
                 <a:schemeClr val="dk1"/>
               </a:solidFill>
             </a:endParaRPr>
           </a:p>
           <a:p>
-            <a:pPr indent="0" lvl="0" marL="0" rtl="0" algn="l">
+            <a:pPr marL="0" lvl="0" indent="0" algn="l" rtl="0">
               <a:spcBef>
                 <a:spcPts val="0"/>
               </a:spcBef>
@@ -1045,33 +1053,14 @@
               <a:buNone/>
             </a:pPr>
             <a:r>
-              <a:t/>
-            </a:r>
-            <a:endParaRPr sz="1300">
-              <a:solidFill>
-                <a:schemeClr val="dk1"/>
-              </a:solidFill>
-            </a:endParaRPr>
-          </a:p>
-          <a:p>
-            <a:pPr indent="0" lvl="0" marL="0" rtl="0" algn="l">
-              <a:spcBef>
-                <a:spcPts val="0"/>
-              </a:spcBef>
-              <a:spcAft>
-                <a:spcPts val="0"/>
-              </a:spcAft>
-              <a:buNone/>
-            </a:pPr>
-            <a:r>
-              <a:rPr lang="en" sz="1300">
+              <a:rPr lang="en" sz="1300" dirty="0">
                 <a:solidFill>
                   <a:schemeClr val="dk1"/>
                 </a:solidFill>
               </a:rPr>
               <a:t>Let's dive into the journey of 'Copycat Symon Says' and explore how it evolved into the app it is today</a:t>
             </a:r>
-            <a:endParaRPr sz="1300"/>
+            <a:endParaRPr sz="1300" dirty="0"/>
           </a:p>
         </p:txBody>
       </p:sp>
@@ -1084,11 +1073,11 @@
 </file>
 
 <file path=ppt/notesSlides/notesSlide3.xml><?xml version="1.0" encoding="utf-8"?>
-<p:notes xmlns:a="http://schemas.openxmlformats.org/drawingml/2006/main" xmlns:r="http://schemas.openxmlformats.org/officeDocument/2006/relationships" xmlns:mc="http://schemas.openxmlformats.org/markup-compatibility/2006" xmlns:mv="urn:schemas-microsoft-com:mac:vml" xmlns:p="http://schemas.openxmlformats.org/presentationml/2006/main" xmlns:c="http://schemas.openxmlformats.org/drawingml/2006/chart" xmlns:dgm="http://schemas.openxmlformats.org/drawingml/2006/diagram" xmlns:o="urn:schemas-microsoft-com:office:office" xmlns:v="urn:schemas-microsoft-com:vml" xmlns:pvml="urn:schemas-microsoft-com:office:powerpoint" xmlns:com="http://schemas.openxmlformats.org/drawingml/2006/compatibility" xmlns:p14="http://schemas.microsoft.com/office/powerpoint/2010/main" xmlns:p15="http://schemas.microsoft.com/office/powerpoint/2012/main" xmlns:ahyp="http://schemas.microsoft.com/office/drawing/2018/hyperlinkcolor" showMasterPhAnim="0" showMasterSp="0">
+<p:notes xmlns:a="http://schemas.openxmlformats.org/drawingml/2006/main" xmlns:r="http://schemas.openxmlformats.org/officeDocument/2006/relationships" xmlns:p="http://schemas.openxmlformats.org/presentationml/2006/main" showMasterSp="0" showMasterPhAnim="0">
   <p:cSld>
     <p:spTree>
       <p:nvGrpSpPr>
-        <p:cNvPr id="62" name="Shape 62"/>
+        <p:cNvPr id="1" name="Shape 62"/>
         <p:cNvGrpSpPr/>
         <p:nvPr/>
       </p:nvGrpSpPr>
@@ -1103,20 +1092,26 @@
       <p:sp>
         <p:nvSpPr>
           <p:cNvPr id="63" name="Google Shape;63;g258f7ace5fa_0_56:notes"/>
-          <p:cNvSpPr/>
+          <p:cNvSpPr>
+            <a:spLocks noGrp="1" noRot="1" noChangeAspect="1"/>
+          </p:cNvSpPr>
           <p:nvPr>
-            <p:ph idx="2" type="sldImg"/>
+            <p:ph type="sldImg" idx="2"/>
           </p:nvPr>
         </p:nvSpPr>
         <p:spPr>
           <a:xfrm>
-            <a:off x="381300" y="685800"/>
+            <a:off x="381000" y="685800"/>
             <a:ext cx="6096000" cy="3429000"/>
           </a:xfrm>
           <a:custGeom>
-            <a:rect b="b" l="l" r="r" t="t"/>
+            <a:avLst/>
+            <a:gdLst/>
+            <a:ahLst/>
+            <a:cxnLst/>
+            <a:rect l="l" t="t" r="r" b="b"/>
             <a:pathLst>
-              <a:path extrusionOk="0" h="120000" w="120000">
+              <a:path w="120000" h="120000" extrusionOk="0">
                 <a:moveTo>
                   <a:pt x="0" y="0"/>
                 </a:moveTo>
@@ -1138,9 +1133,11 @@
       <p:sp>
         <p:nvSpPr>
           <p:cNvPr id="64" name="Google Shape;64;g258f7ace5fa_0_56:notes"/>
-          <p:cNvSpPr txBox="1"/>
+          <p:cNvSpPr txBox="1">
+            <a:spLocks noGrp="1"/>
+          </p:cNvSpPr>
           <p:nvPr>
-            <p:ph idx="1" type="body"/>
+            <p:ph type="body" idx="1"/>
           </p:nvPr>
         </p:nvSpPr>
         <p:spPr>
@@ -1153,12 +1150,12 @@
           </a:prstGeom>
         </p:spPr>
         <p:txBody>
-          <a:bodyPr anchorCtr="0" anchor="t" bIns="91425" lIns="91425" spcFirstLastPara="1" rIns="91425" wrap="square" tIns="91425">
+          <a:bodyPr spcFirstLastPara="1" wrap="square" lIns="91425" tIns="91425" rIns="91425" bIns="91425" anchor="t" anchorCtr="0">
             <a:noAutofit/>
           </a:bodyPr>
           <a:lstStyle/>
           <a:p>
-            <a:pPr indent="0" lvl="0" marL="0" rtl="0" algn="l">
+            <a:pPr marL="0" lvl="0" indent="0" algn="l" rtl="0">
               <a:spcBef>
                 <a:spcPts val="0"/>
               </a:spcBef>
@@ -1168,13 +1165,13 @@
               <a:buNone/>
             </a:pPr>
             <a:r>
-              <a:rPr lang="en" sz="1300"/>
+              <a:rPr lang="en" sz="1300" dirty="0"/>
               <a:t>By reaching this day, You already know that Developing an app can get very complicated.</a:t>
             </a:r>
-            <a:endParaRPr sz="1300"/>
-          </a:p>
-          <a:p>
-            <a:pPr indent="0" lvl="0" marL="0" rtl="0" algn="l">
+            <a:endParaRPr sz="1300" dirty="0"/>
+          </a:p>
+          <a:p>
+            <a:pPr marL="0" lvl="0" indent="0" algn="l" rtl="0">
               <a:spcBef>
                 <a:spcPts val="0"/>
               </a:spcBef>
@@ -1183,13 +1180,10 @@
               </a:spcAft>
               <a:buNone/>
             </a:pPr>
-            <a:r>
-              <a:t/>
-            </a:r>
-            <a:endParaRPr sz="1300"/>
-          </a:p>
-          <a:p>
-            <a:pPr indent="0" lvl="0" marL="0" rtl="0" algn="l">
+            <a:endParaRPr sz="1300" dirty="0"/>
+          </a:p>
+          <a:p>
+            <a:pPr marL="0" lvl="0" indent="0" algn="l" rtl="0">
               <a:spcBef>
                 <a:spcPts val="0"/>
               </a:spcBef>
@@ -1199,13 +1193,13 @@
               <a:buNone/>
             </a:pPr>
             <a:r>
-              <a:rPr lang="en" sz="1300"/>
+              <a:rPr lang="en" sz="1300" dirty="0"/>
               <a:t>However, it is a fact that planning can reduce project failures for developers.</a:t>
             </a:r>
-            <a:endParaRPr sz="1300"/>
-          </a:p>
-          <a:p>
-            <a:pPr indent="0" lvl="0" marL="0" rtl="0" algn="l">
+            <a:endParaRPr sz="1300" dirty="0"/>
+          </a:p>
+          <a:p>
+            <a:pPr marL="0" lvl="0" indent="0" algn="l" rtl="0">
               <a:spcBef>
                 <a:spcPts val="0"/>
               </a:spcBef>
@@ -1214,13 +1208,10 @@
               </a:spcAft>
               <a:buNone/>
             </a:pPr>
-            <a:r>
-              <a:t/>
-            </a:r>
-            <a:endParaRPr sz="1300"/>
-          </a:p>
-          <a:p>
-            <a:pPr indent="0" lvl="0" marL="0" rtl="0" algn="l">
+            <a:endParaRPr sz="1300" dirty="0"/>
+          </a:p>
+          <a:p>
+            <a:pPr marL="0" lvl="0" indent="0" algn="l" rtl="0">
               <a:spcBef>
                 <a:spcPts val="0"/>
               </a:spcBef>
@@ -1230,13 +1221,13 @@
               <a:buNone/>
             </a:pPr>
             <a:r>
-              <a:rPr lang="en" sz="1300"/>
+              <a:rPr lang="en" sz="1300" dirty="0"/>
               <a:t>I planned my way to develop this project, and I created a bunch of documents regarding the planning phase</a:t>
             </a:r>
-            <a:endParaRPr sz="1300"/>
-          </a:p>
-          <a:p>
-            <a:pPr indent="0" lvl="0" marL="0" rtl="0" algn="l">
+            <a:endParaRPr sz="1300" dirty="0"/>
+          </a:p>
+          <a:p>
+            <a:pPr marL="0" lvl="0" indent="0" algn="l" rtl="0">
               <a:spcBef>
                 <a:spcPts val="0"/>
               </a:spcBef>
@@ -1245,13 +1236,10 @@
               </a:spcAft>
               <a:buNone/>
             </a:pPr>
-            <a:r>
-              <a:t/>
-            </a:r>
-            <a:endParaRPr sz="1300"/>
-          </a:p>
-          <a:p>
-            <a:pPr indent="0" lvl="0" marL="0" rtl="0" algn="l">
+            <a:endParaRPr sz="1300" dirty="0"/>
+          </a:p>
+          <a:p>
+            <a:pPr marL="0" lvl="0" indent="0" algn="l" rtl="0">
               <a:spcBef>
                 <a:spcPts val="0"/>
               </a:spcBef>
@@ -1261,26 +1249,49 @@
               <a:buNone/>
             </a:pPr>
             <a:r>
-              <a:rPr lang="en" sz="1300"/>
+              <a:rPr lang="en" sz="1300" dirty="0"/>
               <a:t>These some of them</a:t>
             </a:r>
-            <a:endParaRPr sz="1300"/>
-          </a:p>
-          <a:p>
-            <a:pPr indent="0" lvl="0" marL="0" rtl="0" algn="l">
-              <a:spcBef>
-                <a:spcPts val="0"/>
-              </a:spcBef>
-              <a:spcAft>
-                <a:spcPts val="0"/>
-              </a:spcAft>
-              <a:buNone/>
+            <a:endParaRPr sz="1300" dirty="0"/>
+          </a:p>
+          <a:p>
+            <a:pPr marL="0" marR="0" lvl="0" indent="0" algn="l" defTabSz="914400" rtl="0" eaLnBrk="1" fontAlgn="auto" latinLnBrk="0" hangingPunct="1">
+              <a:lnSpc>
+                <a:spcPct val="100000"/>
+              </a:lnSpc>
+              <a:spcBef>
+                <a:spcPts val="0"/>
+              </a:spcBef>
+              <a:spcAft>
+                <a:spcPts val="0"/>
+              </a:spcAft>
+              <a:buClr>
+                <a:srgbClr val="000000"/>
+              </a:buClr>
+              <a:buSzPts val="1100"/>
+              <a:buFont typeface="Arial"/>
+              <a:buNone/>
+              <a:tabLst/>
+              <a:defRPr/>
             </a:pPr>
             <a:r>
-              <a:rPr lang="en" sz="1300"/>
+              <a:rPr lang="en" sz="1300" dirty="0"/>
               <a:t>you can find the full documents in the readme file.</a:t>
             </a:r>
-            <a:endParaRPr sz="1300"/>
+            <a:br>
+              <a:rPr lang="en" sz="1300" dirty="0"/>
+            </a:br>
+            <a:br>
+              <a:rPr lang="en" sz="1300" dirty="0"/>
+            </a:br>
+            <a:r>
+              <a:rPr lang="en-US" sz="1300" dirty="0">
+                <a:solidFill>
+                  <a:schemeClr val="dk1"/>
+                </a:solidFill>
+              </a:rPr>
+              <a:t>before diving more into that, let's get a look into the game</a:t>
+            </a:r>
           </a:p>
         </p:txBody>
       </p:sp>
@@ -1293,11 +1304,11 @@
 </file>
 
 <file path=ppt/notesSlides/notesSlide4.xml><?xml version="1.0" encoding="utf-8"?>
-<p:notes xmlns:a="http://schemas.openxmlformats.org/drawingml/2006/main" xmlns:r="http://schemas.openxmlformats.org/officeDocument/2006/relationships" xmlns:mc="http://schemas.openxmlformats.org/markup-compatibility/2006" xmlns:mv="urn:schemas-microsoft-com:mac:vml" xmlns:p="http://schemas.openxmlformats.org/presentationml/2006/main" xmlns:c="http://schemas.openxmlformats.org/drawingml/2006/chart" xmlns:dgm="http://schemas.openxmlformats.org/drawingml/2006/diagram" xmlns:o="urn:schemas-microsoft-com:office:office" xmlns:v="urn:schemas-microsoft-com:vml" xmlns:pvml="urn:schemas-microsoft-com:office:powerpoint" xmlns:com="http://schemas.openxmlformats.org/drawingml/2006/compatibility" xmlns:p14="http://schemas.microsoft.com/office/powerpoint/2010/main" xmlns:p15="http://schemas.microsoft.com/office/powerpoint/2012/main" xmlns:ahyp="http://schemas.microsoft.com/office/drawing/2018/hyperlinkcolor" showMasterPhAnim="0" showMasterSp="0">
+<p:notes xmlns:a="http://schemas.openxmlformats.org/drawingml/2006/main" xmlns:r="http://schemas.openxmlformats.org/officeDocument/2006/relationships" xmlns:p="http://schemas.openxmlformats.org/presentationml/2006/main" showMasterSp="0" showMasterPhAnim="0">
   <p:cSld>
     <p:spTree>
       <p:nvGrpSpPr>
-        <p:cNvPr id="75" name="Shape 75"/>
+        <p:cNvPr id="1" name="Shape 75"/>
         <p:cNvGrpSpPr/>
         <p:nvPr/>
       </p:nvGrpSpPr>
@@ -1312,20 +1323,26 @@
       <p:sp>
         <p:nvSpPr>
           <p:cNvPr id="76" name="Google Shape;76;g258f7ace5fa_0_89:notes"/>
-          <p:cNvSpPr/>
+          <p:cNvSpPr>
+            <a:spLocks noGrp="1" noRot="1" noChangeAspect="1"/>
+          </p:cNvSpPr>
           <p:nvPr>
-            <p:ph idx="2" type="sldImg"/>
+            <p:ph type="sldImg" idx="2"/>
           </p:nvPr>
         </p:nvSpPr>
         <p:spPr>
           <a:xfrm>
-            <a:off x="381300" y="685800"/>
+            <a:off x="381000" y="685800"/>
             <a:ext cx="6096000" cy="3429000"/>
           </a:xfrm>
           <a:custGeom>
-            <a:rect b="b" l="l" r="r" t="t"/>
+            <a:avLst/>
+            <a:gdLst/>
+            <a:ahLst/>
+            <a:cxnLst/>
+            <a:rect l="l" t="t" r="r" b="b"/>
             <a:pathLst>
-              <a:path extrusionOk="0" h="120000" w="120000">
+              <a:path w="120000" h="120000" extrusionOk="0">
                 <a:moveTo>
                   <a:pt x="0" y="0"/>
                 </a:moveTo>
@@ -1347,9 +1364,11 @@
       <p:sp>
         <p:nvSpPr>
           <p:cNvPr id="77" name="Google Shape;77;g258f7ace5fa_0_89:notes"/>
-          <p:cNvSpPr txBox="1"/>
+          <p:cNvSpPr txBox="1">
+            <a:spLocks noGrp="1"/>
+          </p:cNvSpPr>
           <p:nvPr>
-            <p:ph idx="1" type="body"/>
+            <p:ph type="body" idx="1"/>
           </p:nvPr>
         </p:nvSpPr>
         <p:spPr>
@@ -1362,12 +1381,12 @@
           </a:prstGeom>
         </p:spPr>
         <p:txBody>
-          <a:bodyPr anchorCtr="0" anchor="t" bIns="91425" lIns="91425" spcFirstLastPara="1" rIns="91425" wrap="square" tIns="91425">
+          <a:bodyPr spcFirstLastPara="1" wrap="square" lIns="91425" tIns="91425" rIns="91425" bIns="91425" anchor="t" anchorCtr="0">
             <a:noAutofit/>
           </a:bodyPr>
           <a:lstStyle/>
           <a:p>
-            <a:pPr indent="0" lvl="0" marL="0" rtl="0" algn="l">
+            <a:pPr marL="0" lvl="0" indent="0" algn="l" rtl="0">
               <a:spcBef>
                 <a:spcPts val="0"/>
               </a:spcBef>
@@ -1378,31 +1397,7 @@
             </a:pPr>
             <a:r>
               <a:rPr lang="en" sz="1300"/>
-              <a:t>The core idea of the game that we have two arrays where the computer generate one </a:t>
-            </a:r>
-            <a:r>
-              <a:rPr lang="en" sz="1300"/>
-              <a:t>randomly</a:t>
-            </a:r>
-            <a:r>
-              <a:rPr lang="en" sz="1300"/>
-              <a:t> and the user must follow the same generated seq, we are </a:t>
-            </a:r>
-            <a:r>
-              <a:rPr lang="en" sz="1300"/>
-              <a:t>comparing</a:t>
-            </a:r>
-            <a:r>
-              <a:rPr lang="en" sz="1300"/>
-              <a:t> between these two arrays, and whenever the user failed to </a:t>
-            </a:r>
-            <a:r>
-              <a:rPr lang="en" sz="1300"/>
-              <a:t>repeat</a:t>
-            </a:r>
-            <a:r>
-              <a:rPr lang="en" sz="1300"/>
-              <a:t> the array the game ends</a:t>
+              <a:t>The core idea of the game that we have two arrays where the computer generate one randomly and the user must follow the same generated seq, we are comparing between these two arrays, and whenever the user failed to repeat the array the game ends</a:t>
             </a:r>
             <a:br>
               <a:rPr lang="en" sz="1300"/>
@@ -1412,15 +1407,7 @@
             </a:br>
             <a:r>
               <a:rPr lang="en" sz="1300"/>
-              <a:t>These are some of lines i faced during the </a:t>
-            </a:r>
-            <a:r>
-              <a:rPr lang="en" sz="1300"/>
-              <a:t>development</a:t>
-            </a:r>
-            <a:r>
-              <a:rPr lang="en" sz="1300"/>
-              <a:t>:</a:t>
+              <a:t>These are some of lines i faced during the development:</a:t>
             </a:r>
             <a:br>
               <a:rPr lang="en" sz="1300"/>
@@ -1456,7 +1443,7 @@
             </a:endParaRPr>
           </a:p>
           <a:p>
-            <a:pPr indent="-228600" lvl="0" marL="723900" rtl="0" algn="l">
+            <a:pPr marL="723900" lvl="0" indent="-228600" algn="l" rtl="0">
               <a:lnSpc>
                 <a:spcPct val="115000"/>
               </a:lnSpc>
@@ -1499,7 +1486,7 @@
             </a:endParaRPr>
           </a:p>
           <a:p>
-            <a:pPr indent="-228600" lvl="0" marL="723900" rtl="0" algn="l">
+            <a:pPr marL="723900" lvl="0" indent="-228600" algn="l" rtl="0">
               <a:lnSpc>
                 <a:spcPct val="115000"/>
               </a:lnSpc>
@@ -1542,7 +1529,7 @@
             </a:endParaRPr>
           </a:p>
           <a:p>
-            <a:pPr indent="-228600" lvl="0" marL="723900" rtl="0" algn="l">
+            <a:pPr marL="723900" lvl="0" indent="-228600" algn="l" rtl="0">
               <a:lnSpc>
                 <a:spcPct val="115000"/>
               </a:lnSpc>
@@ -1585,7 +1572,7 @@
             </a:endParaRPr>
           </a:p>
           <a:p>
-            <a:pPr indent="-228600" lvl="0" marL="723900" rtl="0" algn="l">
+            <a:pPr marL="723900" lvl="0" indent="-228600" algn="l" rtl="0">
               <a:lnSpc>
                 <a:spcPct val="115000"/>
               </a:lnSpc>
@@ -1628,7 +1615,7 @@
             </a:endParaRPr>
           </a:p>
           <a:p>
-            <a:pPr indent="-228600" lvl="0" marL="723900" rtl="0" algn="l">
+            <a:pPr marL="723900" lvl="0" indent="-228600" algn="l" rtl="0">
               <a:lnSpc>
                 <a:spcPct val="115000"/>
               </a:lnSpc>
@@ -1694,7 +1681,7 @@
             </a:endParaRPr>
           </a:p>
           <a:p>
-            <a:pPr indent="-228600" lvl="0" marL="723900" rtl="0" algn="l">
+            <a:pPr marL="723900" lvl="0" indent="-228600" algn="l" rtl="0">
               <a:lnSpc>
                 <a:spcPct val="115000"/>
               </a:lnSpc>
@@ -1733,7 +1720,7 @@
             </a:endParaRPr>
           </a:p>
           <a:p>
-            <a:pPr indent="-228600" lvl="0" marL="723900" rtl="0" algn="l">
+            <a:pPr marL="723900" lvl="0" indent="-228600" algn="l" rtl="0">
               <a:lnSpc>
                 <a:spcPct val="115000"/>
               </a:lnSpc>
@@ -1772,7 +1759,7 @@
             </a:endParaRPr>
           </a:p>
           <a:p>
-            <a:pPr indent="0" lvl="0" marL="457200" rtl="0" algn="l">
+            <a:pPr marL="457200" lvl="0" indent="0" algn="l" rtl="0">
               <a:lnSpc>
                 <a:spcPct val="115000"/>
               </a:lnSpc>
@@ -1784,9 +1771,6 @@
               </a:spcAft>
               <a:buNone/>
             </a:pPr>
-            <a:r>
-              <a:t/>
-            </a:r>
             <a:endParaRPr sz="1300">
               <a:solidFill>
                 <a:srgbClr val="1D1C1D"/>
@@ -1794,7 +1778,7 @@
             </a:endParaRPr>
           </a:p>
           <a:p>
-            <a:pPr indent="0" lvl="0" marL="457200" rtl="0" algn="l">
+            <a:pPr marL="457200" lvl="0" indent="0" algn="l" rtl="0">
               <a:lnSpc>
                 <a:spcPct val="115000"/>
               </a:lnSpc>
@@ -1806,9 +1790,6 @@
               </a:spcAft>
               <a:buNone/>
             </a:pPr>
-            <a:r>
-              <a:t/>
-            </a:r>
             <a:endParaRPr sz="1300">
               <a:solidFill>
                 <a:srgbClr val="1D1C1D"/>
@@ -1816,7 +1797,7 @@
             </a:endParaRPr>
           </a:p>
           <a:p>
-            <a:pPr indent="0" lvl="0" marL="0" rtl="0" algn="l">
+            <a:pPr marL="0" lvl="0" indent="0" algn="l" rtl="0">
               <a:spcBef>
                 <a:spcPts val="0"/>
               </a:spcBef>
@@ -1825,13 +1806,10 @@
               </a:spcAft>
               <a:buNone/>
             </a:pPr>
-            <a:r>
-              <a:t/>
-            </a:r>
             <a:endParaRPr sz="1300"/>
           </a:p>
           <a:p>
-            <a:pPr indent="-311150" lvl="0" marL="457200" rtl="0" algn="l">
+            <a:pPr marL="457200" lvl="0" indent="-311150" algn="l" rtl="0">
               <a:lnSpc>
                 <a:spcPct val="115000"/>
               </a:lnSpc>
@@ -1868,11 +1846,11 @@
 </file>
 
 <file path=ppt/notesSlides/notesSlide5.xml><?xml version="1.0" encoding="utf-8"?>
-<p:notes xmlns:a="http://schemas.openxmlformats.org/drawingml/2006/main" xmlns:r="http://schemas.openxmlformats.org/officeDocument/2006/relationships" xmlns:mc="http://schemas.openxmlformats.org/markup-compatibility/2006" xmlns:mv="urn:schemas-microsoft-com:mac:vml" xmlns:p="http://schemas.openxmlformats.org/presentationml/2006/main" xmlns:c="http://schemas.openxmlformats.org/drawingml/2006/chart" xmlns:dgm="http://schemas.openxmlformats.org/drawingml/2006/diagram" xmlns:o="urn:schemas-microsoft-com:office:office" xmlns:v="urn:schemas-microsoft-com:vml" xmlns:pvml="urn:schemas-microsoft-com:office:powerpoint" xmlns:com="http://schemas.openxmlformats.org/drawingml/2006/compatibility" xmlns:p14="http://schemas.microsoft.com/office/powerpoint/2010/main" xmlns:p15="http://schemas.microsoft.com/office/powerpoint/2012/main" xmlns:ahyp="http://schemas.microsoft.com/office/drawing/2018/hyperlinkcolor" showMasterPhAnim="0" showMasterSp="0">
+<p:notes xmlns:a="http://schemas.openxmlformats.org/drawingml/2006/main" xmlns:r="http://schemas.openxmlformats.org/officeDocument/2006/relationships" xmlns:p="http://schemas.openxmlformats.org/presentationml/2006/main" showMasterSp="0" showMasterPhAnim="0">
   <p:cSld>
     <p:spTree>
       <p:nvGrpSpPr>
-        <p:cNvPr id="84" name="Shape 84"/>
+        <p:cNvPr id="1" name="Shape 84"/>
         <p:cNvGrpSpPr/>
         <p:nvPr/>
       </p:nvGrpSpPr>
@@ -1887,20 +1865,26 @@
       <p:sp>
         <p:nvSpPr>
           <p:cNvPr id="85" name="Google Shape;85;g258f7ace5fa_0_63:notes"/>
-          <p:cNvSpPr/>
+          <p:cNvSpPr>
+            <a:spLocks noGrp="1" noRot="1" noChangeAspect="1"/>
+          </p:cNvSpPr>
           <p:nvPr>
-            <p:ph idx="2" type="sldImg"/>
+            <p:ph type="sldImg" idx="2"/>
           </p:nvPr>
         </p:nvSpPr>
         <p:spPr>
           <a:xfrm>
-            <a:off x="381300" y="685800"/>
+            <a:off x="381000" y="685800"/>
             <a:ext cx="6096000" cy="3429000"/>
           </a:xfrm>
           <a:custGeom>
-            <a:rect b="b" l="l" r="r" t="t"/>
+            <a:avLst/>
+            <a:gdLst/>
+            <a:ahLst/>
+            <a:cxnLst/>
+            <a:rect l="l" t="t" r="r" b="b"/>
             <a:pathLst>
-              <a:path extrusionOk="0" h="120000" w="120000">
+              <a:path w="120000" h="120000" extrusionOk="0">
                 <a:moveTo>
                   <a:pt x="0" y="0"/>
                 </a:moveTo>
@@ -1922,9 +1906,11 @@
       <p:sp>
         <p:nvSpPr>
           <p:cNvPr id="86" name="Google Shape;86;g258f7ace5fa_0_63:notes"/>
-          <p:cNvSpPr txBox="1"/>
+          <p:cNvSpPr txBox="1">
+            <a:spLocks noGrp="1"/>
+          </p:cNvSpPr>
           <p:nvPr>
-            <p:ph idx="1" type="body"/>
+            <p:ph type="body" idx="1"/>
           </p:nvPr>
         </p:nvSpPr>
         <p:spPr>
@@ -1937,12 +1923,12 @@
           </a:prstGeom>
         </p:spPr>
         <p:txBody>
-          <a:bodyPr anchorCtr="0" anchor="t" bIns="91425" lIns="91425" spcFirstLastPara="1" rIns="91425" wrap="square" tIns="91425">
+          <a:bodyPr spcFirstLastPara="1" wrap="square" lIns="91425" tIns="91425" rIns="91425" bIns="91425" anchor="t" anchorCtr="0">
             <a:noAutofit/>
           </a:bodyPr>
           <a:lstStyle/>
           <a:p>
-            <a:pPr indent="0" lvl="0" marL="0" rtl="0" algn="l">
+            <a:pPr marL="0" lvl="0" indent="0" algn="l" rtl="0">
               <a:spcBef>
                 <a:spcPts val="0"/>
               </a:spcBef>
@@ -1958,7 +1944,7 @@
             <a:endParaRPr sz="1400"/>
           </a:p>
           <a:p>
-            <a:pPr indent="0" lvl="0" marL="0" rtl="0" algn="l">
+            <a:pPr marL="0" lvl="0" indent="0" algn="l" rtl="0">
               <a:spcBef>
                 <a:spcPts val="0"/>
               </a:spcBef>
@@ -1977,7 +1963,7 @@
             <a:endParaRPr sz="1400"/>
           </a:p>
           <a:p>
-            <a:pPr indent="0" lvl="0" marL="0" rtl="0" algn="l">
+            <a:pPr marL="0" lvl="0" indent="0" algn="l" rtl="0">
               <a:spcBef>
                 <a:spcPts val="0"/>
               </a:spcBef>
@@ -1986,13 +1972,10 @@
               </a:spcAft>
               <a:buNone/>
             </a:pPr>
-            <a:r>
-              <a:t/>
-            </a:r>
             <a:endParaRPr sz="1400"/>
           </a:p>
           <a:p>
-            <a:pPr indent="0" lvl="0" marL="0" rtl="0" algn="l">
+            <a:pPr marL="0" lvl="0" indent="0" algn="l" rtl="0">
               <a:spcBef>
                 <a:spcPts val="0"/>
               </a:spcBef>
@@ -2008,7 +1991,7 @@
             <a:endParaRPr sz="1400"/>
           </a:p>
           <a:p>
-            <a:pPr indent="0" lvl="0" marL="0" rtl="0" algn="l">
+            <a:pPr marL="0" lvl="0" indent="0" algn="l" rtl="0">
               <a:spcBef>
                 <a:spcPts val="0"/>
               </a:spcBef>
@@ -2037,11 +2020,11 @@
 </file>
 
 <file path=ppt/notesSlides/notesSlide6.xml><?xml version="1.0" encoding="utf-8"?>
-<p:notes xmlns:a="http://schemas.openxmlformats.org/drawingml/2006/main" xmlns:r="http://schemas.openxmlformats.org/officeDocument/2006/relationships" xmlns:mc="http://schemas.openxmlformats.org/markup-compatibility/2006" xmlns:mv="urn:schemas-microsoft-com:mac:vml" xmlns:p="http://schemas.openxmlformats.org/presentationml/2006/main" xmlns:c="http://schemas.openxmlformats.org/drawingml/2006/chart" xmlns:dgm="http://schemas.openxmlformats.org/drawingml/2006/diagram" xmlns:o="urn:schemas-microsoft-com:office:office" xmlns:v="urn:schemas-microsoft-com:vml" xmlns:pvml="urn:schemas-microsoft-com:office:powerpoint" xmlns:com="http://schemas.openxmlformats.org/drawingml/2006/compatibility" xmlns:p14="http://schemas.microsoft.com/office/powerpoint/2010/main" xmlns:p15="http://schemas.microsoft.com/office/powerpoint/2012/main" xmlns:ahyp="http://schemas.microsoft.com/office/drawing/2018/hyperlinkcolor" showMasterPhAnim="0" showMasterSp="0">
+<p:notes xmlns:a="http://schemas.openxmlformats.org/drawingml/2006/main" xmlns:r="http://schemas.openxmlformats.org/officeDocument/2006/relationships" xmlns:p="http://schemas.openxmlformats.org/presentationml/2006/main" showMasterSp="0" showMasterPhAnim="0">
   <p:cSld>
     <p:spTree>
       <p:nvGrpSpPr>
-        <p:cNvPr id="97" name="Shape 97"/>
+        <p:cNvPr id="1" name="Shape 97"/>
         <p:cNvGrpSpPr/>
         <p:nvPr/>
       </p:nvGrpSpPr>
@@ -2056,20 +2039,26 @@
       <p:sp>
         <p:nvSpPr>
           <p:cNvPr id="98" name="Google Shape;98;g258f7ace5fa_0_75:notes"/>
-          <p:cNvSpPr/>
+          <p:cNvSpPr>
+            <a:spLocks noGrp="1" noRot="1" noChangeAspect="1"/>
+          </p:cNvSpPr>
           <p:nvPr>
-            <p:ph idx="2" type="sldImg"/>
+            <p:ph type="sldImg" idx="2"/>
           </p:nvPr>
         </p:nvSpPr>
         <p:spPr>
           <a:xfrm>
-            <a:off x="381300" y="685800"/>
+            <a:off x="381000" y="685800"/>
             <a:ext cx="6096000" cy="3429000"/>
           </a:xfrm>
           <a:custGeom>
-            <a:rect b="b" l="l" r="r" t="t"/>
+            <a:avLst/>
+            <a:gdLst/>
+            <a:ahLst/>
+            <a:cxnLst/>
+            <a:rect l="l" t="t" r="r" b="b"/>
             <a:pathLst>
-              <a:path extrusionOk="0" h="120000" w="120000">
+              <a:path w="120000" h="120000" extrusionOk="0">
                 <a:moveTo>
                   <a:pt x="0" y="0"/>
                 </a:moveTo>
@@ -2091,9 +2080,11 @@
       <p:sp>
         <p:nvSpPr>
           <p:cNvPr id="99" name="Google Shape;99;g258f7ace5fa_0_75:notes"/>
-          <p:cNvSpPr txBox="1"/>
+          <p:cNvSpPr txBox="1">
+            <a:spLocks noGrp="1"/>
+          </p:cNvSpPr>
           <p:nvPr>
-            <p:ph idx="1" type="body"/>
+            <p:ph type="body" idx="1"/>
           </p:nvPr>
         </p:nvSpPr>
         <p:spPr>
@@ -2106,12 +2097,12 @@
           </a:prstGeom>
         </p:spPr>
         <p:txBody>
-          <a:bodyPr anchorCtr="0" anchor="t" bIns="91425" lIns="91425" spcFirstLastPara="1" rIns="91425" wrap="square" tIns="91425">
+          <a:bodyPr spcFirstLastPara="1" wrap="square" lIns="91425" tIns="91425" rIns="91425" bIns="91425" anchor="t" anchorCtr="0">
             <a:noAutofit/>
           </a:bodyPr>
           <a:lstStyle/>
           <a:p>
-            <a:pPr indent="0" lvl="0" marL="0" rtl="0" algn="l">
+            <a:pPr marL="0" lvl="0" indent="0" algn="l" rtl="0">
               <a:spcBef>
                 <a:spcPts val="0"/>
               </a:spcBef>
@@ -2127,7 +2118,7 @@
             <a:endParaRPr sz="1400"/>
           </a:p>
           <a:p>
-            <a:pPr indent="0" lvl="0" marL="0" rtl="0" algn="l">
+            <a:pPr marL="0" lvl="0" indent="0" algn="l" rtl="0">
               <a:spcBef>
                 <a:spcPts val="0"/>
               </a:spcBef>
@@ -2136,13 +2127,10 @@
               </a:spcAft>
               <a:buNone/>
             </a:pPr>
-            <a:r>
-              <a:t/>
-            </a:r>
             <a:endParaRPr sz="1400"/>
           </a:p>
           <a:p>
-            <a:pPr indent="0" lvl="0" marL="0" rtl="0" algn="l">
+            <a:pPr marL="0" lvl="0" indent="0" algn="l" rtl="0">
               <a:spcBef>
                 <a:spcPts val="0"/>
               </a:spcBef>
@@ -2153,20 +2141,12 @@
             </a:pPr>
             <a:r>
               <a:rPr lang="en" sz="1400"/>
-              <a:t>I planned some of these ideas but i postponed them during the </a:t>
-            </a:r>
-            <a:r>
-              <a:rPr lang="en" sz="1400"/>
-              <a:t>development</a:t>
-            </a:r>
-            <a:r>
-              <a:rPr lang="en" sz="1400"/>
-              <a:t> due to the time limitation</a:t>
+              <a:t>I planned some of these ideas but i postponed them during the development due to the time limitation</a:t>
             </a:r>
             <a:endParaRPr sz="1400"/>
           </a:p>
           <a:p>
-            <a:pPr indent="0" lvl="0" marL="0" rtl="0" algn="l">
+            <a:pPr marL="0" lvl="0" indent="0" algn="l" rtl="0">
               <a:spcBef>
                 <a:spcPts val="0"/>
               </a:spcBef>
@@ -2175,13 +2155,10 @@
               </a:spcAft>
               <a:buNone/>
             </a:pPr>
-            <a:r>
-              <a:t/>
-            </a:r>
             <a:endParaRPr sz="1400"/>
           </a:p>
           <a:p>
-            <a:pPr indent="0" lvl="0" marL="0" rtl="0" algn="l">
+            <a:pPr marL="0" lvl="0" indent="0" algn="l" rtl="0">
               <a:spcBef>
                 <a:spcPts val="0"/>
               </a:spcBef>
@@ -2207,11 +2184,11 @@
 </file>
 
 <file path=ppt/notesSlides/notesSlide7.xml><?xml version="1.0" encoding="utf-8"?>
-<p:notes xmlns:a="http://schemas.openxmlformats.org/drawingml/2006/main" xmlns:r="http://schemas.openxmlformats.org/officeDocument/2006/relationships" xmlns:mc="http://schemas.openxmlformats.org/markup-compatibility/2006" xmlns:mv="urn:schemas-microsoft-com:mac:vml" xmlns:p="http://schemas.openxmlformats.org/presentationml/2006/main" xmlns:c="http://schemas.openxmlformats.org/drawingml/2006/chart" xmlns:dgm="http://schemas.openxmlformats.org/drawingml/2006/diagram" xmlns:o="urn:schemas-microsoft-com:office:office" xmlns:v="urn:schemas-microsoft-com:vml" xmlns:pvml="urn:schemas-microsoft-com:office:powerpoint" xmlns:com="http://schemas.openxmlformats.org/drawingml/2006/compatibility" xmlns:p14="http://schemas.microsoft.com/office/powerpoint/2010/main" xmlns:p15="http://schemas.microsoft.com/office/powerpoint/2012/main" xmlns:ahyp="http://schemas.microsoft.com/office/drawing/2018/hyperlinkcolor" showMasterPhAnim="0" showMasterSp="0">
+<p:notes xmlns:a="http://schemas.openxmlformats.org/drawingml/2006/main" xmlns:r="http://schemas.openxmlformats.org/officeDocument/2006/relationships" xmlns:p="http://schemas.openxmlformats.org/presentationml/2006/main" showMasterSp="0" showMasterPhAnim="0">
   <p:cSld>
     <p:spTree>
       <p:nvGrpSpPr>
-        <p:cNvPr id="103" name="Shape 103"/>
+        <p:cNvPr id="1" name="Shape 103"/>
         <p:cNvGrpSpPr/>
         <p:nvPr/>
       </p:nvGrpSpPr>
@@ -2226,20 +2203,26 @@
       <p:sp>
         <p:nvSpPr>
           <p:cNvPr id="104" name="Google Shape;104;g258f7ace5fa_0_81:notes"/>
-          <p:cNvSpPr/>
+          <p:cNvSpPr>
+            <a:spLocks noGrp="1" noRot="1" noChangeAspect="1"/>
+          </p:cNvSpPr>
           <p:nvPr>
-            <p:ph idx="2" type="sldImg"/>
+            <p:ph type="sldImg" idx="2"/>
           </p:nvPr>
         </p:nvSpPr>
         <p:spPr>
           <a:xfrm>
-            <a:off x="381300" y="685800"/>
+            <a:off x="381000" y="685800"/>
             <a:ext cx="6096000" cy="3429000"/>
           </a:xfrm>
           <a:custGeom>
-            <a:rect b="b" l="l" r="r" t="t"/>
+            <a:avLst/>
+            <a:gdLst/>
+            <a:ahLst/>
+            <a:cxnLst/>
+            <a:rect l="l" t="t" r="r" b="b"/>
             <a:pathLst>
-              <a:path extrusionOk="0" h="120000" w="120000">
+              <a:path w="120000" h="120000" extrusionOk="0">
                 <a:moveTo>
                   <a:pt x="0" y="0"/>
                 </a:moveTo>
@@ -2261,9 +2244,11 @@
       <p:sp>
         <p:nvSpPr>
           <p:cNvPr id="105" name="Google Shape;105;g258f7ace5fa_0_81:notes"/>
-          <p:cNvSpPr txBox="1"/>
+          <p:cNvSpPr txBox="1">
+            <a:spLocks noGrp="1"/>
+          </p:cNvSpPr>
           <p:nvPr>
-            <p:ph idx="1" type="body"/>
+            <p:ph type="body" idx="1"/>
           </p:nvPr>
         </p:nvSpPr>
         <p:spPr>
@@ -2276,12 +2261,12 @@
           </a:prstGeom>
         </p:spPr>
         <p:txBody>
-          <a:bodyPr anchorCtr="0" anchor="t" bIns="91425" lIns="91425" spcFirstLastPara="1" rIns="91425" wrap="square" tIns="91425">
+          <a:bodyPr spcFirstLastPara="1" wrap="square" lIns="91425" tIns="91425" rIns="91425" bIns="91425" anchor="t" anchorCtr="0">
             <a:noAutofit/>
           </a:bodyPr>
           <a:lstStyle/>
           <a:p>
-            <a:pPr indent="0" lvl="0" marL="0" rtl="0" algn="l">
+            <a:pPr marL="0" lvl="0" indent="0" algn="l" rtl="0">
               <a:spcBef>
                 <a:spcPts val="0"/>
               </a:spcBef>
@@ -2292,11 +2277,7 @@
             </a:pPr>
             <a:r>
               <a:rPr lang="en" sz="1400"/>
-              <a:t>i</a:t>
-            </a:r>
-            <a:r>
-              <a:rPr lang="en" sz="1400"/>
-              <a:t>'m happy to answer any questions you may have about 'Copycat Symon Says' or the development process</a:t>
+              <a:t>i'm happy to answer any questions you may have about 'Copycat Symon Says' or the development process</a:t>
             </a:r>
             <a:endParaRPr sz="1400"/>
           </a:p>
@@ -2311,11 +2292,11 @@
 </file>
 
 <file path=ppt/slideLayouts/slideLayout1.xml><?xml version="1.0" encoding="utf-8"?>
-<p:sldLayout xmlns:a="http://schemas.openxmlformats.org/drawingml/2006/main" xmlns:r="http://schemas.openxmlformats.org/officeDocument/2006/relationships" xmlns:mc="http://schemas.openxmlformats.org/markup-compatibility/2006" xmlns:mv="urn:schemas-microsoft-com:mac:vml" xmlns:p="http://schemas.openxmlformats.org/presentationml/2006/main" xmlns:c="http://schemas.openxmlformats.org/drawingml/2006/chart" xmlns:dgm="http://schemas.openxmlformats.org/drawingml/2006/diagram" xmlns:o="urn:schemas-microsoft-com:office:office" xmlns:v="urn:schemas-microsoft-com:vml" xmlns:pvml="urn:schemas-microsoft-com:office:powerpoint" xmlns:com="http://schemas.openxmlformats.org/drawingml/2006/compatibility" xmlns:p14="http://schemas.microsoft.com/office/powerpoint/2010/main" xmlns:p15="http://schemas.microsoft.com/office/powerpoint/2012/main" xmlns:ahyp="http://schemas.microsoft.com/office/drawing/2018/hyperlinkcolor" matchingName="Title slide" type="title">
+<p:sldLayout xmlns:a="http://schemas.openxmlformats.org/drawingml/2006/main" xmlns:r="http://schemas.openxmlformats.org/officeDocument/2006/relationships" xmlns:p="http://schemas.openxmlformats.org/presentationml/2006/main" matchingName="Title slide" type="title">
   <p:cSld name="TITLE">
     <p:spTree>
       <p:nvGrpSpPr>
-        <p:cNvPr id="9" name="Shape 9"/>
+        <p:cNvPr id="1" name="Shape 9"/>
         <p:cNvGrpSpPr/>
         <p:nvPr/>
       </p:nvGrpSpPr>
@@ -2330,7 +2311,9 @@
       <p:sp>
         <p:nvSpPr>
           <p:cNvPr id="10" name="Google Shape;10;p2"/>
-          <p:cNvSpPr txBox="1"/>
+          <p:cNvSpPr txBox="1">
+            <a:spLocks noGrp="1"/>
+          </p:cNvSpPr>
           <p:nvPr>
             <p:ph type="ctrTitle"/>
           </p:nvPr>
@@ -2345,7 +2328,7 @@
           </a:prstGeom>
         </p:spPr>
         <p:txBody>
-          <a:bodyPr anchorCtr="0" anchor="b" bIns="91425" lIns="91425" spcFirstLastPara="1" rIns="91425" wrap="square" tIns="91425">
+          <a:bodyPr spcFirstLastPara="1" wrap="square" lIns="91425" tIns="91425" rIns="91425" bIns="91425" anchor="b" anchorCtr="0">
             <a:normAutofit/>
           </a:bodyPr>
           <a:lstStyle>
@@ -2449,15 +2432,19 @@
               <a:defRPr sz="5200"/>
             </a:lvl9pPr>
           </a:lstStyle>
-          <a:p/>
+          <a:p>
+            <a:endParaRPr/>
+          </a:p>
         </p:txBody>
       </p:sp>
       <p:sp>
         <p:nvSpPr>
           <p:cNvPr id="11" name="Google Shape;11;p2"/>
-          <p:cNvSpPr txBox="1"/>
+          <p:cNvSpPr txBox="1">
+            <a:spLocks noGrp="1"/>
+          </p:cNvSpPr>
           <p:nvPr>
-            <p:ph idx="1" type="subTitle"/>
+            <p:ph type="subTitle" idx="1"/>
           </p:nvPr>
         </p:nvSpPr>
         <p:spPr>
@@ -2470,7 +2457,7 @@
           </a:prstGeom>
         </p:spPr>
         <p:txBody>
-          <a:bodyPr anchorCtr="0" anchor="t" bIns="91425" lIns="91425" spcFirstLastPara="1" rIns="91425" wrap="square" tIns="91425">
+          <a:bodyPr spcFirstLastPara="1" wrap="square" lIns="91425" tIns="91425" rIns="91425" bIns="91425" anchor="t" anchorCtr="0">
             <a:normAutofit/>
           </a:bodyPr>
           <a:lstStyle>
@@ -2601,15 +2588,19 @@
               <a:defRPr sz="2800"/>
             </a:lvl9pPr>
           </a:lstStyle>
-          <a:p/>
+          <a:p>
+            <a:endParaRPr/>
+          </a:p>
         </p:txBody>
       </p:sp>
       <p:sp>
         <p:nvSpPr>
           <p:cNvPr id="12" name="Google Shape;12;p2"/>
-          <p:cNvSpPr txBox="1"/>
+          <p:cNvSpPr txBox="1">
+            <a:spLocks noGrp="1"/>
+          </p:cNvSpPr>
           <p:nvPr>
-            <p:ph idx="12" type="sldNum"/>
+            <p:ph type="sldNum" idx="12"/>
           </p:nvPr>
         </p:nvSpPr>
         <p:spPr>
@@ -2622,7 +2613,7 @@
           </a:prstGeom>
         </p:spPr>
         <p:txBody>
-          <a:bodyPr anchorCtr="0" anchor="ctr" bIns="91425" lIns="91425" spcFirstLastPara="1" rIns="91425" wrap="square" tIns="91425">
+          <a:bodyPr spcFirstLastPara="1" wrap="square" lIns="91425" tIns="91425" rIns="91425" bIns="91425" anchor="ctr" anchorCtr="0">
             <a:normAutofit/>
           </a:bodyPr>
           <a:lstStyle>
@@ -2664,7 +2655,7 @@
             </a:lvl9pPr>
           </a:lstStyle>
           <a:p>
-            <a:pPr indent="0" lvl="0" marL="0" rtl="0" algn="r">
+            <a:pPr marL="0" lvl="0" indent="0" algn="r" rtl="0">
               <a:spcBef>
                 <a:spcPts val="0"/>
               </a:spcBef>
@@ -2690,11 +2681,11 @@
 </file>
 
 <file path=ppt/slideLayouts/slideLayout10.xml><?xml version="1.0" encoding="utf-8"?>
-<p:sldLayout xmlns:a="http://schemas.openxmlformats.org/drawingml/2006/main" xmlns:r="http://schemas.openxmlformats.org/officeDocument/2006/relationships" xmlns:mc="http://schemas.openxmlformats.org/markup-compatibility/2006" xmlns:mv="urn:schemas-microsoft-com:mac:vml" xmlns:p="http://schemas.openxmlformats.org/presentationml/2006/main" xmlns:c="http://schemas.openxmlformats.org/drawingml/2006/chart" xmlns:dgm="http://schemas.openxmlformats.org/drawingml/2006/diagram" xmlns:o="urn:schemas-microsoft-com:office:office" xmlns:v="urn:schemas-microsoft-com:vml" xmlns:pvml="urn:schemas-microsoft-com:office:powerpoint" xmlns:com="http://schemas.openxmlformats.org/drawingml/2006/compatibility" xmlns:p14="http://schemas.microsoft.com/office/powerpoint/2010/main" xmlns:p15="http://schemas.microsoft.com/office/powerpoint/2012/main" xmlns:ahyp="http://schemas.microsoft.com/office/drawing/2018/hyperlinkcolor" matchingName="Big number">
+<p:sldLayout xmlns:a="http://schemas.openxmlformats.org/drawingml/2006/main" xmlns:r="http://schemas.openxmlformats.org/officeDocument/2006/relationships" xmlns:p="http://schemas.openxmlformats.org/presentationml/2006/main" matchingName="Big number">
   <p:cSld name="BIG_NUMBER">
     <p:spTree>
       <p:nvGrpSpPr>
-        <p:cNvPr id="44" name="Shape 44"/>
+        <p:cNvPr id="1" name="Shape 44"/>
         <p:cNvGrpSpPr/>
         <p:nvPr/>
       </p:nvGrpSpPr>
@@ -2709,9 +2700,11 @@
       <p:sp>
         <p:nvSpPr>
           <p:cNvPr id="45" name="Google Shape;45;p11"/>
-          <p:cNvSpPr txBox="1"/>
+          <p:cNvSpPr txBox="1">
+            <a:spLocks noGrp="1"/>
+          </p:cNvSpPr>
           <p:nvPr>
-            <p:ph hasCustomPrompt="1" type="title"/>
+            <p:ph type="title" hasCustomPrompt="1"/>
           </p:nvPr>
         </p:nvSpPr>
         <p:spPr>
@@ -2724,7 +2717,7 @@
           </a:prstGeom>
         </p:spPr>
         <p:txBody>
-          <a:bodyPr anchorCtr="0" anchor="b" bIns="91425" lIns="91425" spcFirstLastPara="1" rIns="91425" wrap="square" tIns="91425">
+          <a:bodyPr spcFirstLastPara="1" wrap="square" lIns="91425" tIns="91425" rIns="91425" bIns="91425" anchor="b" anchorCtr="0">
             <a:normAutofit/>
           </a:bodyPr>
           <a:lstStyle>
@@ -2838,9 +2831,11 @@
       <p:sp>
         <p:nvSpPr>
           <p:cNvPr id="46" name="Google Shape;46;p11"/>
-          <p:cNvSpPr txBox="1"/>
+          <p:cNvSpPr txBox="1">
+            <a:spLocks noGrp="1"/>
+          </p:cNvSpPr>
           <p:nvPr>
-            <p:ph idx="1" type="body"/>
+            <p:ph type="body" idx="1"/>
           </p:nvPr>
         </p:nvSpPr>
         <p:spPr>
@@ -2853,11 +2848,11 @@
           </a:prstGeom>
         </p:spPr>
         <p:txBody>
-          <a:bodyPr anchorCtr="0" anchor="t" bIns="91425" lIns="91425" spcFirstLastPara="1" rIns="91425" wrap="square" tIns="91425">
+          <a:bodyPr spcFirstLastPara="1" wrap="square" lIns="91425" tIns="91425" rIns="91425" bIns="91425" anchor="t" anchorCtr="0">
             <a:normAutofit/>
           </a:bodyPr>
           <a:lstStyle>
-            <a:lvl1pPr indent="-342900" lvl="0" marL="457200" algn="ctr">
+            <a:lvl1pPr marL="457200" lvl="0" indent="-342900" algn="ctr">
               <a:spcBef>
                 <a:spcPts val="0"/>
               </a:spcBef>
@@ -2868,7 +2863,7 @@
               <a:buChar char="●"/>
               <a:defRPr/>
             </a:lvl1pPr>
-            <a:lvl2pPr indent="-317500" lvl="1" marL="914400" algn="ctr">
+            <a:lvl2pPr marL="914400" lvl="1" indent="-317500" algn="ctr">
               <a:spcBef>
                 <a:spcPts val="0"/>
               </a:spcBef>
@@ -2879,7 +2874,7 @@
               <a:buChar char="○"/>
               <a:defRPr/>
             </a:lvl2pPr>
-            <a:lvl3pPr indent="-317500" lvl="2" marL="1371600" algn="ctr">
+            <a:lvl3pPr marL="1371600" lvl="2" indent="-317500" algn="ctr">
               <a:spcBef>
                 <a:spcPts val="0"/>
               </a:spcBef>
@@ -2890,7 +2885,7 @@
               <a:buChar char="■"/>
               <a:defRPr/>
             </a:lvl3pPr>
-            <a:lvl4pPr indent="-317500" lvl="3" marL="1828800" algn="ctr">
+            <a:lvl4pPr marL="1828800" lvl="3" indent="-317500" algn="ctr">
               <a:spcBef>
                 <a:spcPts val="0"/>
               </a:spcBef>
@@ -2901,7 +2896,7 @@
               <a:buChar char="●"/>
               <a:defRPr/>
             </a:lvl4pPr>
-            <a:lvl5pPr indent="-317500" lvl="4" marL="2286000" algn="ctr">
+            <a:lvl5pPr marL="2286000" lvl="4" indent="-317500" algn="ctr">
               <a:spcBef>
                 <a:spcPts val="0"/>
               </a:spcBef>
@@ -2912,7 +2907,7 @@
               <a:buChar char="○"/>
               <a:defRPr/>
             </a:lvl5pPr>
-            <a:lvl6pPr indent="-317500" lvl="5" marL="2743200" algn="ctr">
+            <a:lvl6pPr marL="2743200" lvl="5" indent="-317500" algn="ctr">
               <a:spcBef>
                 <a:spcPts val="0"/>
               </a:spcBef>
@@ -2923,7 +2918,7 @@
               <a:buChar char="■"/>
               <a:defRPr/>
             </a:lvl6pPr>
-            <a:lvl7pPr indent="-317500" lvl="6" marL="3200400" algn="ctr">
+            <a:lvl7pPr marL="3200400" lvl="6" indent="-317500" algn="ctr">
               <a:spcBef>
                 <a:spcPts val="0"/>
               </a:spcBef>
@@ -2934,7 +2929,7 @@
               <a:buChar char="●"/>
               <a:defRPr/>
             </a:lvl7pPr>
-            <a:lvl8pPr indent="-317500" lvl="7" marL="3657600" algn="ctr">
+            <a:lvl8pPr marL="3657600" lvl="7" indent="-317500" algn="ctr">
               <a:spcBef>
                 <a:spcPts val="0"/>
               </a:spcBef>
@@ -2945,7 +2940,7 @@
               <a:buChar char="○"/>
               <a:defRPr/>
             </a:lvl8pPr>
-            <a:lvl9pPr indent="-317500" lvl="8" marL="4114800" algn="ctr">
+            <a:lvl9pPr marL="4114800" lvl="8" indent="-317500" algn="ctr">
               <a:spcBef>
                 <a:spcPts val="0"/>
               </a:spcBef>
@@ -2957,15 +2952,19 @@
               <a:defRPr/>
             </a:lvl9pPr>
           </a:lstStyle>
-          <a:p/>
+          <a:p>
+            <a:endParaRPr/>
+          </a:p>
         </p:txBody>
       </p:sp>
       <p:sp>
         <p:nvSpPr>
           <p:cNvPr id="47" name="Google Shape;47;p11"/>
-          <p:cNvSpPr txBox="1"/>
+          <p:cNvSpPr txBox="1">
+            <a:spLocks noGrp="1"/>
+          </p:cNvSpPr>
           <p:nvPr>
-            <p:ph idx="12" type="sldNum"/>
+            <p:ph type="sldNum" idx="12"/>
           </p:nvPr>
         </p:nvSpPr>
         <p:spPr>
@@ -2978,7 +2977,7 @@
           </a:prstGeom>
         </p:spPr>
         <p:txBody>
-          <a:bodyPr anchorCtr="0" anchor="ctr" bIns="91425" lIns="91425" spcFirstLastPara="1" rIns="91425" wrap="square" tIns="91425">
+          <a:bodyPr spcFirstLastPara="1" wrap="square" lIns="91425" tIns="91425" rIns="91425" bIns="91425" anchor="ctr" anchorCtr="0">
             <a:normAutofit/>
           </a:bodyPr>
           <a:lstStyle>
@@ -3020,7 +3019,7 @@
             </a:lvl9pPr>
           </a:lstStyle>
           <a:p>
-            <a:pPr indent="0" lvl="0" marL="0" rtl="0" algn="r">
+            <a:pPr marL="0" lvl="0" indent="0" algn="r" rtl="0">
               <a:spcBef>
                 <a:spcPts val="0"/>
               </a:spcBef>
@@ -3046,11 +3045,11 @@
 </file>
 
 <file path=ppt/slideLayouts/slideLayout11.xml><?xml version="1.0" encoding="utf-8"?>
-<p:sldLayout xmlns:a="http://schemas.openxmlformats.org/drawingml/2006/main" xmlns:r="http://schemas.openxmlformats.org/officeDocument/2006/relationships" xmlns:mc="http://schemas.openxmlformats.org/markup-compatibility/2006" xmlns:mv="urn:schemas-microsoft-com:mac:vml" xmlns:p="http://schemas.openxmlformats.org/presentationml/2006/main" xmlns:c="http://schemas.openxmlformats.org/drawingml/2006/chart" xmlns:dgm="http://schemas.openxmlformats.org/drawingml/2006/diagram" xmlns:o="urn:schemas-microsoft-com:office:office" xmlns:v="urn:schemas-microsoft-com:vml" xmlns:pvml="urn:schemas-microsoft-com:office:powerpoint" xmlns:com="http://schemas.openxmlformats.org/drawingml/2006/compatibility" xmlns:p14="http://schemas.microsoft.com/office/powerpoint/2010/main" xmlns:p15="http://schemas.microsoft.com/office/powerpoint/2012/main" xmlns:ahyp="http://schemas.microsoft.com/office/drawing/2018/hyperlinkcolor" matchingName="Blank" type="blank">
+<p:sldLayout xmlns:a="http://schemas.openxmlformats.org/drawingml/2006/main" xmlns:r="http://schemas.openxmlformats.org/officeDocument/2006/relationships" xmlns:p="http://schemas.openxmlformats.org/presentationml/2006/main" matchingName="Blank" type="blank">
   <p:cSld name="BLANK">
     <p:spTree>
       <p:nvGrpSpPr>
-        <p:cNvPr id="48" name="Shape 48"/>
+        <p:cNvPr id="1" name="Shape 48"/>
         <p:cNvGrpSpPr/>
         <p:nvPr/>
       </p:nvGrpSpPr>
@@ -3065,9 +3064,11 @@
       <p:sp>
         <p:nvSpPr>
           <p:cNvPr id="49" name="Google Shape;49;p12"/>
-          <p:cNvSpPr txBox="1"/>
+          <p:cNvSpPr txBox="1">
+            <a:spLocks noGrp="1"/>
+          </p:cNvSpPr>
           <p:nvPr>
-            <p:ph idx="12" type="sldNum"/>
+            <p:ph type="sldNum" idx="12"/>
           </p:nvPr>
         </p:nvSpPr>
         <p:spPr>
@@ -3080,7 +3081,7 @@
           </a:prstGeom>
         </p:spPr>
         <p:txBody>
-          <a:bodyPr anchorCtr="0" anchor="ctr" bIns="91425" lIns="91425" spcFirstLastPara="1" rIns="91425" wrap="square" tIns="91425">
+          <a:bodyPr spcFirstLastPara="1" wrap="square" lIns="91425" tIns="91425" rIns="91425" bIns="91425" anchor="ctr" anchorCtr="0">
             <a:normAutofit/>
           </a:bodyPr>
           <a:lstStyle>
@@ -3122,7 +3123,7 @@
             </a:lvl9pPr>
           </a:lstStyle>
           <a:p>
-            <a:pPr indent="0" lvl="0" marL="0" rtl="0" algn="r">
+            <a:pPr marL="0" lvl="0" indent="0" algn="r" rtl="0">
               <a:spcBef>
                 <a:spcPts val="0"/>
               </a:spcBef>
@@ -3148,11 +3149,11 @@
 </file>
 
 <file path=ppt/slideLayouts/slideLayout2.xml><?xml version="1.0" encoding="utf-8"?>
-<p:sldLayout xmlns:a="http://schemas.openxmlformats.org/drawingml/2006/main" xmlns:r="http://schemas.openxmlformats.org/officeDocument/2006/relationships" xmlns:mc="http://schemas.openxmlformats.org/markup-compatibility/2006" xmlns:mv="urn:schemas-microsoft-com:mac:vml" xmlns:p="http://schemas.openxmlformats.org/presentationml/2006/main" xmlns:c="http://schemas.openxmlformats.org/drawingml/2006/chart" xmlns:dgm="http://schemas.openxmlformats.org/drawingml/2006/diagram" xmlns:o="urn:schemas-microsoft-com:office:office" xmlns:v="urn:schemas-microsoft-com:vml" xmlns:pvml="urn:schemas-microsoft-com:office:powerpoint" xmlns:com="http://schemas.openxmlformats.org/drawingml/2006/compatibility" xmlns:p14="http://schemas.microsoft.com/office/powerpoint/2010/main" xmlns:p15="http://schemas.microsoft.com/office/powerpoint/2012/main" xmlns:ahyp="http://schemas.microsoft.com/office/drawing/2018/hyperlinkcolor" matchingName="Section header" type="secHead">
+<p:sldLayout xmlns:a="http://schemas.openxmlformats.org/drawingml/2006/main" xmlns:r="http://schemas.openxmlformats.org/officeDocument/2006/relationships" xmlns:p="http://schemas.openxmlformats.org/presentationml/2006/main" matchingName="Section header" type="secHead">
   <p:cSld name="SECTION_HEADER">
     <p:spTree>
       <p:nvGrpSpPr>
-        <p:cNvPr id="13" name="Shape 13"/>
+        <p:cNvPr id="1" name="Shape 13"/>
         <p:cNvGrpSpPr/>
         <p:nvPr/>
       </p:nvGrpSpPr>
@@ -3167,7 +3168,9 @@
       <p:sp>
         <p:nvSpPr>
           <p:cNvPr id="14" name="Google Shape;14;p3"/>
-          <p:cNvSpPr txBox="1"/>
+          <p:cNvSpPr txBox="1">
+            <a:spLocks noGrp="1"/>
+          </p:cNvSpPr>
           <p:nvPr>
             <p:ph type="title"/>
           </p:nvPr>
@@ -3182,7 +3185,7 @@
           </a:prstGeom>
         </p:spPr>
         <p:txBody>
-          <a:bodyPr anchorCtr="0" anchor="ctr" bIns="91425" lIns="91425" spcFirstLastPara="1" rIns="91425" wrap="square" tIns="91425">
+          <a:bodyPr spcFirstLastPara="1" wrap="square" lIns="91425" tIns="91425" rIns="91425" bIns="91425" anchor="ctr" anchorCtr="0">
             <a:normAutofit/>
           </a:bodyPr>
           <a:lstStyle>
@@ -3286,15 +3289,19 @@
               <a:defRPr sz="3600"/>
             </a:lvl9pPr>
           </a:lstStyle>
-          <a:p/>
+          <a:p>
+            <a:endParaRPr/>
+          </a:p>
         </p:txBody>
       </p:sp>
       <p:sp>
         <p:nvSpPr>
           <p:cNvPr id="15" name="Google Shape;15;p3"/>
-          <p:cNvSpPr txBox="1"/>
+          <p:cNvSpPr txBox="1">
+            <a:spLocks noGrp="1"/>
+          </p:cNvSpPr>
           <p:nvPr>
-            <p:ph idx="12" type="sldNum"/>
+            <p:ph type="sldNum" idx="12"/>
           </p:nvPr>
         </p:nvSpPr>
         <p:spPr>
@@ -3307,7 +3314,7 @@
           </a:prstGeom>
         </p:spPr>
         <p:txBody>
-          <a:bodyPr anchorCtr="0" anchor="ctr" bIns="91425" lIns="91425" spcFirstLastPara="1" rIns="91425" wrap="square" tIns="91425">
+          <a:bodyPr spcFirstLastPara="1" wrap="square" lIns="91425" tIns="91425" rIns="91425" bIns="91425" anchor="ctr" anchorCtr="0">
             <a:normAutofit/>
           </a:bodyPr>
           <a:lstStyle>
@@ -3349,7 +3356,7 @@
             </a:lvl9pPr>
           </a:lstStyle>
           <a:p>
-            <a:pPr indent="0" lvl="0" marL="0" rtl="0" algn="r">
+            <a:pPr marL="0" lvl="0" indent="0" algn="r" rtl="0">
               <a:spcBef>
                 <a:spcPts val="0"/>
               </a:spcBef>
@@ -3375,11 +3382,11 @@
 </file>
 
 <file path=ppt/slideLayouts/slideLayout3.xml><?xml version="1.0" encoding="utf-8"?>
-<p:sldLayout xmlns:a="http://schemas.openxmlformats.org/drawingml/2006/main" xmlns:r="http://schemas.openxmlformats.org/officeDocument/2006/relationships" xmlns:mc="http://schemas.openxmlformats.org/markup-compatibility/2006" xmlns:mv="urn:schemas-microsoft-com:mac:vml" xmlns:p="http://schemas.openxmlformats.org/presentationml/2006/main" xmlns:c="http://schemas.openxmlformats.org/drawingml/2006/chart" xmlns:dgm="http://schemas.openxmlformats.org/drawingml/2006/diagram" xmlns:o="urn:schemas-microsoft-com:office:office" xmlns:v="urn:schemas-microsoft-com:vml" xmlns:pvml="urn:schemas-microsoft-com:office:powerpoint" xmlns:com="http://schemas.openxmlformats.org/drawingml/2006/compatibility" xmlns:p14="http://schemas.microsoft.com/office/powerpoint/2010/main" xmlns:p15="http://schemas.microsoft.com/office/powerpoint/2012/main" xmlns:ahyp="http://schemas.microsoft.com/office/drawing/2018/hyperlinkcolor" matchingName="Title and body" type="tx">
+<p:sldLayout xmlns:a="http://schemas.openxmlformats.org/drawingml/2006/main" xmlns:r="http://schemas.openxmlformats.org/officeDocument/2006/relationships" xmlns:p="http://schemas.openxmlformats.org/presentationml/2006/main" matchingName="Title and body" type="tx">
   <p:cSld name="TITLE_AND_BODY">
     <p:spTree>
       <p:nvGrpSpPr>
-        <p:cNvPr id="16" name="Shape 16"/>
+        <p:cNvPr id="1" name="Shape 16"/>
         <p:cNvGrpSpPr/>
         <p:nvPr/>
       </p:nvGrpSpPr>
@@ -3394,7 +3401,9 @@
       <p:sp>
         <p:nvSpPr>
           <p:cNvPr id="17" name="Google Shape;17;p4"/>
-          <p:cNvSpPr txBox="1"/>
+          <p:cNvSpPr txBox="1">
+            <a:spLocks noGrp="1"/>
+          </p:cNvSpPr>
           <p:nvPr>
             <p:ph type="title"/>
           </p:nvPr>
@@ -3409,7 +3418,7 @@
           </a:prstGeom>
         </p:spPr>
         <p:txBody>
-          <a:bodyPr anchorCtr="0" anchor="t" bIns="91425" lIns="91425" spcFirstLastPara="1" rIns="91425" wrap="square" tIns="91425">
+          <a:bodyPr spcFirstLastPara="1" wrap="square" lIns="91425" tIns="91425" rIns="91425" bIns="91425" anchor="t" anchorCtr="0">
             <a:normAutofit/>
           </a:bodyPr>
           <a:lstStyle>
@@ -3513,15 +3522,19 @@
               <a:defRPr/>
             </a:lvl9pPr>
           </a:lstStyle>
-          <a:p/>
+          <a:p>
+            <a:endParaRPr/>
+          </a:p>
         </p:txBody>
       </p:sp>
       <p:sp>
         <p:nvSpPr>
           <p:cNvPr id="18" name="Google Shape;18;p4"/>
-          <p:cNvSpPr txBox="1"/>
+          <p:cNvSpPr txBox="1">
+            <a:spLocks noGrp="1"/>
+          </p:cNvSpPr>
           <p:nvPr>
-            <p:ph idx="1" type="body"/>
+            <p:ph type="body" idx="1"/>
           </p:nvPr>
         </p:nvSpPr>
         <p:spPr>
@@ -3534,11 +3547,11 @@
           </a:prstGeom>
         </p:spPr>
         <p:txBody>
-          <a:bodyPr anchorCtr="0" anchor="t" bIns="91425" lIns="91425" spcFirstLastPara="1" rIns="91425" wrap="square" tIns="91425">
+          <a:bodyPr spcFirstLastPara="1" wrap="square" lIns="91425" tIns="91425" rIns="91425" bIns="91425" anchor="t" anchorCtr="0">
             <a:normAutofit/>
           </a:bodyPr>
           <a:lstStyle>
-            <a:lvl1pPr indent="-342900" lvl="0" marL="457200">
+            <a:lvl1pPr marL="457200" lvl="0" indent="-342900">
               <a:spcBef>
                 <a:spcPts val="0"/>
               </a:spcBef>
@@ -3549,7 +3562,7 @@
               <a:buChar char="●"/>
               <a:defRPr/>
             </a:lvl1pPr>
-            <a:lvl2pPr indent="-317500" lvl="1" marL="914400">
+            <a:lvl2pPr marL="914400" lvl="1" indent="-317500">
               <a:spcBef>
                 <a:spcPts val="0"/>
               </a:spcBef>
@@ -3560,7 +3573,7 @@
               <a:buChar char="○"/>
               <a:defRPr/>
             </a:lvl2pPr>
-            <a:lvl3pPr indent="-317500" lvl="2" marL="1371600">
+            <a:lvl3pPr marL="1371600" lvl="2" indent="-317500">
               <a:spcBef>
                 <a:spcPts val="0"/>
               </a:spcBef>
@@ -3571,7 +3584,7 @@
               <a:buChar char="■"/>
               <a:defRPr/>
             </a:lvl3pPr>
-            <a:lvl4pPr indent="-317500" lvl="3" marL="1828800">
+            <a:lvl4pPr marL="1828800" lvl="3" indent="-317500">
               <a:spcBef>
                 <a:spcPts val="0"/>
               </a:spcBef>
@@ -3582,7 +3595,7 @@
               <a:buChar char="●"/>
               <a:defRPr/>
             </a:lvl4pPr>
-            <a:lvl5pPr indent="-317500" lvl="4" marL="2286000">
+            <a:lvl5pPr marL="2286000" lvl="4" indent="-317500">
               <a:spcBef>
                 <a:spcPts val="0"/>
               </a:spcBef>
@@ -3593,7 +3606,7 @@
               <a:buChar char="○"/>
               <a:defRPr/>
             </a:lvl5pPr>
-            <a:lvl6pPr indent="-317500" lvl="5" marL="2743200">
+            <a:lvl6pPr marL="2743200" lvl="5" indent="-317500">
               <a:spcBef>
                 <a:spcPts val="0"/>
               </a:spcBef>
@@ -3604,7 +3617,7 @@
               <a:buChar char="■"/>
               <a:defRPr/>
             </a:lvl6pPr>
-            <a:lvl7pPr indent="-317500" lvl="6" marL="3200400">
+            <a:lvl7pPr marL="3200400" lvl="6" indent="-317500">
               <a:spcBef>
                 <a:spcPts val="0"/>
               </a:spcBef>
@@ -3615,7 +3628,7 @@
               <a:buChar char="●"/>
               <a:defRPr/>
             </a:lvl7pPr>
-            <a:lvl8pPr indent="-317500" lvl="7" marL="3657600">
+            <a:lvl8pPr marL="3657600" lvl="7" indent="-317500">
               <a:spcBef>
                 <a:spcPts val="0"/>
               </a:spcBef>
@@ -3626,7 +3639,7 @@
               <a:buChar char="○"/>
               <a:defRPr/>
             </a:lvl8pPr>
-            <a:lvl9pPr indent="-317500" lvl="8" marL="4114800">
+            <a:lvl9pPr marL="4114800" lvl="8" indent="-317500">
               <a:spcBef>
                 <a:spcPts val="0"/>
               </a:spcBef>
@@ -3638,15 +3651,19 @@
               <a:defRPr/>
             </a:lvl9pPr>
           </a:lstStyle>
-          <a:p/>
+          <a:p>
+            <a:endParaRPr/>
+          </a:p>
         </p:txBody>
       </p:sp>
       <p:sp>
         <p:nvSpPr>
           <p:cNvPr id="19" name="Google Shape;19;p4"/>
-          <p:cNvSpPr txBox="1"/>
+          <p:cNvSpPr txBox="1">
+            <a:spLocks noGrp="1"/>
+          </p:cNvSpPr>
           <p:nvPr>
-            <p:ph idx="12" type="sldNum"/>
+            <p:ph type="sldNum" idx="12"/>
           </p:nvPr>
         </p:nvSpPr>
         <p:spPr>
@@ -3659,7 +3676,7 @@
           </a:prstGeom>
         </p:spPr>
         <p:txBody>
-          <a:bodyPr anchorCtr="0" anchor="ctr" bIns="91425" lIns="91425" spcFirstLastPara="1" rIns="91425" wrap="square" tIns="91425">
+          <a:bodyPr spcFirstLastPara="1" wrap="square" lIns="91425" tIns="91425" rIns="91425" bIns="91425" anchor="ctr" anchorCtr="0">
             <a:normAutofit/>
           </a:bodyPr>
           <a:lstStyle>
@@ -3701,7 +3718,7 @@
             </a:lvl9pPr>
           </a:lstStyle>
           <a:p>
-            <a:pPr indent="0" lvl="0" marL="0" rtl="0" algn="r">
+            <a:pPr marL="0" lvl="0" indent="0" algn="r" rtl="0">
               <a:spcBef>
                 <a:spcPts val="0"/>
               </a:spcBef>
@@ -3727,11 +3744,11 @@
 </file>
 
 <file path=ppt/slideLayouts/slideLayout4.xml><?xml version="1.0" encoding="utf-8"?>
-<p:sldLayout xmlns:a="http://schemas.openxmlformats.org/drawingml/2006/main" xmlns:r="http://schemas.openxmlformats.org/officeDocument/2006/relationships" xmlns:mc="http://schemas.openxmlformats.org/markup-compatibility/2006" xmlns:mv="urn:schemas-microsoft-com:mac:vml" xmlns:p="http://schemas.openxmlformats.org/presentationml/2006/main" xmlns:c="http://schemas.openxmlformats.org/drawingml/2006/chart" xmlns:dgm="http://schemas.openxmlformats.org/drawingml/2006/diagram" xmlns:o="urn:schemas-microsoft-com:office:office" xmlns:v="urn:schemas-microsoft-com:vml" xmlns:pvml="urn:schemas-microsoft-com:office:powerpoint" xmlns:com="http://schemas.openxmlformats.org/drawingml/2006/compatibility" xmlns:p14="http://schemas.microsoft.com/office/powerpoint/2010/main" xmlns:p15="http://schemas.microsoft.com/office/powerpoint/2012/main" xmlns:ahyp="http://schemas.microsoft.com/office/drawing/2018/hyperlinkcolor" matchingName="Title and two columns" type="twoColTx">
+<p:sldLayout xmlns:a="http://schemas.openxmlformats.org/drawingml/2006/main" xmlns:r="http://schemas.openxmlformats.org/officeDocument/2006/relationships" xmlns:p="http://schemas.openxmlformats.org/presentationml/2006/main" matchingName="Title and two columns" type="twoColTx">
   <p:cSld name="TITLE_AND_TWO_COLUMNS">
     <p:spTree>
       <p:nvGrpSpPr>
-        <p:cNvPr id="20" name="Shape 20"/>
+        <p:cNvPr id="1" name="Shape 20"/>
         <p:cNvGrpSpPr/>
         <p:nvPr/>
       </p:nvGrpSpPr>
@@ -3746,7 +3763,9 @@
       <p:sp>
         <p:nvSpPr>
           <p:cNvPr id="21" name="Google Shape;21;p5"/>
-          <p:cNvSpPr txBox="1"/>
+          <p:cNvSpPr txBox="1">
+            <a:spLocks noGrp="1"/>
+          </p:cNvSpPr>
           <p:nvPr>
             <p:ph type="title"/>
           </p:nvPr>
@@ -3761,7 +3780,7 @@
           </a:prstGeom>
         </p:spPr>
         <p:txBody>
-          <a:bodyPr anchorCtr="0" anchor="t" bIns="91425" lIns="91425" spcFirstLastPara="1" rIns="91425" wrap="square" tIns="91425">
+          <a:bodyPr spcFirstLastPara="1" wrap="square" lIns="91425" tIns="91425" rIns="91425" bIns="91425" anchor="t" anchorCtr="0">
             <a:normAutofit/>
           </a:bodyPr>
           <a:lstStyle>
@@ -3865,15 +3884,19 @@
               <a:defRPr/>
             </a:lvl9pPr>
           </a:lstStyle>
-          <a:p/>
+          <a:p>
+            <a:endParaRPr/>
+          </a:p>
         </p:txBody>
       </p:sp>
       <p:sp>
         <p:nvSpPr>
           <p:cNvPr id="22" name="Google Shape;22;p5"/>
-          <p:cNvSpPr txBox="1"/>
+          <p:cNvSpPr txBox="1">
+            <a:spLocks noGrp="1"/>
+          </p:cNvSpPr>
           <p:nvPr>
-            <p:ph idx="1" type="body"/>
+            <p:ph type="body" idx="1"/>
           </p:nvPr>
         </p:nvSpPr>
         <p:spPr>
@@ -3886,11 +3909,11 @@
           </a:prstGeom>
         </p:spPr>
         <p:txBody>
-          <a:bodyPr anchorCtr="0" anchor="t" bIns="91425" lIns="91425" spcFirstLastPara="1" rIns="91425" wrap="square" tIns="91425">
+          <a:bodyPr spcFirstLastPara="1" wrap="square" lIns="91425" tIns="91425" rIns="91425" bIns="91425" anchor="t" anchorCtr="0">
             <a:normAutofit/>
           </a:bodyPr>
           <a:lstStyle>
-            <a:lvl1pPr indent="-317500" lvl="0" marL="457200">
+            <a:lvl1pPr marL="457200" lvl="0" indent="-317500">
               <a:spcBef>
                 <a:spcPts val="0"/>
               </a:spcBef>
@@ -3901,7 +3924,7 @@
               <a:buChar char="●"/>
               <a:defRPr sz="1400"/>
             </a:lvl1pPr>
-            <a:lvl2pPr indent="-304800" lvl="1" marL="914400">
+            <a:lvl2pPr marL="914400" lvl="1" indent="-304800">
               <a:spcBef>
                 <a:spcPts val="0"/>
               </a:spcBef>
@@ -3912,7 +3935,7 @@
               <a:buChar char="○"/>
               <a:defRPr sz="1200"/>
             </a:lvl2pPr>
-            <a:lvl3pPr indent="-304800" lvl="2" marL="1371600">
+            <a:lvl3pPr marL="1371600" lvl="2" indent="-304800">
               <a:spcBef>
                 <a:spcPts val="0"/>
               </a:spcBef>
@@ -3923,7 +3946,7 @@
               <a:buChar char="■"/>
               <a:defRPr sz="1200"/>
             </a:lvl3pPr>
-            <a:lvl4pPr indent="-304800" lvl="3" marL="1828800">
+            <a:lvl4pPr marL="1828800" lvl="3" indent="-304800">
               <a:spcBef>
                 <a:spcPts val="0"/>
               </a:spcBef>
@@ -3934,7 +3957,7 @@
               <a:buChar char="●"/>
               <a:defRPr sz="1200"/>
             </a:lvl4pPr>
-            <a:lvl5pPr indent="-304800" lvl="4" marL="2286000">
+            <a:lvl5pPr marL="2286000" lvl="4" indent="-304800">
               <a:spcBef>
                 <a:spcPts val="0"/>
               </a:spcBef>
@@ -3945,7 +3968,7 @@
               <a:buChar char="○"/>
               <a:defRPr sz="1200"/>
             </a:lvl5pPr>
-            <a:lvl6pPr indent="-304800" lvl="5" marL="2743200">
+            <a:lvl6pPr marL="2743200" lvl="5" indent="-304800">
               <a:spcBef>
                 <a:spcPts val="0"/>
               </a:spcBef>
@@ -3956,7 +3979,7 @@
               <a:buChar char="■"/>
               <a:defRPr sz="1200"/>
             </a:lvl6pPr>
-            <a:lvl7pPr indent="-304800" lvl="6" marL="3200400">
+            <a:lvl7pPr marL="3200400" lvl="6" indent="-304800">
               <a:spcBef>
                 <a:spcPts val="0"/>
               </a:spcBef>
@@ -3967,7 +3990,7 @@
               <a:buChar char="●"/>
               <a:defRPr sz="1200"/>
             </a:lvl7pPr>
-            <a:lvl8pPr indent="-304800" lvl="7" marL="3657600">
+            <a:lvl8pPr marL="3657600" lvl="7" indent="-304800">
               <a:spcBef>
                 <a:spcPts val="0"/>
               </a:spcBef>
@@ -3978,7 +4001,7 @@
               <a:buChar char="○"/>
               <a:defRPr sz="1200"/>
             </a:lvl8pPr>
-            <a:lvl9pPr indent="-304800" lvl="8" marL="4114800">
+            <a:lvl9pPr marL="4114800" lvl="8" indent="-304800">
               <a:spcBef>
                 <a:spcPts val="0"/>
               </a:spcBef>
@@ -3990,15 +4013,19 @@
               <a:defRPr sz="1200"/>
             </a:lvl9pPr>
           </a:lstStyle>
-          <a:p/>
+          <a:p>
+            <a:endParaRPr/>
+          </a:p>
         </p:txBody>
       </p:sp>
       <p:sp>
         <p:nvSpPr>
           <p:cNvPr id="23" name="Google Shape;23;p5"/>
-          <p:cNvSpPr txBox="1"/>
+          <p:cNvSpPr txBox="1">
+            <a:spLocks noGrp="1"/>
+          </p:cNvSpPr>
           <p:nvPr>
-            <p:ph idx="2" type="body"/>
+            <p:ph type="body" idx="2"/>
           </p:nvPr>
         </p:nvSpPr>
         <p:spPr>
@@ -4011,11 +4038,11 @@
           </a:prstGeom>
         </p:spPr>
         <p:txBody>
-          <a:bodyPr anchorCtr="0" anchor="t" bIns="91425" lIns="91425" spcFirstLastPara="1" rIns="91425" wrap="square" tIns="91425">
+          <a:bodyPr spcFirstLastPara="1" wrap="square" lIns="91425" tIns="91425" rIns="91425" bIns="91425" anchor="t" anchorCtr="0">
             <a:normAutofit/>
           </a:bodyPr>
           <a:lstStyle>
-            <a:lvl1pPr indent="-317500" lvl="0" marL="457200">
+            <a:lvl1pPr marL="457200" lvl="0" indent="-317500">
               <a:spcBef>
                 <a:spcPts val="0"/>
               </a:spcBef>
@@ -4026,7 +4053,7 @@
               <a:buChar char="●"/>
               <a:defRPr sz="1400"/>
             </a:lvl1pPr>
-            <a:lvl2pPr indent="-304800" lvl="1" marL="914400">
+            <a:lvl2pPr marL="914400" lvl="1" indent="-304800">
               <a:spcBef>
                 <a:spcPts val="0"/>
               </a:spcBef>
@@ -4037,7 +4064,7 @@
               <a:buChar char="○"/>
               <a:defRPr sz="1200"/>
             </a:lvl2pPr>
-            <a:lvl3pPr indent="-304800" lvl="2" marL="1371600">
+            <a:lvl3pPr marL="1371600" lvl="2" indent="-304800">
               <a:spcBef>
                 <a:spcPts val="0"/>
               </a:spcBef>
@@ -4048,7 +4075,7 @@
               <a:buChar char="■"/>
               <a:defRPr sz="1200"/>
             </a:lvl3pPr>
-            <a:lvl4pPr indent="-304800" lvl="3" marL="1828800">
+            <a:lvl4pPr marL="1828800" lvl="3" indent="-304800">
               <a:spcBef>
                 <a:spcPts val="0"/>
               </a:spcBef>
@@ -4059,7 +4086,7 @@
               <a:buChar char="●"/>
               <a:defRPr sz="1200"/>
             </a:lvl4pPr>
-            <a:lvl5pPr indent="-304800" lvl="4" marL="2286000">
+            <a:lvl5pPr marL="2286000" lvl="4" indent="-304800">
               <a:spcBef>
                 <a:spcPts val="0"/>
               </a:spcBef>
@@ -4070,7 +4097,7 @@
               <a:buChar char="○"/>
               <a:defRPr sz="1200"/>
             </a:lvl5pPr>
-            <a:lvl6pPr indent="-304800" lvl="5" marL="2743200">
+            <a:lvl6pPr marL="2743200" lvl="5" indent="-304800">
               <a:spcBef>
                 <a:spcPts val="0"/>
               </a:spcBef>
@@ -4081,7 +4108,7 @@
               <a:buChar char="■"/>
               <a:defRPr sz="1200"/>
             </a:lvl6pPr>
-            <a:lvl7pPr indent="-304800" lvl="6" marL="3200400">
+            <a:lvl7pPr marL="3200400" lvl="6" indent="-304800">
               <a:spcBef>
                 <a:spcPts val="0"/>
               </a:spcBef>
@@ -4092,7 +4119,7 @@
               <a:buChar char="●"/>
               <a:defRPr sz="1200"/>
             </a:lvl7pPr>
-            <a:lvl8pPr indent="-304800" lvl="7" marL="3657600">
+            <a:lvl8pPr marL="3657600" lvl="7" indent="-304800">
               <a:spcBef>
                 <a:spcPts val="0"/>
               </a:spcBef>
@@ -4103,7 +4130,7 @@
               <a:buChar char="○"/>
               <a:defRPr sz="1200"/>
             </a:lvl8pPr>
-            <a:lvl9pPr indent="-304800" lvl="8" marL="4114800">
+            <a:lvl9pPr marL="4114800" lvl="8" indent="-304800">
               <a:spcBef>
                 <a:spcPts val="0"/>
               </a:spcBef>
@@ -4115,15 +4142,19 @@
               <a:defRPr sz="1200"/>
             </a:lvl9pPr>
           </a:lstStyle>
-          <a:p/>
+          <a:p>
+            <a:endParaRPr/>
+          </a:p>
         </p:txBody>
       </p:sp>
       <p:sp>
         <p:nvSpPr>
           <p:cNvPr id="24" name="Google Shape;24;p5"/>
-          <p:cNvSpPr txBox="1"/>
+          <p:cNvSpPr txBox="1">
+            <a:spLocks noGrp="1"/>
+          </p:cNvSpPr>
           <p:nvPr>
-            <p:ph idx="12" type="sldNum"/>
+            <p:ph type="sldNum" idx="12"/>
           </p:nvPr>
         </p:nvSpPr>
         <p:spPr>
@@ -4136,7 +4167,7 @@
           </a:prstGeom>
         </p:spPr>
         <p:txBody>
-          <a:bodyPr anchorCtr="0" anchor="ctr" bIns="91425" lIns="91425" spcFirstLastPara="1" rIns="91425" wrap="square" tIns="91425">
+          <a:bodyPr spcFirstLastPara="1" wrap="square" lIns="91425" tIns="91425" rIns="91425" bIns="91425" anchor="ctr" anchorCtr="0">
             <a:normAutofit/>
           </a:bodyPr>
           <a:lstStyle>
@@ -4178,7 +4209,7 @@
             </a:lvl9pPr>
           </a:lstStyle>
           <a:p>
-            <a:pPr indent="0" lvl="0" marL="0" rtl="0" algn="r">
+            <a:pPr marL="0" lvl="0" indent="0" algn="r" rtl="0">
               <a:spcBef>
                 <a:spcPts val="0"/>
               </a:spcBef>
@@ -4204,11 +4235,11 @@
 </file>
 
 <file path=ppt/slideLayouts/slideLayout5.xml><?xml version="1.0" encoding="utf-8"?>
-<p:sldLayout xmlns:a="http://schemas.openxmlformats.org/drawingml/2006/main" xmlns:r="http://schemas.openxmlformats.org/officeDocument/2006/relationships" xmlns:mc="http://schemas.openxmlformats.org/markup-compatibility/2006" xmlns:mv="urn:schemas-microsoft-com:mac:vml" xmlns:p="http://schemas.openxmlformats.org/presentationml/2006/main" xmlns:c="http://schemas.openxmlformats.org/drawingml/2006/chart" xmlns:dgm="http://schemas.openxmlformats.org/drawingml/2006/diagram" xmlns:o="urn:schemas-microsoft-com:office:office" xmlns:v="urn:schemas-microsoft-com:vml" xmlns:pvml="urn:schemas-microsoft-com:office:powerpoint" xmlns:com="http://schemas.openxmlformats.org/drawingml/2006/compatibility" xmlns:p14="http://schemas.microsoft.com/office/powerpoint/2010/main" xmlns:p15="http://schemas.microsoft.com/office/powerpoint/2012/main" xmlns:ahyp="http://schemas.microsoft.com/office/drawing/2018/hyperlinkcolor" matchingName="Title only" type="titleOnly">
+<p:sldLayout xmlns:a="http://schemas.openxmlformats.org/drawingml/2006/main" xmlns:r="http://schemas.openxmlformats.org/officeDocument/2006/relationships" xmlns:p="http://schemas.openxmlformats.org/presentationml/2006/main" matchingName="Title only" type="titleOnly">
   <p:cSld name="TITLE_ONLY">
     <p:spTree>
       <p:nvGrpSpPr>
-        <p:cNvPr id="25" name="Shape 25"/>
+        <p:cNvPr id="1" name="Shape 25"/>
         <p:cNvGrpSpPr/>
         <p:nvPr/>
       </p:nvGrpSpPr>
@@ -4223,7 +4254,9 @@
       <p:sp>
         <p:nvSpPr>
           <p:cNvPr id="26" name="Google Shape;26;p6"/>
-          <p:cNvSpPr txBox="1"/>
+          <p:cNvSpPr txBox="1">
+            <a:spLocks noGrp="1"/>
+          </p:cNvSpPr>
           <p:nvPr>
             <p:ph type="title"/>
           </p:nvPr>
@@ -4238,7 +4271,7 @@
           </a:prstGeom>
         </p:spPr>
         <p:txBody>
-          <a:bodyPr anchorCtr="0" anchor="t" bIns="91425" lIns="91425" spcFirstLastPara="1" rIns="91425" wrap="square" tIns="91425">
+          <a:bodyPr spcFirstLastPara="1" wrap="square" lIns="91425" tIns="91425" rIns="91425" bIns="91425" anchor="t" anchorCtr="0">
             <a:normAutofit/>
           </a:bodyPr>
           <a:lstStyle>
@@ -4342,15 +4375,19 @@
               <a:defRPr/>
             </a:lvl9pPr>
           </a:lstStyle>
-          <a:p/>
+          <a:p>
+            <a:endParaRPr/>
+          </a:p>
         </p:txBody>
       </p:sp>
       <p:sp>
         <p:nvSpPr>
           <p:cNvPr id="27" name="Google Shape;27;p6"/>
-          <p:cNvSpPr txBox="1"/>
+          <p:cNvSpPr txBox="1">
+            <a:spLocks noGrp="1"/>
+          </p:cNvSpPr>
           <p:nvPr>
-            <p:ph idx="12" type="sldNum"/>
+            <p:ph type="sldNum" idx="12"/>
           </p:nvPr>
         </p:nvSpPr>
         <p:spPr>
@@ -4363,7 +4400,7 @@
           </a:prstGeom>
         </p:spPr>
         <p:txBody>
-          <a:bodyPr anchorCtr="0" anchor="ctr" bIns="91425" lIns="91425" spcFirstLastPara="1" rIns="91425" wrap="square" tIns="91425">
+          <a:bodyPr spcFirstLastPara="1" wrap="square" lIns="91425" tIns="91425" rIns="91425" bIns="91425" anchor="ctr" anchorCtr="0">
             <a:normAutofit/>
           </a:bodyPr>
           <a:lstStyle>
@@ -4405,7 +4442,7 @@
             </a:lvl9pPr>
           </a:lstStyle>
           <a:p>
-            <a:pPr indent="0" lvl="0" marL="0" rtl="0" algn="r">
+            <a:pPr marL="0" lvl="0" indent="0" algn="r" rtl="0">
               <a:spcBef>
                 <a:spcPts val="0"/>
               </a:spcBef>
@@ -4431,11 +4468,11 @@
 </file>
 
 <file path=ppt/slideLayouts/slideLayout6.xml><?xml version="1.0" encoding="utf-8"?>
-<p:sldLayout xmlns:a="http://schemas.openxmlformats.org/drawingml/2006/main" xmlns:r="http://schemas.openxmlformats.org/officeDocument/2006/relationships" xmlns:mc="http://schemas.openxmlformats.org/markup-compatibility/2006" xmlns:mv="urn:schemas-microsoft-com:mac:vml" xmlns:p="http://schemas.openxmlformats.org/presentationml/2006/main" xmlns:c="http://schemas.openxmlformats.org/drawingml/2006/chart" xmlns:dgm="http://schemas.openxmlformats.org/drawingml/2006/diagram" xmlns:o="urn:schemas-microsoft-com:office:office" xmlns:v="urn:schemas-microsoft-com:vml" xmlns:pvml="urn:schemas-microsoft-com:office:powerpoint" xmlns:com="http://schemas.openxmlformats.org/drawingml/2006/compatibility" xmlns:p14="http://schemas.microsoft.com/office/powerpoint/2010/main" xmlns:p15="http://schemas.microsoft.com/office/powerpoint/2012/main" xmlns:ahyp="http://schemas.microsoft.com/office/drawing/2018/hyperlinkcolor" matchingName="One column text">
+<p:sldLayout xmlns:a="http://schemas.openxmlformats.org/drawingml/2006/main" xmlns:r="http://schemas.openxmlformats.org/officeDocument/2006/relationships" xmlns:p="http://schemas.openxmlformats.org/presentationml/2006/main" matchingName="One column text">
   <p:cSld name="ONE_COLUMN_TEXT">
     <p:spTree>
       <p:nvGrpSpPr>
-        <p:cNvPr id="28" name="Shape 28"/>
+        <p:cNvPr id="1" name="Shape 28"/>
         <p:cNvGrpSpPr/>
         <p:nvPr/>
       </p:nvGrpSpPr>
@@ -4450,7 +4487,9 @@
       <p:sp>
         <p:nvSpPr>
           <p:cNvPr id="29" name="Google Shape;29;p7"/>
-          <p:cNvSpPr txBox="1"/>
+          <p:cNvSpPr txBox="1">
+            <a:spLocks noGrp="1"/>
+          </p:cNvSpPr>
           <p:nvPr>
             <p:ph type="title"/>
           </p:nvPr>
@@ -4465,7 +4504,7 @@
           </a:prstGeom>
         </p:spPr>
         <p:txBody>
-          <a:bodyPr anchorCtr="0" anchor="b" bIns="91425" lIns="91425" spcFirstLastPara="1" rIns="91425" wrap="square" tIns="91425">
+          <a:bodyPr spcFirstLastPara="1" wrap="square" lIns="91425" tIns="91425" rIns="91425" bIns="91425" anchor="b" anchorCtr="0">
             <a:normAutofit/>
           </a:bodyPr>
           <a:lstStyle>
@@ -4569,15 +4608,19 @@
               <a:defRPr sz="2400"/>
             </a:lvl9pPr>
           </a:lstStyle>
-          <a:p/>
+          <a:p>
+            <a:endParaRPr/>
+          </a:p>
         </p:txBody>
       </p:sp>
       <p:sp>
         <p:nvSpPr>
           <p:cNvPr id="30" name="Google Shape;30;p7"/>
-          <p:cNvSpPr txBox="1"/>
+          <p:cNvSpPr txBox="1">
+            <a:spLocks noGrp="1"/>
+          </p:cNvSpPr>
           <p:nvPr>
-            <p:ph idx="1" type="body"/>
+            <p:ph type="body" idx="1"/>
           </p:nvPr>
         </p:nvSpPr>
         <p:spPr>
@@ -4590,11 +4633,11 @@
           </a:prstGeom>
         </p:spPr>
         <p:txBody>
-          <a:bodyPr anchorCtr="0" anchor="t" bIns="91425" lIns="91425" spcFirstLastPara="1" rIns="91425" wrap="square" tIns="91425">
+          <a:bodyPr spcFirstLastPara="1" wrap="square" lIns="91425" tIns="91425" rIns="91425" bIns="91425" anchor="t" anchorCtr="0">
             <a:normAutofit/>
           </a:bodyPr>
           <a:lstStyle>
-            <a:lvl1pPr indent="-304800" lvl="0" marL="457200">
+            <a:lvl1pPr marL="457200" lvl="0" indent="-304800">
               <a:spcBef>
                 <a:spcPts val="0"/>
               </a:spcBef>
@@ -4605,7 +4648,7 @@
               <a:buChar char="●"/>
               <a:defRPr sz="1200"/>
             </a:lvl1pPr>
-            <a:lvl2pPr indent="-304800" lvl="1" marL="914400">
+            <a:lvl2pPr marL="914400" lvl="1" indent="-304800">
               <a:spcBef>
                 <a:spcPts val="0"/>
               </a:spcBef>
@@ -4616,7 +4659,7 @@
               <a:buChar char="○"/>
               <a:defRPr sz="1200"/>
             </a:lvl2pPr>
-            <a:lvl3pPr indent="-304800" lvl="2" marL="1371600">
+            <a:lvl3pPr marL="1371600" lvl="2" indent="-304800">
               <a:spcBef>
                 <a:spcPts val="0"/>
               </a:spcBef>
@@ -4627,7 +4670,7 @@
               <a:buChar char="■"/>
               <a:defRPr sz="1200"/>
             </a:lvl3pPr>
-            <a:lvl4pPr indent="-304800" lvl="3" marL="1828800">
+            <a:lvl4pPr marL="1828800" lvl="3" indent="-304800">
               <a:spcBef>
                 <a:spcPts val="0"/>
               </a:spcBef>
@@ -4638,7 +4681,7 @@
               <a:buChar char="●"/>
               <a:defRPr sz="1200"/>
             </a:lvl4pPr>
-            <a:lvl5pPr indent="-304800" lvl="4" marL="2286000">
+            <a:lvl5pPr marL="2286000" lvl="4" indent="-304800">
               <a:spcBef>
                 <a:spcPts val="0"/>
               </a:spcBef>
@@ -4649,7 +4692,7 @@
               <a:buChar char="○"/>
               <a:defRPr sz="1200"/>
             </a:lvl5pPr>
-            <a:lvl6pPr indent="-304800" lvl="5" marL="2743200">
+            <a:lvl6pPr marL="2743200" lvl="5" indent="-304800">
               <a:spcBef>
                 <a:spcPts val="0"/>
               </a:spcBef>
@@ -4660,7 +4703,7 @@
               <a:buChar char="■"/>
               <a:defRPr sz="1200"/>
             </a:lvl6pPr>
-            <a:lvl7pPr indent="-304800" lvl="6" marL="3200400">
+            <a:lvl7pPr marL="3200400" lvl="6" indent="-304800">
               <a:spcBef>
                 <a:spcPts val="0"/>
               </a:spcBef>
@@ -4671,7 +4714,7 @@
               <a:buChar char="●"/>
               <a:defRPr sz="1200"/>
             </a:lvl7pPr>
-            <a:lvl8pPr indent="-304800" lvl="7" marL="3657600">
+            <a:lvl8pPr marL="3657600" lvl="7" indent="-304800">
               <a:spcBef>
                 <a:spcPts val="0"/>
               </a:spcBef>
@@ -4682,7 +4725,7 @@
               <a:buChar char="○"/>
               <a:defRPr sz="1200"/>
             </a:lvl8pPr>
-            <a:lvl9pPr indent="-304800" lvl="8" marL="4114800">
+            <a:lvl9pPr marL="4114800" lvl="8" indent="-304800">
               <a:spcBef>
                 <a:spcPts val="0"/>
               </a:spcBef>
@@ -4694,15 +4737,19 @@
               <a:defRPr sz="1200"/>
             </a:lvl9pPr>
           </a:lstStyle>
-          <a:p/>
+          <a:p>
+            <a:endParaRPr/>
+          </a:p>
         </p:txBody>
       </p:sp>
       <p:sp>
         <p:nvSpPr>
           <p:cNvPr id="31" name="Google Shape;31;p7"/>
-          <p:cNvSpPr txBox="1"/>
+          <p:cNvSpPr txBox="1">
+            <a:spLocks noGrp="1"/>
+          </p:cNvSpPr>
           <p:nvPr>
-            <p:ph idx="12" type="sldNum"/>
+            <p:ph type="sldNum" idx="12"/>
           </p:nvPr>
         </p:nvSpPr>
         <p:spPr>
@@ -4715,7 +4762,7 @@
           </a:prstGeom>
         </p:spPr>
         <p:txBody>
-          <a:bodyPr anchorCtr="0" anchor="ctr" bIns="91425" lIns="91425" spcFirstLastPara="1" rIns="91425" wrap="square" tIns="91425">
+          <a:bodyPr spcFirstLastPara="1" wrap="square" lIns="91425" tIns="91425" rIns="91425" bIns="91425" anchor="ctr" anchorCtr="0">
             <a:normAutofit/>
           </a:bodyPr>
           <a:lstStyle>
@@ -4757,7 +4804,7 @@
             </a:lvl9pPr>
           </a:lstStyle>
           <a:p>
-            <a:pPr indent="0" lvl="0" marL="0" rtl="0" algn="r">
+            <a:pPr marL="0" lvl="0" indent="0" algn="r" rtl="0">
               <a:spcBef>
                 <a:spcPts val="0"/>
               </a:spcBef>
@@ -4783,11 +4830,11 @@
 </file>
 
 <file path=ppt/slideLayouts/slideLayout7.xml><?xml version="1.0" encoding="utf-8"?>
-<p:sldLayout xmlns:a="http://schemas.openxmlformats.org/drawingml/2006/main" xmlns:r="http://schemas.openxmlformats.org/officeDocument/2006/relationships" xmlns:mc="http://schemas.openxmlformats.org/markup-compatibility/2006" xmlns:mv="urn:schemas-microsoft-com:mac:vml" xmlns:p="http://schemas.openxmlformats.org/presentationml/2006/main" xmlns:c="http://schemas.openxmlformats.org/drawingml/2006/chart" xmlns:dgm="http://schemas.openxmlformats.org/drawingml/2006/diagram" xmlns:o="urn:schemas-microsoft-com:office:office" xmlns:v="urn:schemas-microsoft-com:vml" xmlns:pvml="urn:schemas-microsoft-com:office:powerpoint" xmlns:com="http://schemas.openxmlformats.org/drawingml/2006/compatibility" xmlns:p14="http://schemas.microsoft.com/office/powerpoint/2010/main" xmlns:p15="http://schemas.microsoft.com/office/powerpoint/2012/main" xmlns:ahyp="http://schemas.microsoft.com/office/drawing/2018/hyperlinkcolor" matchingName="Main point">
+<p:sldLayout xmlns:a="http://schemas.openxmlformats.org/drawingml/2006/main" xmlns:r="http://schemas.openxmlformats.org/officeDocument/2006/relationships" xmlns:p="http://schemas.openxmlformats.org/presentationml/2006/main" matchingName="Main point">
   <p:cSld name="MAIN_POINT">
     <p:spTree>
       <p:nvGrpSpPr>
-        <p:cNvPr id="32" name="Shape 32"/>
+        <p:cNvPr id="1" name="Shape 32"/>
         <p:cNvGrpSpPr/>
         <p:nvPr/>
       </p:nvGrpSpPr>
@@ -4802,7 +4849,9 @@
       <p:sp>
         <p:nvSpPr>
           <p:cNvPr id="33" name="Google Shape;33;p8"/>
-          <p:cNvSpPr txBox="1"/>
+          <p:cNvSpPr txBox="1">
+            <a:spLocks noGrp="1"/>
+          </p:cNvSpPr>
           <p:nvPr>
             <p:ph type="title"/>
           </p:nvPr>
@@ -4817,7 +4866,7 @@
           </a:prstGeom>
         </p:spPr>
         <p:txBody>
-          <a:bodyPr anchorCtr="0" anchor="ctr" bIns="91425" lIns="91425" spcFirstLastPara="1" rIns="91425" wrap="square" tIns="91425">
+          <a:bodyPr spcFirstLastPara="1" wrap="square" lIns="91425" tIns="91425" rIns="91425" bIns="91425" anchor="ctr" anchorCtr="0">
             <a:normAutofit/>
           </a:bodyPr>
           <a:lstStyle>
@@ -4921,15 +4970,19 @@
               <a:defRPr sz="4800"/>
             </a:lvl9pPr>
           </a:lstStyle>
-          <a:p/>
+          <a:p>
+            <a:endParaRPr/>
+          </a:p>
         </p:txBody>
       </p:sp>
       <p:sp>
         <p:nvSpPr>
           <p:cNvPr id="34" name="Google Shape;34;p8"/>
-          <p:cNvSpPr txBox="1"/>
+          <p:cNvSpPr txBox="1">
+            <a:spLocks noGrp="1"/>
+          </p:cNvSpPr>
           <p:nvPr>
-            <p:ph idx="12" type="sldNum"/>
+            <p:ph type="sldNum" idx="12"/>
           </p:nvPr>
         </p:nvSpPr>
         <p:spPr>
@@ -4942,7 +4995,7 @@
           </a:prstGeom>
         </p:spPr>
         <p:txBody>
-          <a:bodyPr anchorCtr="0" anchor="ctr" bIns="91425" lIns="91425" spcFirstLastPara="1" rIns="91425" wrap="square" tIns="91425">
+          <a:bodyPr spcFirstLastPara="1" wrap="square" lIns="91425" tIns="91425" rIns="91425" bIns="91425" anchor="ctr" anchorCtr="0">
             <a:normAutofit/>
           </a:bodyPr>
           <a:lstStyle>
@@ -4984,7 +5037,7 @@
             </a:lvl9pPr>
           </a:lstStyle>
           <a:p>
-            <a:pPr indent="0" lvl="0" marL="0" rtl="0" algn="r">
+            <a:pPr marL="0" lvl="0" indent="0" algn="r" rtl="0">
               <a:spcBef>
                 <a:spcPts val="0"/>
               </a:spcBef>
@@ -5010,11 +5063,11 @@
 </file>
 
 <file path=ppt/slideLayouts/slideLayout8.xml><?xml version="1.0" encoding="utf-8"?>
-<p:sldLayout xmlns:a="http://schemas.openxmlformats.org/drawingml/2006/main" xmlns:r="http://schemas.openxmlformats.org/officeDocument/2006/relationships" xmlns:mc="http://schemas.openxmlformats.org/markup-compatibility/2006" xmlns:mv="urn:schemas-microsoft-com:mac:vml" xmlns:p="http://schemas.openxmlformats.org/presentationml/2006/main" xmlns:c="http://schemas.openxmlformats.org/drawingml/2006/chart" xmlns:dgm="http://schemas.openxmlformats.org/drawingml/2006/diagram" xmlns:o="urn:schemas-microsoft-com:office:office" xmlns:v="urn:schemas-microsoft-com:vml" xmlns:pvml="urn:schemas-microsoft-com:office:powerpoint" xmlns:com="http://schemas.openxmlformats.org/drawingml/2006/compatibility" xmlns:p14="http://schemas.microsoft.com/office/powerpoint/2010/main" xmlns:p15="http://schemas.microsoft.com/office/powerpoint/2012/main" xmlns:ahyp="http://schemas.microsoft.com/office/drawing/2018/hyperlinkcolor" matchingName="Section title and description">
+<p:sldLayout xmlns:a="http://schemas.openxmlformats.org/drawingml/2006/main" xmlns:r="http://schemas.openxmlformats.org/officeDocument/2006/relationships" xmlns:p="http://schemas.openxmlformats.org/presentationml/2006/main" matchingName="Section title and description">
   <p:cSld name="SECTION_TITLE_AND_DESCRIPTION">
     <p:spTree>
       <p:nvGrpSpPr>
-        <p:cNvPr id="35" name="Shape 35"/>
+        <p:cNvPr id="1" name="Shape 35"/>
         <p:cNvGrpSpPr/>
         <p:nvPr/>
       </p:nvGrpSpPr>
@@ -5048,12 +5101,12 @@
           </a:ln>
         </p:spPr>
         <p:txBody>
-          <a:bodyPr anchorCtr="0" anchor="ctr" bIns="91425" lIns="91425" spcFirstLastPara="1" rIns="91425" wrap="square" tIns="91425">
+          <a:bodyPr spcFirstLastPara="1" wrap="square" lIns="91425" tIns="91425" rIns="91425" bIns="91425" anchor="ctr" anchorCtr="0">
             <a:noAutofit/>
           </a:bodyPr>
           <a:lstStyle/>
           <a:p>
-            <a:pPr indent="0" lvl="0" marL="0" rtl="0" algn="l">
+            <a:pPr marL="0" lvl="0" indent="0" algn="l" rtl="0">
               <a:spcBef>
                 <a:spcPts val="0"/>
               </a:spcBef>
@@ -5062,9 +5115,6 @@
               </a:spcAft>
               <a:buNone/>
             </a:pPr>
-            <a:r>
-              <a:t/>
-            </a:r>
             <a:endParaRPr/>
           </a:p>
         </p:txBody>
@@ -5072,7 +5122,9 @@
       <p:sp>
         <p:nvSpPr>
           <p:cNvPr id="37" name="Google Shape;37;p9"/>
-          <p:cNvSpPr txBox="1"/>
+          <p:cNvSpPr txBox="1">
+            <a:spLocks noGrp="1"/>
+          </p:cNvSpPr>
           <p:nvPr>
             <p:ph type="title"/>
           </p:nvPr>
@@ -5087,7 +5139,7 @@
           </a:prstGeom>
         </p:spPr>
         <p:txBody>
-          <a:bodyPr anchorCtr="0" anchor="b" bIns="91425" lIns="91425" spcFirstLastPara="1" rIns="91425" wrap="square" tIns="91425">
+          <a:bodyPr spcFirstLastPara="1" wrap="square" lIns="91425" tIns="91425" rIns="91425" bIns="91425" anchor="b" anchorCtr="0">
             <a:normAutofit/>
           </a:bodyPr>
           <a:lstStyle>
@@ -5191,15 +5243,19 @@
               <a:defRPr sz="4200"/>
             </a:lvl9pPr>
           </a:lstStyle>
-          <a:p/>
+          <a:p>
+            <a:endParaRPr/>
+          </a:p>
         </p:txBody>
       </p:sp>
       <p:sp>
         <p:nvSpPr>
           <p:cNvPr id="38" name="Google Shape;38;p9"/>
-          <p:cNvSpPr txBox="1"/>
+          <p:cNvSpPr txBox="1">
+            <a:spLocks noGrp="1"/>
+          </p:cNvSpPr>
           <p:nvPr>
-            <p:ph idx="1" type="subTitle"/>
+            <p:ph type="subTitle" idx="1"/>
           </p:nvPr>
         </p:nvSpPr>
         <p:spPr>
@@ -5212,7 +5268,7 @@
           </a:prstGeom>
         </p:spPr>
         <p:txBody>
-          <a:bodyPr anchorCtr="0" anchor="t" bIns="91425" lIns="91425" spcFirstLastPara="1" rIns="91425" wrap="square" tIns="91425">
+          <a:bodyPr spcFirstLastPara="1" wrap="square" lIns="91425" tIns="91425" rIns="91425" bIns="91425" anchor="t" anchorCtr="0">
             <a:normAutofit/>
           </a:bodyPr>
           <a:lstStyle>
@@ -5343,15 +5399,19 @@
               <a:defRPr sz="2100"/>
             </a:lvl9pPr>
           </a:lstStyle>
-          <a:p/>
+          <a:p>
+            <a:endParaRPr/>
+          </a:p>
         </p:txBody>
       </p:sp>
       <p:sp>
         <p:nvSpPr>
           <p:cNvPr id="39" name="Google Shape;39;p9"/>
-          <p:cNvSpPr txBox="1"/>
+          <p:cNvSpPr txBox="1">
+            <a:spLocks noGrp="1"/>
+          </p:cNvSpPr>
           <p:nvPr>
-            <p:ph idx="2" type="body"/>
+            <p:ph type="body" idx="2"/>
           </p:nvPr>
         </p:nvSpPr>
         <p:spPr>
@@ -5364,11 +5424,11 @@
           </a:prstGeom>
         </p:spPr>
         <p:txBody>
-          <a:bodyPr anchorCtr="0" anchor="ctr" bIns="91425" lIns="91425" spcFirstLastPara="1" rIns="91425" wrap="square" tIns="91425">
+          <a:bodyPr spcFirstLastPara="1" wrap="square" lIns="91425" tIns="91425" rIns="91425" bIns="91425" anchor="ctr" anchorCtr="0">
             <a:normAutofit/>
           </a:bodyPr>
           <a:lstStyle>
-            <a:lvl1pPr indent="-342900" lvl="0" marL="457200">
+            <a:lvl1pPr marL="457200" lvl="0" indent="-342900">
               <a:spcBef>
                 <a:spcPts val="0"/>
               </a:spcBef>
@@ -5386,7 +5446,7 @@
                 </a:solidFill>
               </a:defRPr>
             </a:lvl1pPr>
-            <a:lvl2pPr indent="-317500" lvl="1" marL="914400">
+            <a:lvl2pPr marL="914400" lvl="1" indent="-317500">
               <a:spcBef>
                 <a:spcPts val="0"/>
               </a:spcBef>
@@ -5404,7 +5464,7 @@
                 </a:solidFill>
               </a:defRPr>
             </a:lvl2pPr>
-            <a:lvl3pPr indent="-317500" lvl="2" marL="1371600">
+            <a:lvl3pPr marL="1371600" lvl="2" indent="-317500">
               <a:spcBef>
                 <a:spcPts val="0"/>
               </a:spcBef>
@@ -5422,7 +5482,7 @@
                 </a:solidFill>
               </a:defRPr>
             </a:lvl3pPr>
-            <a:lvl4pPr indent="-317500" lvl="3" marL="1828800">
+            <a:lvl4pPr marL="1828800" lvl="3" indent="-317500">
               <a:spcBef>
                 <a:spcPts val="0"/>
               </a:spcBef>
@@ -5440,7 +5500,7 @@
                 </a:solidFill>
               </a:defRPr>
             </a:lvl4pPr>
-            <a:lvl5pPr indent="-317500" lvl="4" marL="2286000">
+            <a:lvl5pPr marL="2286000" lvl="4" indent="-317500">
               <a:spcBef>
                 <a:spcPts val="0"/>
               </a:spcBef>
@@ -5458,7 +5518,7 @@
                 </a:solidFill>
               </a:defRPr>
             </a:lvl5pPr>
-            <a:lvl6pPr indent="-317500" lvl="5" marL="2743200">
+            <a:lvl6pPr marL="2743200" lvl="5" indent="-317500">
               <a:spcBef>
                 <a:spcPts val="0"/>
               </a:spcBef>
@@ -5476,7 +5536,7 @@
                 </a:solidFill>
               </a:defRPr>
             </a:lvl6pPr>
-            <a:lvl7pPr indent="-317500" lvl="6" marL="3200400">
+            <a:lvl7pPr marL="3200400" lvl="6" indent="-317500">
               <a:spcBef>
                 <a:spcPts val="0"/>
               </a:spcBef>
@@ -5494,7 +5554,7 @@
                 </a:solidFill>
               </a:defRPr>
             </a:lvl7pPr>
-            <a:lvl8pPr indent="-317500" lvl="7" marL="3657600">
+            <a:lvl8pPr marL="3657600" lvl="7" indent="-317500">
               <a:spcBef>
                 <a:spcPts val="0"/>
               </a:spcBef>
@@ -5512,7 +5572,7 @@
                 </a:solidFill>
               </a:defRPr>
             </a:lvl8pPr>
-            <a:lvl9pPr indent="-317500" lvl="8" marL="4114800">
+            <a:lvl9pPr marL="4114800" lvl="8" indent="-317500">
               <a:spcBef>
                 <a:spcPts val="0"/>
               </a:spcBef>
@@ -5531,15 +5591,19 @@
               </a:defRPr>
             </a:lvl9pPr>
           </a:lstStyle>
-          <a:p/>
+          <a:p>
+            <a:endParaRPr/>
+          </a:p>
         </p:txBody>
       </p:sp>
       <p:sp>
         <p:nvSpPr>
           <p:cNvPr id="40" name="Google Shape;40;p9"/>
-          <p:cNvSpPr txBox="1"/>
+          <p:cNvSpPr txBox="1">
+            <a:spLocks noGrp="1"/>
+          </p:cNvSpPr>
           <p:nvPr>
-            <p:ph idx="12" type="sldNum"/>
+            <p:ph type="sldNum" idx="12"/>
           </p:nvPr>
         </p:nvSpPr>
         <p:spPr>
@@ -5552,7 +5616,7 @@
           </a:prstGeom>
         </p:spPr>
         <p:txBody>
-          <a:bodyPr anchorCtr="0" anchor="ctr" bIns="91425" lIns="91425" spcFirstLastPara="1" rIns="91425" wrap="square" tIns="91425">
+          <a:bodyPr spcFirstLastPara="1" wrap="square" lIns="91425" tIns="91425" rIns="91425" bIns="91425" anchor="ctr" anchorCtr="0">
             <a:normAutofit/>
           </a:bodyPr>
           <a:lstStyle>
@@ -5594,7 +5658,7 @@
             </a:lvl9pPr>
           </a:lstStyle>
           <a:p>
-            <a:pPr indent="0" lvl="0" marL="0" rtl="0" algn="r">
+            <a:pPr marL="0" lvl="0" indent="0" algn="r" rtl="0">
               <a:spcBef>
                 <a:spcPts val="0"/>
               </a:spcBef>
@@ -5620,11 +5684,11 @@
 </file>
 
 <file path=ppt/slideLayouts/slideLayout9.xml><?xml version="1.0" encoding="utf-8"?>
-<p:sldLayout xmlns:a="http://schemas.openxmlformats.org/drawingml/2006/main" xmlns:r="http://schemas.openxmlformats.org/officeDocument/2006/relationships" xmlns:mc="http://schemas.openxmlformats.org/markup-compatibility/2006" xmlns:mv="urn:schemas-microsoft-com:mac:vml" xmlns:p="http://schemas.openxmlformats.org/presentationml/2006/main" xmlns:c="http://schemas.openxmlformats.org/drawingml/2006/chart" xmlns:dgm="http://schemas.openxmlformats.org/drawingml/2006/diagram" xmlns:o="urn:schemas-microsoft-com:office:office" xmlns:v="urn:schemas-microsoft-com:vml" xmlns:pvml="urn:schemas-microsoft-com:office:powerpoint" xmlns:com="http://schemas.openxmlformats.org/drawingml/2006/compatibility" xmlns:p14="http://schemas.microsoft.com/office/powerpoint/2010/main" xmlns:p15="http://schemas.microsoft.com/office/powerpoint/2012/main" xmlns:ahyp="http://schemas.microsoft.com/office/drawing/2018/hyperlinkcolor" matchingName="Caption">
+<p:sldLayout xmlns:a="http://schemas.openxmlformats.org/drawingml/2006/main" xmlns:r="http://schemas.openxmlformats.org/officeDocument/2006/relationships" xmlns:p="http://schemas.openxmlformats.org/presentationml/2006/main" matchingName="Caption">
   <p:cSld name="CAPTION_ONLY">
     <p:spTree>
       <p:nvGrpSpPr>
-        <p:cNvPr id="41" name="Shape 41"/>
+        <p:cNvPr id="1" name="Shape 41"/>
         <p:cNvGrpSpPr/>
         <p:nvPr/>
       </p:nvGrpSpPr>
@@ -5639,9 +5703,11 @@
       <p:sp>
         <p:nvSpPr>
           <p:cNvPr id="42" name="Google Shape;42;p10"/>
-          <p:cNvSpPr txBox="1"/>
+          <p:cNvSpPr txBox="1">
+            <a:spLocks noGrp="1"/>
+          </p:cNvSpPr>
           <p:nvPr>
-            <p:ph idx="1" type="body"/>
+            <p:ph type="body" idx="1"/>
           </p:nvPr>
         </p:nvSpPr>
         <p:spPr>
@@ -5654,11 +5720,11 @@
           </a:prstGeom>
         </p:spPr>
         <p:txBody>
-          <a:bodyPr anchorCtr="0" anchor="ctr" bIns="91425" lIns="91425" spcFirstLastPara="1" rIns="91425" wrap="square" tIns="91425">
+          <a:bodyPr spcFirstLastPara="1" wrap="square" lIns="91425" tIns="91425" rIns="91425" bIns="91425" anchor="ctr" anchorCtr="0">
             <a:normAutofit/>
           </a:bodyPr>
           <a:lstStyle>
-            <a:lvl1pPr indent="-228600" lvl="0" marL="457200">
+            <a:lvl1pPr marL="457200" lvl="0" indent="-228600">
               <a:lnSpc>
                 <a:spcPct val="100000"/>
               </a:lnSpc>
@@ -5673,15 +5739,19 @@
               <a:defRPr/>
             </a:lvl1pPr>
           </a:lstStyle>
-          <a:p/>
+          <a:p>
+            <a:endParaRPr/>
+          </a:p>
         </p:txBody>
       </p:sp>
       <p:sp>
         <p:nvSpPr>
           <p:cNvPr id="43" name="Google Shape;43;p10"/>
-          <p:cNvSpPr txBox="1"/>
+          <p:cNvSpPr txBox="1">
+            <a:spLocks noGrp="1"/>
+          </p:cNvSpPr>
           <p:nvPr>
-            <p:ph idx="12" type="sldNum"/>
+            <p:ph type="sldNum" idx="12"/>
           </p:nvPr>
         </p:nvSpPr>
         <p:spPr>
@@ -5694,7 +5764,7 @@
           </a:prstGeom>
         </p:spPr>
         <p:txBody>
-          <a:bodyPr anchorCtr="0" anchor="ctr" bIns="91425" lIns="91425" spcFirstLastPara="1" rIns="91425" wrap="square" tIns="91425">
+          <a:bodyPr spcFirstLastPara="1" wrap="square" lIns="91425" tIns="91425" rIns="91425" bIns="91425" anchor="ctr" anchorCtr="0">
             <a:normAutofit/>
           </a:bodyPr>
           <a:lstStyle>
@@ -5736,7 +5806,7 @@
             </a:lvl9pPr>
           </a:lstStyle>
           <a:p>
-            <a:pPr indent="0" lvl="0" marL="0" rtl="0" algn="r">
+            <a:pPr marL="0" lvl="0" indent="0" algn="r" rtl="0">
               <a:spcBef>
                 <a:spcPts val="0"/>
               </a:spcBef>
@@ -5762,18 +5832,19 @@
 </file>
 
 <file path=ppt/slideMasters/slideMaster1.xml><?xml version="1.0" encoding="utf-8"?>
-<p:sldMaster xmlns:a="http://schemas.openxmlformats.org/drawingml/2006/main" xmlns:r="http://schemas.openxmlformats.org/officeDocument/2006/relationships" xmlns:mc="http://schemas.openxmlformats.org/markup-compatibility/2006" xmlns:mv="urn:schemas-microsoft-com:mac:vml" xmlns:p="http://schemas.openxmlformats.org/presentationml/2006/main" xmlns:c="http://schemas.openxmlformats.org/drawingml/2006/chart" xmlns:dgm="http://schemas.openxmlformats.org/drawingml/2006/diagram" xmlns:o="urn:schemas-microsoft-com:office:office" xmlns:v="urn:schemas-microsoft-com:vml" xmlns:pvml="urn:schemas-microsoft-com:office:powerpoint" xmlns:com="http://schemas.openxmlformats.org/drawingml/2006/compatibility" xmlns:p14="http://schemas.microsoft.com/office/powerpoint/2010/main" xmlns:p15="http://schemas.microsoft.com/office/powerpoint/2012/main" xmlns:ahyp="http://schemas.microsoft.com/office/drawing/2018/hyperlinkcolor">
+<p:sldMaster xmlns:a="http://schemas.openxmlformats.org/drawingml/2006/main" xmlns:r="http://schemas.openxmlformats.org/officeDocument/2006/relationships" xmlns:p="http://schemas.openxmlformats.org/presentationml/2006/main">
   <p:cSld name="simple-dark-2">
     <p:bg>
       <p:bgPr>
         <a:solidFill>
           <a:schemeClr val="dk1"/>
         </a:solidFill>
+        <a:effectLst/>
       </p:bgPr>
     </p:bg>
     <p:spTree>
       <p:nvGrpSpPr>
-        <p:cNvPr id="5" name="Shape 5"/>
+        <p:cNvPr id="1" name="Shape 5"/>
         <p:cNvGrpSpPr/>
         <p:nvPr/>
       </p:nvGrpSpPr>
@@ -5788,7 +5859,9 @@
       <p:sp>
         <p:nvSpPr>
           <p:cNvPr id="6" name="Google Shape;6;p1"/>
-          <p:cNvSpPr txBox="1"/>
+          <p:cNvSpPr txBox="1">
+            <a:spLocks noGrp="1"/>
+          </p:cNvSpPr>
           <p:nvPr>
             <p:ph type="title"/>
           </p:nvPr>
@@ -5807,7 +5880,7 @@
           </a:ln>
         </p:spPr>
         <p:txBody>
-          <a:bodyPr anchorCtr="0" anchor="t" bIns="91425" lIns="91425" spcFirstLastPara="1" rIns="91425" wrap="square" tIns="91425">
+          <a:bodyPr spcFirstLastPara="1" wrap="square" lIns="91425" tIns="91425" rIns="91425" bIns="91425" anchor="t" anchorCtr="0">
             <a:normAutofit/>
           </a:bodyPr>
           <a:lstStyle>
@@ -5974,15 +6047,19 @@
               </a:defRPr>
             </a:lvl9pPr>
           </a:lstStyle>
-          <a:p/>
+          <a:p>
+            <a:endParaRPr/>
+          </a:p>
         </p:txBody>
       </p:sp>
       <p:sp>
         <p:nvSpPr>
           <p:cNvPr id="7" name="Google Shape;7;p1"/>
-          <p:cNvSpPr txBox="1"/>
+          <p:cNvSpPr txBox="1">
+            <a:spLocks noGrp="1"/>
+          </p:cNvSpPr>
           <p:nvPr>
-            <p:ph idx="1" type="body"/>
+            <p:ph type="body" idx="1"/>
           </p:nvPr>
         </p:nvSpPr>
         <p:spPr>
@@ -5999,11 +6076,11 @@
           </a:ln>
         </p:spPr>
         <p:txBody>
-          <a:bodyPr anchorCtr="0" anchor="t" bIns="91425" lIns="91425" spcFirstLastPara="1" rIns="91425" wrap="square" tIns="91425">
+          <a:bodyPr spcFirstLastPara="1" wrap="square" lIns="91425" tIns="91425" rIns="91425" bIns="91425" anchor="t" anchorCtr="0">
             <a:normAutofit/>
           </a:bodyPr>
           <a:lstStyle>
-            <a:lvl1pPr indent="-342900" lvl="0" marL="457200">
+            <a:lvl1pPr marL="457200" lvl="0" indent="-342900">
               <a:lnSpc>
                 <a:spcPct val="115000"/>
               </a:lnSpc>
@@ -6024,7 +6101,7 @@
                 </a:solidFill>
               </a:defRPr>
             </a:lvl1pPr>
-            <a:lvl2pPr indent="-317500" lvl="1" marL="914400">
+            <a:lvl2pPr marL="914400" lvl="1" indent="-317500">
               <a:lnSpc>
                 <a:spcPct val="115000"/>
               </a:lnSpc>
@@ -6045,7 +6122,7 @@
                 </a:solidFill>
               </a:defRPr>
             </a:lvl2pPr>
-            <a:lvl3pPr indent="-317500" lvl="2" marL="1371600">
+            <a:lvl3pPr marL="1371600" lvl="2" indent="-317500">
               <a:lnSpc>
                 <a:spcPct val="115000"/>
               </a:lnSpc>
@@ -6066,7 +6143,7 @@
                 </a:solidFill>
               </a:defRPr>
             </a:lvl3pPr>
-            <a:lvl4pPr indent="-317500" lvl="3" marL="1828800">
+            <a:lvl4pPr marL="1828800" lvl="3" indent="-317500">
               <a:lnSpc>
                 <a:spcPct val="115000"/>
               </a:lnSpc>
@@ -6087,7 +6164,7 @@
                 </a:solidFill>
               </a:defRPr>
             </a:lvl4pPr>
-            <a:lvl5pPr indent="-317500" lvl="4" marL="2286000">
+            <a:lvl5pPr marL="2286000" lvl="4" indent="-317500">
               <a:lnSpc>
                 <a:spcPct val="115000"/>
               </a:lnSpc>
@@ -6108,7 +6185,7 @@
                 </a:solidFill>
               </a:defRPr>
             </a:lvl5pPr>
-            <a:lvl6pPr indent="-317500" lvl="5" marL="2743200">
+            <a:lvl6pPr marL="2743200" lvl="5" indent="-317500">
               <a:lnSpc>
                 <a:spcPct val="115000"/>
               </a:lnSpc>
@@ -6129,7 +6206,7 @@
                 </a:solidFill>
               </a:defRPr>
             </a:lvl6pPr>
-            <a:lvl7pPr indent="-317500" lvl="6" marL="3200400">
+            <a:lvl7pPr marL="3200400" lvl="6" indent="-317500">
               <a:lnSpc>
                 <a:spcPct val="115000"/>
               </a:lnSpc>
@@ -6150,7 +6227,7 @@
                 </a:solidFill>
               </a:defRPr>
             </a:lvl7pPr>
-            <a:lvl8pPr indent="-317500" lvl="7" marL="3657600">
+            <a:lvl8pPr marL="3657600" lvl="7" indent="-317500">
               <a:lnSpc>
                 <a:spcPct val="115000"/>
               </a:lnSpc>
@@ -6171,7 +6248,7 @@
                 </a:solidFill>
               </a:defRPr>
             </a:lvl8pPr>
-            <a:lvl9pPr indent="-317500" lvl="8" marL="4114800">
+            <a:lvl9pPr marL="4114800" lvl="8" indent="-317500">
               <a:lnSpc>
                 <a:spcPct val="115000"/>
               </a:lnSpc>
@@ -6193,15 +6270,19 @@
               </a:defRPr>
             </a:lvl9pPr>
           </a:lstStyle>
-          <a:p/>
+          <a:p>
+            <a:endParaRPr/>
+          </a:p>
         </p:txBody>
       </p:sp>
       <p:sp>
         <p:nvSpPr>
           <p:cNvPr id="8" name="Google Shape;8;p1"/>
-          <p:cNvSpPr txBox="1"/>
+          <p:cNvSpPr txBox="1">
+            <a:spLocks noGrp="1"/>
+          </p:cNvSpPr>
           <p:nvPr>
-            <p:ph idx="12" type="sldNum"/>
+            <p:ph type="sldNum" idx="12"/>
           </p:nvPr>
         </p:nvSpPr>
         <p:spPr>
@@ -6218,7 +6299,7 @@
           </a:ln>
         </p:spPr>
         <p:txBody>
-          <a:bodyPr anchorCtr="0" anchor="ctr" bIns="91425" lIns="91425" spcFirstLastPara="1" rIns="91425" wrap="square" tIns="91425">
+          <a:bodyPr spcFirstLastPara="1" wrap="square" lIns="91425" tIns="91425" rIns="91425" bIns="91425" anchor="ctr" anchorCtr="0">
             <a:normAutofit/>
           </a:bodyPr>
           <a:lstStyle>
@@ -6296,7 +6377,7 @@
             </a:lvl9pPr>
           </a:lstStyle>
           <a:p>
-            <a:pPr indent="0" lvl="0" marL="0" rtl="0" algn="r">
+            <a:pPr marL="0" lvl="0" indent="0" algn="r" rtl="0">
               <a:spcBef>
                 <a:spcPts val="0"/>
               </a:spcBef>
@@ -6313,9 +6394,57 @@
           </a:p>
         </p:txBody>
       </p:sp>
+      <p:sp>
+        <p:nvSpPr>
+          <p:cNvPr id="3" name="TextBox 2">
+            <a:extLst>
+              <a:ext uri="{FF2B5EF4-FFF2-40B4-BE49-F238E27FC236}">
+                <a16:creationId xmlns:a16="http://schemas.microsoft.com/office/drawing/2014/main" id="{67D2033F-DA91-B297-FD52-8DD3CAC388DC}"/>
+              </a:ext>
+            </a:extLst>
+          </p:cNvPr>
+          <p:cNvSpPr txBox="1"/>
+          <p:nvPr userDrawn="1">
+            <p:extLst>
+              <p:ext uri="{1162E1C5-73C7-4A58-AE30-91384D911F3F}">
+                <p184:classification xmlns:p184="http://schemas.microsoft.com/office/powerpoint/2018/4/main" val="ftr"/>
+              </p:ext>
+            </p:extLst>
+          </p:nvPr>
+        </p:nvSpPr>
+        <p:spPr>
+          <a:xfrm>
+            <a:off x="63500" y="4836160"/>
+            <a:ext cx="8651875" cy="243840"/>
+          </a:xfrm>
+          <a:prstGeom prst="rect">
+            <a:avLst/>
+          </a:prstGeom>
+        </p:spPr>
+        <p:txBody>
+          <a:bodyPr horzOverflow="overflow" lIns="0" tIns="0" rIns="0" bIns="0">
+            <a:spAutoFit/>
+          </a:bodyPr>
+          <a:lstStyle/>
+          <a:p>
+            <a:pPr algn="l"/>
+            <a:r>
+              <a:rPr lang="en-US" sz="800">
+                <a:solidFill>
+                  <a:srgbClr val="000000"/>
+                </a:solidFill>
+                <a:latin typeface="Calibri" panose="020F0502020204030204" pitchFamily="34" charset="0"/>
+                <a:ea typeface="Calibri" panose="020F0502020204030204" pitchFamily="34" charset="0"/>
+                <a:cs typeface="Calibri" panose="020F0502020204030204" pitchFamily="34" charset="0"/>
+              </a:rPr>
+              <a:t>(Internal) This information is intended for use within Solidarity Bahrain &amp; in some cases within affiliated organizations, such as business partners. Unauthorized disclosure of this information is against Solidarity Bahrain's policy, laws, and regulations.</a:t>
+            </a:r>
+          </a:p>
+        </p:txBody>
+      </p:sp>
     </p:spTree>
   </p:cSld>
-  <p:clrMap accent1="accent1" accent2="accent2" accent3="accent3" accent4="accent4" accent5="accent5" accent6="accent6" bg1="lt1" bg2="dk2" tx1="dk1" tx2="lt2" folHlink="folHlink" hlink="hlink"/>
+  <p:clrMap bg1="lt1" tx1="dk1" bg2="dk2" tx2="lt2" accent1="accent1" accent2="accent2" accent3="accent3" accent4="accent4" accent5="accent5" accent6="accent6" hlink="hlink" folHlink="folHlink"/>
   <p:sldLayoutIdLst>
     <p:sldLayoutId id="2147483648" r:id="rId1"/>
     <p:sldLayoutId id="2147483649" r:id="rId2"/>
@@ -6329,10 +6458,10 @@
     <p:sldLayoutId id="2147483657" r:id="rId10"/>
     <p:sldLayoutId id="2147483658" r:id="rId11"/>
   </p:sldLayoutIdLst>
-  <p:hf dt="0" ftr="0" hdr="0" sldNum="0"/>
+  <p:hf sldNum="0" hdr="0" ftr="0" dt="0"/>
   <p:txStyles>
     <p:titleStyle>
-      <a:defPPr lvl="0" marR="0" rtl="0" algn="l">
+      <a:defPPr marR="0" lvl="0" algn="l" rtl="0">
         <a:lnSpc>
           <a:spcPct val="100000"/>
         </a:lnSpc>
@@ -6343,7 +6472,7 @@
           <a:spcPts val="0"/>
         </a:spcAft>
       </a:defPPr>
-      <a:lvl1pPr lvl="0" marR="0" rtl="0" algn="l">
+      <a:lvl1pPr marR="0" lvl="0" algn="l" rtl="0">
         <a:lnSpc>
           <a:spcPct val="100000"/>
         </a:lnSpc>
@@ -6357,7 +6486,7 @@
           <a:srgbClr val="000000"/>
         </a:buClr>
         <a:buFont typeface="Arial"/>
-        <a:defRPr b="0" i="0" sz="1400" u="none" cap="none" strike="noStrike">
+        <a:defRPr sz="1400" b="0" i="0" u="none" strike="noStrike" cap="none">
           <a:solidFill>
             <a:srgbClr val="000000"/>
           </a:solidFill>
@@ -6367,7 +6496,7 @@
           <a:sym typeface="Arial"/>
         </a:defRPr>
       </a:lvl1pPr>
-      <a:lvl2pPr lvl="1" marR="0" rtl="0" algn="l">
+      <a:lvl2pPr marR="0" lvl="1" algn="l" rtl="0">
         <a:lnSpc>
           <a:spcPct val="100000"/>
         </a:lnSpc>
@@ -6381,7 +6510,7 @@
           <a:srgbClr val="000000"/>
         </a:buClr>
         <a:buFont typeface="Arial"/>
-        <a:defRPr b="0" i="0" sz="1400" u="none" cap="none" strike="noStrike">
+        <a:defRPr sz="1400" b="0" i="0" u="none" strike="noStrike" cap="none">
           <a:solidFill>
             <a:srgbClr val="000000"/>
           </a:solidFill>
@@ -6391,7 +6520,7 @@
           <a:sym typeface="Arial"/>
         </a:defRPr>
       </a:lvl2pPr>
-      <a:lvl3pPr lvl="2" marR="0" rtl="0" algn="l">
+      <a:lvl3pPr marR="0" lvl="2" algn="l" rtl="0">
         <a:lnSpc>
           <a:spcPct val="100000"/>
         </a:lnSpc>
@@ -6405,7 +6534,7 @@
           <a:srgbClr val="000000"/>
         </a:buClr>
         <a:buFont typeface="Arial"/>
-        <a:defRPr b="0" i="0" sz="1400" u="none" cap="none" strike="noStrike">
+        <a:defRPr sz="1400" b="0" i="0" u="none" strike="noStrike" cap="none">
           <a:solidFill>
             <a:srgbClr val="000000"/>
           </a:solidFill>
@@ -6415,7 +6544,7 @@
           <a:sym typeface="Arial"/>
         </a:defRPr>
       </a:lvl3pPr>
-      <a:lvl4pPr lvl="3" marR="0" rtl="0" algn="l">
+      <a:lvl4pPr marR="0" lvl="3" algn="l" rtl="0">
         <a:lnSpc>
           <a:spcPct val="100000"/>
         </a:lnSpc>
@@ -6429,7 +6558,7 @@
           <a:srgbClr val="000000"/>
         </a:buClr>
         <a:buFont typeface="Arial"/>
-        <a:defRPr b="0" i="0" sz="1400" u="none" cap="none" strike="noStrike">
+        <a:defRPr sz="1400" b="0" i="0" u="none" strike="noStrike" cap="none">
           <a:solidFill>
             <a:srgbClr val="000000"/>
           </a:solidFill>
@@ -6439,7 +6568,7 @@
           <a:sym typeface="Arial"/>
         </a:defRPr>
       </a:lvl4pPr>
-      <a:lvl5pPr lvl="4" marR="0" rtl="0" algn="l">
+      <a:lvl5pPr marR="0" lvl="4" algn="l" rtl="0">
         <a:lnSpc>
           <a:spcPct val="100000"/>
         </a:lnSpc>
@@ -6453,7 +6582,7 @@
           <a:srgbClr val="000000"/>
         </a:buClr>
         <a:buFont typeface="Arial"/>
-        <a:defRPr b="0" i="0" sz="1400" u="none" cap="none" strike="noStrike">
+        <a:defRPr sz="1400" b="0" i="0" u="none" strike="noStrike" cap="none">
           <a:solidFill>
             <a:srgbClr val="000000"/>
           </a:solidFill>
@@ -6463,7 +6592,7 @@
           <a:sym typeface="Arial"/>
         </a:defRPr>
       </a:lvl5pPr>
-      <a:lvl6pPr lvl="5" marR="0" rtl="0" algn="l">
+      <a:lvl6pPr marR="0" lvl="5" algn="l" rtl="0">
         <a:lnSpc>
           <a:spcPct val="100000"/>
         </a:lnSpc>
@@ -6477,7 +6606,7 @@
           <a:srgbClr val="000000"/>
         </a:buClr>
         <a:buFont typeface="Arial"/>
-        <a:defRPr b="0" i="0" sz="1400" u="none" cap="none" strike="noStrike">
+        <a:defRPr sz="1400" b="0" i="0" u="none" strike="noStrike" cap="none">
           <a:solidFill>
             <a:srgbClr val="000000"/>
           </a:solidFill>
@@ -6487,7 +6616,7 @@
           <a:sym typeface="Arial"/>
         </a:defRPr>
       </a:lvl6pPr>
-      <a:lvl7pPr lvl="6" marR="0" rtl="0" algn="l">
+      <a:lvl7pPr marR="0" lvl="6" algn="l" rtl="0">
         <a:lnSpc>
           <a:spcPct val="100000"/>
         </a:lnSpc>
@@ -6501,7 +6630,7 @@
           <a:srgbClr val="000000"/>
         </a:buClr>
         <a:buFont typeface="Arial"/>
-        <a:defRPr b="0" i="0" sz="1400" u="none" cap="none" strike="noStrike">
+        <a:defRPr sz="1400" b="0" i="0" u="none" strike="noStrike" cap="none">
           <a:solidFill>
             <a:srgbClr val="000000"/>
           </a:solidFill>
@@ -6511,7 +6640,7 @@
           <a:sym typeface="Arial"/>
         </a:defRPr>
       </a:lvl7pPr>
-      <a:lvl8pPr lvl="7" marR="0" rtl="0" algn="l">
+      <a:lvl8pPr marR="0" lvl="7" algn="l" rtl="0">
         <a:lnSpc>
           <a:spcPct val="100000"/>
         </a:lnSpc>
@@ -6525,7 +6654,7 @@
           <a:srgbClr val="000000"/>
         </a:buClr>
         <a:buFont typeface="Arial"/>
-        <a:defRPr b="0" i="0" sz="1400" u="none" cap="none" strike="noStrike">
+        <a:defRPr sz="1400" b="0" i="0" u="none" strike="noStrike" cap="none">
           <a:solidFill>
             <a:srgbClr val="000000"/>
           </a:solidFill>
@@ -6535,7 +6664,7 @@
           <a:sym typeface="Arial"/>
         </a:defRPr>
       </a:lvl8pPr>
-      <a:lvl9pPr lvl="8" marR="0" rtl="0" algn="l">
+      <a:lvl9pPr marR="0" lvl="8" algn="l" rtl="0">
         <a:lnSpc>
           <a:spcPct val="100000"/>
         </a:lnSpc>
@@ -6549,7 +6678,7 @@
           <a:srgbClr val="000000"/>
         </a:buClr>
         <a:buFont typeface="Arial"/>
-        <a:defRPr b="0" i="0" sz="1400" u="none" cap="none" strike="noStrike">
+        <a:defRPr sz="1400" b="0" i="0" u="none" strike="noStrike" cap="none">
           <a:solidFill>
             <a:srgbClr val="000000"/>
           </a:solidFill>
@@ -6561,7 +6690,7 @@
       </a:lvl9pPr>
     </p:titleStyle>
     <p:bodyStyle>
-      <a:defPPr lvl="0" marR="0" rtl="0" algn="l">
+      <a:defPPr marR="0" lvl="0" algn="l" rtl="0">
         <a:lnSpc>
           <a:spcPct val="100000"/>
         </a:lnSpc>
@@ -6572,7 +6701,7 @@
           <a:spcPts val="0"/>
         </a:spcAft>
       </a:defPPr>
-      <a:lvl1pPr lvl="0" marR="0" rtl="0" algn="l">
+      <a:lvl1pPr marR="0" lvl="0" algn="l" rtl="0">
         <a:lnSpc>
           <a:spcPct val="100000"/>
         </a:lnSpc>
@@ -6586,7 +6715,7 @@
           <a:srgbClr val="000000"/>
         </a:buClr>
         <a:buFont typeface="Arial"/>
-        <a:defRPr b="0" i="0" sz="1400" u="none" cap="none" strike="noStrike">
+        <a:defRPr sz="1400" b="0" i="0" u="none" strike="noStrike" cap="none">
           <a:solidFill>
             <a:srgbClr val="000000"/>
           </a:solidFill>
@@ -6596,7 +6725,7 @@
           <a:sym typeface="Arial"/>
         </a:defRPr>
       </a:lvl1pPr>
-      <a:lvl2pPr lvl="1" marR="0" rtl="0" algn="l">
+      <a:lvl2pPr marR="0" lvl="1" algn="l" rtl="0">
         <a:lnSpc>
           <a:spcPct val="100000"/>
         </a:lnSpc>
@@ -6610,7 +6739,7 @@
           <a:srgbClr val="000000"/>
         </a:buClr>
         <a:buFont typeface="Arial"/>
-        <a:defRPr b="0" i="0" sz="1400" u="none" cap="none" strike="noStrike">
+        <a:defRPr sz="1400" b="0" i="0" u="none" strike="noStrike" cap="none">
           <a:solidFill>
             <a:srgbClr val="000000"/>
           </a:solidFill>
@@ -6620,7 +6749,7 @@
           <a:sym typeface="Arial"/>
         </a:defRPr>
       </a:lvl2pPr>
-      <a:lvl3pPr lvl="2" marR="0" rtl="0" algn="l">
+      <a:lvl3pPr marR="0" lvl="2" algn="l" rtl="0">
         <a:lnSpc>
           <a:spcPct val="100000"/>
         </a:lnSpc>
@@ -6634,7 +6763,7 @@
           <a:srgbClr val="000000"/>
         </a:buClr>
         <a:buFont typeface="Arial"/>
-        <a:defRPr b="0" i="0" sz="1400" u="none" cap="none" strike="noStrike">
+        <a:defRPr sz="1400" b="0" i="0" u="none" strike="noStrike" cap="none">
           <a:solidFill>
             <a:srgbClr val="000000"/>
           </a:solidFill>
@@ -6644,7 +6773,7 @@
           <a:sym typeface="Arial"/>
         </a:defRPr>
       </a:lvl3pPr>
-      <a:lvl4pPr lvl="3" marR="0" rtl="0" algn="l">
+      <a:lvl4pPr marR="0" lvl="3" algn="l" rtl="0">
         <a:lnSpc>
           <a:spcPct val="100000"/>
         </a:lnSpc>
@@ -6658,7 +6787,7 @@
           <a:srgbClr val="000000"/>
         </a:buClr>
         <a:buFont typeface="Arial"/>
-        <a:defRPr b="0" i="0" sz="1400" u="none" cap="none" strike="noStrike">
+        <a:defRPr sz="1400" b="0" i="0" u="none" strike="noStrike" cap="none">
           <a:solidFill>
             <a:srgbClr val="000000"/>
           </a:solidFill>
@@ -6668,7 +6797,7 @@
           <a:sym typeface="Arial"/>
         </a:defRPr>
       </a:lvl4pPr>
-      <a:lvl5pPr lvl="4" marR="0" rtl="0" algn="l">
+      <a:lvl5pPr marR="0" lvl="4" algn="l" rtl="0">
         <a:lnSpc>
           <a:spcPct val="100000"/>
         </a:lnSpc>
@@ -6682,7 +6811,7 @@
           <a:srgbClr val="000000"/>
         </a:buClr>
         <a:buFont typeface="Arial"/>
-        <a:defRPr b="0" i="0" sz="1400" u="none" cap="none" strike="noStrike">
+        <a:defRPr sz="1400" b="0" i="0" u="none" strike="noStrike" cap="none">
           <a:solidFill>
             <a:srgbClr val="000000"/>
           </a:solidFill>
@@ -6692,7 +6821,7 @@
           <a:sym typeface="Arial"/>
         </a:defRPr>
       </a:lvl5pPr>
-      <a:lvl6pPr lvl="5" marR="0" rtl="0" algn="l">
+      <a:lvl6pPr marR="0" lvl="5" algn="l" rtl="0">
         <a:lnSpc>
           <a:spcPct val="100000"/>
         </a:lnSpc>
@@ -6706,7 +6835,7 @@
           <a:srgbClr val="000000"/>
         </a:buClr>
         <a:buFont typeface="Arial"/>
-        <a:defRPr b="0" i="0" sz="1400" u="none" cap="none" strike="noStrike">
+        <a:defRPr sz="1400" b="0" i="0" u="none" strike="noStrike" cap="none">
           <a:solidFill>
             <a:srgbClr val="000000"/>
           </a:solidFill>
@@ -6716,7 +6845,7 @@
           <a:sym typeface="Arial"/>
         </a:defRPr>
       </a:lvl6pPr>
-      <a:lvl7pPr lvl="6" marR="0" rtl="0" algn="l">
+      <a:lvl7pPr marR="0" lvl="6" algn="l" rtl="0">
         <a:lnSpc>
           <a:spcPct val="100000"/>
         </a:lnSpc>
@@ -6730,7 +6859,7 @@
           <a:srgbClr val="000000"/>
         </a:buClr>
         <a:buFont typeface="Arial"/>
-        <a:defRPr b="0" i="0" sz="1400" u="none" cap="none" strike="noStrike">
+        <a:defRPr sz="1400" b="0" i="0" u="none" strike="noStrike" cap="none">
           <a:solidFill>
             <a:srgbClr val="000000"/>
           </a:solidFill>
@@ -6740,7 +6869,7 @@
           <a:sym typeface="Arial"/>
         </a:defRPr>
       </a:lvl7pPr>
-      <a:lvl8pPr lvl="7" marR="0" rtl="0" algn="l">
+      <a:lvl8pPr marR="0" lvl="7" algn="l" rtl="0">
         <a:lnSpc>
           <a:spcPct val="100000"/>
         </a:lnSpc>
@@ -6754,7 +6883,7 @@
           <a:srgbClr val="000000"/>
         </a:buClr>
         <a:buFont typeface="Arial"/>
-        <a:defRPr b="0" i="0" sz="1400" u="none" cap="none" strike="noStrike">
+        <a:defRPr sz="1400" b="0" i="0" u="none" strike="noStrike" cap="none">
           <a:solidFill>
             <a:srgbClr val="000000"/>
           </a:solidFill>
@@ -6764,7 +6893,7 @@
           <a:sym typeface="Arial"/>
         </a:defRPr>
       </a:lvl8pPr>
-      <a:lvl9pPr lvl="8" marR="0" rtl="0" algn="l">
+      <a:lvl9pPr marR="0" lvl="8" algn="l" rtl="0">
         <a:lnSpc>
           <a:spcPct val="100000"/>
         </a:lnSpc>
@@ -6778,7 +6907,7 @@
           <a:srgbClr val="000000"/>
         </a:buClr>
         <a:buFont typeface="Arial"/>
-        <a:defRPr b="0" i="0" sz="1400" u="none" cap="none" strike="noStrike">
+        <a:defRPr sz="1400" b="0" i="0" u="none" strike="noStrike" cap="none">
           <a:solidFill>
             <a:srgbClr val="000000"/>
           </a:solidFill>
@@ -6790,7 +6919,7 @@
       </a:lvl9pPr>
     </p:bodyStyle>
     <p:otherStyle>
-      <a:defPPr lvl="0" marR="0" rtl="0" algn="l">
+      <a:defPPr marR="0" lvl="0" algn="l" rtl="0">
         <a:lnSpc>
           <a:spcPct val="100000"/>
         </a:lnSpc>
@@ -6801,7 +6930,7 @@
           <a:spcPts val="0"/>
         </a:spcAft>
       </a:defPPr>
-      <a:lvl1pPr lvl="0" marR="0" rtl="0" algn="l">
+      <a:lvl1pPr marR="0" lvl="0" algn="l" rtl="0">
         <a:lnSpc>
           <a:spcPct val="100000"/>
         </a:lnSpc>
@@ -6815,7 +6944,7 @@
           <a:srgbClr val="000000"/>
         </a:buClr>
         <a:buFont typeface="Arial"/>
-        <a:defRPr b="0" i="0" sz="1400" u="none" cap="none" strike="noStrike">
+        <a:defRPr sz="1400" b="0" i="0" u="none" strike="noStrike" cap="none">
           <a:solidFill>
             <a:srgbClr val="000000"/>
           </a:solidFill>
@@ -6825,7 +6954,7 @@
           <a:sym typeface="Arial"/>
         </a:defRPr>
       </a:lvl1pPr>
-      <a:lvl2pPr lvl="1" marR="0" rtl="0" algn="l">
+      <a:lvl2pPr marR="0" lvl="1" algn="l" rtl="0">
         <a:lnSpc>
           <a:spcPct val="100000"/>
         </a:lnSpc>
@@ -6839,7 +6968,7 @@
           <a:srgbClr val="000000"/>
         </a:buClr>
         <a:buFont typeface="Arial"/>
-        <a:defRPr b="0" i="0" sz="1400" u="none" cap="none" strike="noStrike">
+        <a:defRPr sz="1400" b="0" i="0" u="none" strike="noStrike" cap="none">
           <a:solidFill>
             <a:srgbClr val="000000"/>
           </a:solidFill>
@@ -6849,7 +6978,7 @@
           <a:sym typeface="Arial"/>
         </a:defRPr>
       </a:lvl2pPr>
-      <a:lvl3pPr lvl="2" marR="0" rtl="0" algn="l">
+      <a:lvl3pPr marR="0" lvl="2" algn="l" rtl="0">
         <a:lnSpc>
           <a:spcPct val="100000"/>
         </a:lnSpc>
@@ -6863,7 +6992,7 @@
           <a:srgbClr val="000000"/>
         </a:buClr>
         <a:buFont typeface="Arial"/>
-        <a:defRPr b="0" i="0" sz="1400" u="none" cap="none" strike="noStrike">
+        <a:defRPr sz="1400" b="0" i="0" u="none" strike="noStrike" cap="none">
           <a:solidFill>
             <a:srgbClr val="000000"/>
           </a:solidFill>
@@ -6873,7 +7002,7 @@
           <a:sym typeface="Arial"/>
         </a:defRPr>
       </a:lvl3pPr>
-      <a:lvl4pPr lvl="3" marR="0" rtl="0" algn="l">
+      <a:lvl4pPr marR="0" lvl="3" algn="l" rtl="0">
         <a:lnSpc>
           <a:spcPct val="100000"/>
         </a:lnSpc>
@@ -6887,7 +7016,7 @@
           <a:srgbClr val="000000"/>
         </a:buClr>
         <a:buFont typeface="Arial"/>
-        <a:defRPr b="0" i="0" sz="1400" u="none" cap="none" strike="noStrike">
+        <a:defRPr sz="1400" b="0" i="0" u="none" strike="noStrike" cap="none">
           <a:solidFill>
             <a:srgbClr val="000000"/>
           </a:solidFill>
@@ -6897,7 +7026,7 @@
           <a:sym typeface="Arial"/>
         </a:defRPr>
       </a:lvl4pPr>
-      <a:lvl5pPr lvl="4" marR="0" rtl="0" algn="l">
+      <a:lvl5pPr marR="0" lvl="4" algn="l" rtl="0">
         <a:lnSpc>
           <a:spcPct val="100000"/>
         </a:lnSpc>
@@ -6911,7 +7040,7 @@
           <a:srgbClr val="000000"/>
         </a:buClr>
         <a:buFont typeface="Arial"/>
-        <a:defRPr b="0" i="0" sz="1400" u="none" cap="none" strike="noStrike">
+        <a:defRPr sz="1400" b="0" i="0" u="none" strike="noStrike" cap="none">
           <a:solidFill>
             <a:srgbClr val="000000"/>
           </a:solidFill>
@@ -6921,7 +7050,7 @@
           <a:sym typeface="Arial"/>
         </a:defRPr>
       </a:lvl5pPr>
-      <a:lvl6pPr lvl="5" marR="0" rtl="0" algn="l">
+      <a:lvl6pPr marR="0" lvl="5" algn="l" rtl="0">
         <a:lnSpc>
           <a:spcPct val="100000"/>
         </a:lnSpc>
@@ -6935,7 +7064,7 @@
           <a:srgbClr val="000000"/>
         </a:buClr>
         <a:buFont typeface="Arial"/>
-        <a:defRPr b="0" i="0" sz="1400" u="none" cap="none" strike="noStrike">
+        <a:defRPr sz="1400" b="0" i="0" u="none" strike="noStrike" cap="none">
           <a:solidFill>
             <a:srgbClr val="000000"/>
           </a:solidFill>
@@ -6945,7 +7074,7 @@
           <a:sym typeface="Arial"/>
         </a:defRPr>
       </a:lvl6pPr>
-      <a:lvl7pPr lvl="6" marR="0" rtl="0" algn="l">
+      <a:lvl7pPr marR="0" lvl="6" algn="l" rtl="0">
         <a:lnSpc>
           <a:spcPct val="100000"/>
         </a:lnSpc>
@@ -6959,7 +7088,7 @@
           <a:srgbClr val="000000"/>
         </a:buClr>
         <a:buFont typeface="Arial"/>
-        <a:defRPr b="0" i="0" sz="1400" u="none" cap="none" strike="noStrike">
+        <a:defRPr sz="1400" b="0" i="0" u="none" strike="noStrike" cap="none">
           <a:solidFill>
             <a:srgbClr val="000000"/>
           </a:solidFill>
@@ -6969,7 +7098,7 @@
           <a:sym typeface="Arial"/>
         </a:defRPr>
       </a:lvl7pPr>
-      <a:lvl8pPr lvl="7" marR="0" rtl="0" algn="l">
+      <a:lvl8pPr marR="0" lvl="7" algn="l" rtl="0">
         <a:lnSpc>
           <a:spcPct val="100000"/>
         </a:lnSpc>
@@ -6983,7 +7112,7 @@
           <a:srgbClr val="000000"/>
         </a:buClr>
         <a:buFont typeface="Arial"/>
-        <a:defRPr b="0" i="0" sz="1400" u="none" cap="none" strike="noStrike">
+        <a:defRPr sz="1400" b="0" i="0" u="none" strike="noStrike" cap="none">
           <a:solidFill>
             <a:srgbClr val="000000"/>
           </a:solidFill>
@@ -6993,7 +7122,7 @@
           <a:sym typeface="Arial"/>
         </a:defRPr>
       </a:lvl8pPr>
-      <a:lvl9pPr lvl="8" marR="0" rtl="0" algn="l">
+      <a:lvl9pPr marR="0" lvl="8" algn="l" rtl="0">
         <a:lnSpc>
           <a:spcPct val="100000"/>
         </a:lnSpc>
@@ -7007,7 +7136,7 @@
           <a:srgbClr val="000000"/>
         </a:buClr>
         <a:buFont typeface="Arial"/>
-        <a:defRPr b="0" i="0" sz="1400" u="none" cap="none" strike="noStrike">
+        <a:defRPr sz="1400" b="0" i="0" u="none" strike="noStrike" cap="none">
           <a:solidFill>
             <a:srgbClr val="000000"/>
           </a:solidFill>
@@ -7023,11 +7152,11 @@
 </file>
 
 <file path=ppt/slides/slide1.xml><?xml version="1.0" encoding="utf-8"?>
-<p:sld xmlns:a="http://schemas.openxmlformats.org/drawingml/2006/main" xmlns:r="http://schemas.openxmlformats.org/officeDocument/2006/relationships" xmlns:mc="http://schemas.openxmlformats.org/markup-compatibility/2006" xmlns:mv="urn:schemas-microsoft-com:mac:vml" xmlns:p="http://schemas.openxmlformats.org/presentationml/2006/main" xmlns:c="http://schemas.openxmlformats.org/drawingml/2006/chart" xmlns:dgm="http://schemas.openxmlformats.org/drawingml/2006/diagram" xmlns:o="urn:schemas-microsoft-com:office:office" xmlns:v="urn:schemas-microsoft-com:vml" xmlns:pvml="urn:schemas-microsoft-com:office:powerpoint" xmlns:com="http://schemas.openxmlformats.org/drawingml/2006/compatibility" xmlns:p14="http://schemas.microsoft.com/office/powerpoint/2010/main" xmlns:p15="http://schemas.microsoft.com/office/powerpoint/2012/main" xmlns:ahyp="http://schemas.microsoft.com/office/drawing/2018/hyperlinkcolor">
+<p:sld xmlns:a="http://schemas.openxmlformats.org/drawingml/2006/main" xmlns:r="http://schemas.openxmlformats.org/officeDocument/2006/relationships" xmlns:p="http://schemas.openxmlformats.org/presentationml/2006/main">
   <p:cSld>
     <p:spTree>
       <p:nvGrpSpPr>
-        <p:cNvPr id="53" name="Shape 53"/>
+        <p:cNvPr id="1" name="Shape 53"/>
         <p:cNvGrpSpPr/>
         <p:nvPr/>
       </p:nvGrpSpPr>
@@ -7042,7 +7171,9 @@
       <p:sp>
         <p:nvSpPr>
           <p:cNvPr id="54" name="Google Shape;54;p13"/>
-          <p:cNvSpPr txBox="1"/>
+          <p:cNvSpPr txBox="1">
+            <a:spLocks noGrp="1"/>
+          </p:cNvSpPr>
           <p:nvPr>
             <p:ph type="ctrTitle"/>
           </p:nvPr>
@@ -7057,12 +7188,12 @@
           </a:prstGeom>
         </p:spPr>
         <p:txBody>
-          <a:bodyPr anchorCtr="0" anchor="b" bIns="91425" lIns="91425" spcFirstLastPara="1" rIns="91425" wrap="square" tIns="91425">
+          <a:bodyPr spcFirstLastPara="1" wrap="square" lIns="91425" tIns="91425" rIns="91425" bIns="91425" anchor="b" anchorCtr="0">
             <a:normAutofit fontScale="90000"/>
           </a:bodyPr>
           <a:lstStyle/>
           <a:p>
-            <a:pPr indent="0" lvl="0" marL="0" rtl="0" algn="ctr">
+            <a:pPr marL="0" lvl="0" indent="0" algn="ctr" rtl="0">
               <a:lnSpc>
                 <a:spcPct val="120000"/>
               </a:lnSpc>
@@ -7374,9 +7505,11 @@
       <p:sp>
         <p:nvSpPr>
           <p:cNvPr id="55" name="Google Shape;55;p13"/>
-          <p:cNvSpPr txBox="1"/>
+          <p:cNvSpPr txBox="1">
+            <a:spLocks noGrp="1"/>
+          </p:cNvSpPr>
           <p:nvPr>
-            <p:ph idx="1" type="subTitle"/>
+            <p:ph type="subTitle" idx="1"/>
           </p:nvPr>
         </p:nvSpPr>
         <p:spPr>
@@ -7389,12 +7522,12 @@
           </a:prstGeom>
         </p:spPr>
         <p:txBody>
-          <a:bodyPr anchorCtr="0" anchor="t" bIns="91425" lIns="91425" spcFirstLastPara="1" rIns="91425" wrap="square" tIns="91425">
+          <a:bodyPr spcFirstLastPara="1" wrap="square" lIns="91425" tIns="91425" rIns="91425" bIns="91425" anchor="t" anchorCtr="0">
             <a:normAutofit/>
           </a:bodyPr>
           <a:lstStyle/>
           <a:p>
-            <a:pPr indent="0" lvl="0" marL="0" rtl="0" algn="ctr">
+            <a:pPr marL="0" lvl="0" indent="0" algn="ctr" rtl="0">
               <a:lnSpc>
                 <a:spcPct val="120000"/>
               </a:lnSpc>
@@ -7435,11 +7568,11 @@
 </file>
 
 <file path=ppt/slides/slide2.xml><?xml version="1.0" encoding="utf-8"?>
-<p:sld xmlns:a="http://schemas.openxmlformats.org/drawingml/2006/main" xmlns:r="http://schemas.openxmlformats.org/officeDocument/2006/relationships" xmlns:mc="http://schemas.openxmlformats.org/markup-compatibility/2006" xmlns:mv="urn:schemas-microsoft-com:mac:vml" xmlns:p="http://schemas.openxmlformats.org/presentationml/2006/main" xmlns:c="http://schemas.openxmlformats.org/drawingml/2006/chart" xmlns:dgm="http://schemas.openxmlformats.org/drawingml/2006/diagram" xmlns:o="urn:schemas-microsoft-com:office:office" xmlns:v="urn:schemas-microsoft-com:vml" xmlns:pvml="urn:schemas-microsoft-com:office:powerpoint" xmlns:com="http://schemas.openxmlformats.org/drawingml/2006/compatibility" xmlns:p14="http://schemas.microsoft.com/office/powerpoint/2010/main" xmlns:p15="http://schemas.microsoft.com/office/powerpoint/2012/main" xmlns:ahyp="http://schemas.microsoft.com/office/drawing/2018/hyperlinkcolor">
+<p:sld xmlns:a="http://schemas.openxmlformats.org/drawingml/2006/main" xmlns:r="http://schemas.openxmlformats.org/officeDocument/2006/relationships" xmlns:p="http://schemas.openxmlformats.org/presentationml/2006/main">
   <p:cSld>
     <p:spTree>
       <p:nvGrpSpPr>
-        <p:cNvPr id="59" name="Shape 59"/>
+        <p:cNvPr id="1" name="Shape 59"/>
         <p:cNvGrpSpPr/>
         <p:nvPr/>
       </p:nvGrpSpPr>
@@ -7454,7 +7587,9 @@
       <p:sp>
         <p:nvSpPr>
           <p:cNvPr id="60" name="Google Shape;60;p14"/>
-          <p:cNvSpPr txBox="1"/>
+          <p:cNvSpPr txBox="1">
+            <a:spLocks noGrp="1"/>
+          </p:cNvSpPr>
           <p:nvPr>
             <p:ph type="title"/>
           </p:nvPr>
@@ -7469,12 +7604,12 @@
           </a:prstGeom>
         </p:spPr>
         <p:txBody>
-          <a:bodyPr anchorCtr="0" anchor="t" bIns="91425" lIns="91425" spcFirstLastPara="1" rIns="91425" wrap="square" tIns="91425">
+          <a:bodyPr spcFirstLastPara="1" wrap="square" lIns="91425" tIns="91425" rIns="91425" bIns="91425" anchor="t" anchorCtr="0">
             <a:normAutofit fontScale="90000"/>
           </a:bodyPr>
           <a:lstStyle/>
           <a:p>
-            <a:pPr indent="0" lvl="0" marL="0" rtl="0" algn="l">
+            <a:pPr marL="0" lvl="0" indent="0" algn="l" rtl="0">
               <a:spcBef>
                 <a:spcPts val="0"/>
               </a:spcBef>
@@ -7502,9 +7637,11 @@
       <p:sp>
         <p:nvSpPr>
           <p:cNvPr id="61" name="Google Shape;61;p14"/>
-          <p:cNvSpPr txBox="1"/>
+          <p:cNvSpPr txBox="1">
+            <a:spLocks noGrp="1"/>
+          </p:cNvSpPr>
           <p:nvPr>
-            <p:ph idx="1" type="body"/>
+            <p:ph type="body" idx="1"/>
           </p:nvPr>
         </p:nvSpPr>
         <p:spPr>
@@ -7517,12 +7654,12 @@
           </a:prstGeom>
         </p:spPr>
         <p:txBody>
-          <a:bodyPr anchorCtr="0" anchor="t" bIns="91425" lIns="91425" spcFirstLastPara="1" rIns="91425" wrap="square" tIns="91425">
+          <a:bodyPr spcFirstLastPara="1" wrap="square" lIns="91425" tIns="91425" rIns="91425" bIns="91425" anchor="t" anchorCtr="0">
             <a:normAutofit/>
           </a:bodyPr>
           <a:lstStyle/>
           <a:p>
-            <a:pPr indent="-342900" lvl="0" marL="457200" rtl="0" algn="l">
+            <a:pPr marL="457200" lvl="0" indent="-342900" algn="l" rtl="0">
               <a:lnSpc>
                 <a:spcPct val="150000"/>
               </a:lnSpc>
@@ -7539,21 +7676,21 @@
               <a:buChar char="●"/>
             </a:pPr>
             <a:r>
-              <a:rPr lang="en">
+              <a:rPr lang="en" dirty="0">
                 <a:solidFill>
                   <a:schemeClr val="lt1"/>
                 </a:solidFill>
               </a:rPr>
-              <a:t>Demo</a:t>
-            </a:r>
-            <a:endParaRPr>
+              <a:t>Planning</a:t>
+            </a:r>
+            <a:endParaRPr dirty="0">
               <a:solidFill>
                 <a:schemeClr val="lt1"/>
               </a:solidFill>
             </a:endParaRPr>
           </a:p>
           <a:p>
-            <a:pPr indent="-342900" lvl="0" marL="457200" rtl="0" algn="l">
+            <a:pPr marL="457200" lvl="0" indent="-342900" algn="l" rtl="0">
               <a:lnSpc>
                 <a:spcPct val="150000"/>
               </a:lnSpc>
@@ -7570,21 +7707,83 @@
               <a:buChar char="●"/>
             </a:pPr>
             <a:r>
-              <a:rPr lang="en">
+              <a:rPr lang="en" dirty="0">
                 <a:solidFill>
                   <a:schemeClr val="lt1"/>
                 </a:solidFill>
               </a:rPr>
-              <a:t>Planning</a:t>
-            </a:r>
-            <a:endParaRPr>
+              <a:t>Development</a:t>
+            </a:r>
+            <a:endParaRPr dirty="0">
               <a:solidFill>
                 <a:schemeClr val="lt1"/>
               </a:solidFill>
             </a:endParaRPr>
           </a:p>
           <a:p>
-            <a:pPr indent="-342900" lvl="0" marL="457200" rtl="0" algn="l">
+            <a:pPr marL="914400" lvl="1" indent="-317500" algn="l" rtl="0">
+              <a:lnSpc>
+                <a:spcPct val="150000"/>
+              </a:lnSpc>
+              <a:spcBef>
+                <a:spcPts val="0"/>
+              </a:spcBef>
+              <a:spcAft>
+                <a:spcPts val="0"/>
+              </a:spcAft>
+              <a:buClr>
+                <a:schemeClr val="lt1"/>
+              </a:buClr>
+              <a:buSzPts val="1400"/>
+              <a:buChar char="○"/>
+            </a:pPr>
+            <a:r>
+              <a:rPr lang="en" dirty="0">
+                <a:solidFill>
+                  <a:schemeClr val="lt1"/>
+                </a:solidFill>
+              </a:rPr>
+              <a:t>Technical Details </a:t>
+            </a:r>
+            <a:endParaRPr dirty="0">
+              <a:solidFill>
+                <a:schemeClr val="lt1"/>
+              </a:solidFill>
+            </a:endParaRPr>
+          </a:p>
+          <a:p>
+            <a:pPr marL="914400" lvl="1" indent="-317500" algn="l" rtl="0">
+              <a:lnSpc>
+                <a:spcPct val="150000"/>
+              </a:lnSpc>
+              <a:spcBef>
+                <a:spcPts val="0"/>
+              </a:spcBef>
+              <a:spcAft>
+                <a:spcPts val="0"/>
+              </a:spcAft>
+              <a:buClr>
+                <a:schemeClr val="lt1"/>
+              </a:buClr>
+              <a:buSzPts val="1400"/>
+              <a:buChar char="○"/>
+            </a:pPr>
+            <a:r>
+              <a:rPr lang="en" dirty="0">
+                <a:solidFill>
+                  <a:schemeClr val="lt1"/>
+                </a:solidFill>
+              </a:rPr>
+              <a:t>Challenges</a:t>
+            </a:r>
+            <a:endParaRPr dirty="0">
+              <a:solidFill>
+                <a:schemeClr val="lt1"/>
+              </a:solidFill>
+            </a:endParaRPr>
+          </a:p>
+          <a:p>
+            <a:pPr marL="457200" lvl="0" indent="-342900" algn="l" rtl="0">
               <a:lnSpc>
                 <a:spcPct val="150000"/>
               </a:lnSpc>
@@ -7601,83 +7800,39 @@
               <a:buChar char="●"/>
             </a:pPr>
             <a:r>
-              <a:rPr lang="en">
+              <a:rPr lang="en" dirty="0">
                 <a:solidFill>
                   <a:schemeClr val="lt1"/>
                 </a:solidFill>
               </a:rPr>
-              <a:t>Development</a:t>
-            </a:r>
-            <a:endParaRPr>
+              <a:t>Testing</a:t>
+            </a:r>
+          </a:p>
+          <a:p>
+            <a:pPr>
+              <a:lnSpc>
+                <a:spcPct val="150000"/>
+              </a:lnSpc>
+              <a:buClr>
+                <a:schemeClr val="lt1"/>
+              </a:buClr>
+            </a:pPr>
+            <a:r>
+              <a:rPr lang="en-US" dirty="0">
+                <a:solidFill>
+                  <a:schemeClr val="lt1"/>
+                </a:solidFill>
+              </a:rPr>
+              <a:t>Demo</a:t>
+            </a:r>
+            <a:endParaRPr dirty="0">
               <a:solidFill>
                 <a:schemeClr val="lt1"/>
               </a:solidFill>
             </a:endParaRPr>
           </a:p>
           <a:p>
-            <a:pPr indent="-317500" lvl="1" marL="914400" rtl="0" algn="l">
-              <a:lnSpc>
-                <a:spcPct val="150000"/>
-              </a:lnSpc>
-              <a:spcBef>
-                <a:spcPts val="0"/>
-              </a:spcBef>
-              <a:spcAft>
-                <a:spcPts val="0"/>
-              </a:spcAft>
-              <a:buClr>
-                <a:schemeClr val="lt1"/>
-              </a:buClr>
-              <a:buSzPts val="1400"/>
-              <a:buChar char="○"/>
-            </a:pPr>
-            <a:r>
-              <a:rPr lang="en">
-                <a:solidFill>
-                  <a:schemeClr val="lt1"/>
-                </a:solidFill>
-              </a:rPr>
-              <a:t>Technical Details </a:t>
-            </a:r>
-            <a:endParaRPr>
-              <a:solidFill>
-                <a:schemeClr val="lt1"/>
-              </a:solidFill>
-            </a:endParaRPr>
-          </a:p>
-          <a:p>
-            <a:pPr indent="-317500" lvl="1" marL="914400" rtl="0" algn="l">
-              <a:lnSpc>
-                <a:spcPct val="150000"/>
-              </a:lnSpc>
-              <a:spcBef>
-                <a:spcPts val="0"/>
-              </a:spcBef>
-              <a:spcAft>
-                <a:spcPts val="0"/>
-              </a:spcAft>
-              <a:buClr>
-                <a:schemeClr val="lt1"/>
-              </a:buClr>
-              <a:buSzPts val="1400"/>
-              <a:buChar char="○"/>
-            </a:pPr>
-            <a:r>
-              <a:rPr lang="en">
-                <a:solidFill>
-                  <a:schemeClr val="lt1"/>
-                </a:solidFill>
-              </a:rPr>
-              <a:t>Challenges</a:t>
-            </a:r>
-            <a:endParaRPr>
-              <a:solidFill>
-                <a:schemeClr val="lt1"/>
-              </a:solidFill>
-            </a:endParaRPr>
-          </a:p>
-          <a:p>
-            <a:pPr indent="-342900" lvl="0" marL="457200" rtl="0" algn="l">
+            <a:pPr marL="457200" lvl="0" indent="-342900" algn="l" rtl="0">
               <a:lnSpc>
                 <a:spcPct val="150000"/>
               </a:lnSpc>
@@ -7694,45 +7849,14 @@
               <a:buChar char="●"/>
             </a:pPr>
             <a:r>
-              <a:rPr lang="en">
-                <a:solidFill>
-                  <a:schemeClr val="lt1"/>
-                </a:solidFill>
-              </a:rPr>
-              <a:t>Testing</a:t>
-            </a:r>
-            <a:endParaRPr>
-              <a:solidFill>
-                <a:schemeClr val="lt1"/>
-              </a:solidFill>
-            </a:endParaRPr>
-          </a:p>
-          <a:p>
-            <a:pPr indent="-342900" lvl="0" marL="457200" rtl="0" algn="l">
-              <a:lnSpc>
-                <a:spcPct val="150000"/>
-              </a:lnSpc>
-              <a:spcBef>
-                <a:spcPts val="0"/>
-              </a:spcBef>
-              <a:spcAft>
-                <a:spcPts val="0"/>
-              </a:spcAft>
-              <a:buClr>
-                <a:schemeClr val="lt1"/>
-              </a:buClr>
-              <a:buSzPts val="1800"/>
-              <a:buChar char="●"/>
-            </a:pPr>
-            <a:r>
-              <a:rPr lang="en">
+              <a:rPr lang="en" dirty="0">
                 <a:solidFill>
                   <a:schemeClr val="lt1"/>
                 </a:solidFill>
               </a:rPr>
               <a:t>Future Improvements</a:t>
             </a:r>
-            <a:endParaRPr>
+            <a:endParaRPr dirty="0">
               <a:solidFill>
                 <a:schemeClr val="lt1"/>
               </a:solidFill>
@@ -7749,11 +7873,11 @@
 </file>
 
 <file path=ppt/slides/slide3.xml><?xml version="1.0" encoding="utf-8"?>
-<p:sld xmlns:a="http://schemas.openxmlformats.org/drawingml/2006/main" xmlns:r="http://schemas.openxmlformats.org/officeDocument/2006/relationships" xmlns:mc="http://schemas.openxmlformats.org/markup-compatibility/2006" xmlns:mv="urn:schemas-microsoft-com:mac:vml" xmlns:p="http://schemas.openxmlformats.org/presentationml/2006/main" xmlns:c="http://schemas.openxmlformats.org/drawingml/2006/chart" xmlns:dgm="http://schemas.openxmlformats.org/drawingml/2006/diagram" xmlns:o="urn:schemas-microsoft-com:office:office" xmlns:v="urn:schemas-microsoft-com:vml" xmlns:pvml="urn:schemas-microsoft-com:office:powerpoint" xmlns:com="http://schemas.openxmlformats.org/drawingml/2006/compatibility" xmlns:p14="http://schemas.microsoft.com/office/powerpoint/2010/main" xmlns:p15="http://schemas.microsoft.com/office/powerpoint/2012/main" xmlns:ahyp="http://schemas.microsoft.com/office/drawing/2018/hyperlinkcolor">
+<p:sld xmlns:a="http://schemas.openxmlformats.org/drawingml/2006/main" xmlns:r="http://schemas.openxmlformats.org/officeDocument/2006/relationships" xmlns:p="http://schemas.openxmlformats.org/presentationml/2006/main">
   <p:cSld>
     <p:spTree>
       <p:nvGrpSpPr>
-        <p:cNvPr id="65" name="Shape 65"/>
+        <p:cNvPr id="1" name="Shape 65"/>
         <p:cNvGrpSpPr/>
         <p:nvPr/>
       </p:nvGrpSpPr>
@@ -7824,7 +7948,9 @@
       <p:sp>
         <p:nvSpPr>
           <p:cNvPr id="68" name="Google Shape;68;p15"/>
-          <p:cNvSpPr txBox="1"/>
+          <p:cNvSpPr txBox="1">
+            <a:spLocks noGrp="1"/>
+          </p:cNvSpPr>
           <p:nvPr>
             <p:ph type="title"/>
           </p:nvPr>
@@ -7839,12 +7965,12 @@
           </a:prstGeom>
         </p:spPr>
         <p:txBody>
-          <a:bodyPr anchorCtr="0" anchor="t" bIns="91425" lIns="91425" spcFirstLastPara="1" rIns="91425" wrap="square" tIns="91425">
+          <a:bodyPr spcFirstLastPara="1" wrap="square" lIns="91425" tIns="91425" rIns="91425" bIns="91425" anchor="t" anchorCtr="0">
             <a:normAutofit fontScale="90000"/>
           </a:bodyPr>
           <a:lstStyle/>
           <a:p>
-            <a:pPr indent="0" lvl="0" marL="0" rtl="0" algn="l">
+            <a:pPr marL="0" lvl="0" indent="0" algn="l" rtl="0">
               <a:spcBef>
                 <a:spcPts val="0"/>
               </a:spcBef>
@@ -7945,12 +8071,12 @@
           </a:ln>
         </p:spPr>
         <p:txBody>
-          <a:bodyPr anchorCtr="0" anchor="t" bIns="91425" lIns="91425" spcFirstLastPara="1" rIns="91425" wrap="square" tIns="91425">
+          <a:bodyPr spcFirstLastPara="1" wrap="square" lIns="91425" tIns="91425" rIns="91425" bIns="91425" anchor="t" anchorCtr="0">
             <a:spAutoFit/>
           </a:bodyPr>
           <a:lstStyle/>
           <a:p>
-            <a:pPr indent="0" lvl="0" marL="0" rtl="0" algn="l">
+            <a:pPr marL="0" lvl="0" indent="0" algn="l" rtl="0">
               <a:spcBef>
                 <a:spcPts val="0"/>
               </a:spcBef>
@@ -7987,12 +8113,12 @@
           </a:ln>
         </p:spPr>
         <p:txBody>
-          <a:bodyPr anchorCtr="0" anchor="t" bIns="91425" lIns="91425" spcFirstLastPara="1" rIns="91425" wrap="square" tIns="91425">
+          <a:bodyPr spcFirstLastPara="1" wrap="square" lIns="91425" tIns="91425" rIns="91425" bIns="91425" anchor="t" anchorCtr="0">
             <a:spAutoFit/>
           </a:bodyPr>
           <a:lstStyle/>
           <a:p>
-            <a:pPr indent="0" lvl="0" marL="0" rtl="0" algn="l">
+            <a:pPr marL="0" lvl="0" indent="0" algn="l" rtl="0">
               <a:spcBef>
                 <a:spcPts val="0"/>
               </a:spcBef>
@@ -8029,12 +8155,12 @@
           </a:ln>
         </p:spPr>
         <p:txBody>
-          <a:bodyPr anchorCtr="0" anchor="t" bIns="91425" lIns="91425" spcFirstLastPara="1" rIns="91425" wrap="square" tIns="91425">
+          <a:bodyPr spcFirstLastPara="1" wrap="square" lIns="91425" tIns="91425" rIns="91425" bIns="91425" anchor="t" anchorCtr="0">
             <a:spAutoFit/>
           </a:bodyPr>
           <a:lstStyle/>
           <a:p>
-            <a:pPr indent="0" lvl="0" marL="0" rtl="0" algn="l">
+            <a:pPr marL="0" lvl="0" indent="0" algn="l" rtl="0">
               <a:spcBef>
                 <a:spcPts val="0"/>
               </a:spcBef>
@@ -8071,12 +8197,12 @@
           </a:ln>
         </p:spPr>
         <p:txBody>
-          <a:bodyPr anchorCtr="0" anchor="t" bIns="91425" lIns="91425" spcFirstLastPara="1" rIns="91425" wrap="square" tIns="91425">
+          <a:bodyPr spcFirstLastPara="1" wrap="square" lIns="91425" tIns="91425" rIns="91425" bIns="91425" anchor="t" anchorCtr="0">
             <a:spAutoFit/>
           </a:bodyPr>
           <a:lstStyle/>
           <a:p>
-            <a:pPr indent="0" lvl="0" marL="0" rtl="0" algn="l">
+            <a:pPr marL="0" lvl="0" indent="0" algn="l" rtl="0">
               <a:spcBef>
                 <a:spcPts val="0"/>
               </a:spcBef>
@@ -8102,11 +8228,11 @@
 </file>
 
 <file path=ppt/slides/slide4.xml><?xml version="1.0" encoding="utf-8"?>
-<p:sld xmlns:a="http://schemas.openxmlformats.org/drawingml/2006/main" xmlns:r="http://schemas.openxmlformats.org/officeDocument/2006/relationships" xmlns:mc="http://schemas.openxmlformats.org/markup-compatibility/2006" xmlns:mv="urn:schemas-microsoft-com:mac:vml" xmlns:p="http://schemas.openxmlformats.org/presentationml/2006/main" xmlns:c="http://schemas.openxmlformats.org/drawingml/2006/chart" xmlns:dgm="http://schemas.openxmlformats.org/drawingml/2006/diagram" xmlns:o="urn:schemas-microsoft-com:office:office" xmlns:v="urn:schemas-microsoft-com:vml" xmlns:pvml="urn:schemas-microsoft-com:office:powerpoint" xmlns:com="http://schemas.openxmlformats.org/drawingml/2006/compatibility" xmlns:p14="http://schemas.microsoft.com/office/powerpoint/2010/main" xmlns:p15="http://schemas.microsoft.com/office/powerpoint/2012/main" xmlns:ahyp="http://schemas.microsoft.com/office/drawing/2018/hyperlinkcolor">
+<p:sld xmlns:a="http://schemas.openxmlformats.org/drawingml/2006/main" xmlns:r="http://schemas.openxmlformats.org/officeDocument/2006/relationships" xmlns:p="http://schemas.openxmlformats.org/presentationml/2006/main">
   <p:cSld>
     <p:spTree>
       <p:nvGrpSpPr>
-        <p:cNvPr id="78" name="Shape 78"/>
+        <p:cNvPr id="1" name="Shape 78"/>
         <p:cNvGrpSpPr/>
         <p:nvPr/>
       </p:nvGrpSpPr>
@@ -8121,7 +8247,9 @@
       <p:sp>
         <p:nvSpPr>
           <p:cNvPr id="79" name="Google Shape;79;p16"/>
-          <p:cNvSpPr txBox="1"/>
+          <p:cNvSpPr txBox="1">
+            <a:spLocks noGrp="1"/>
+          </p:cNvSpPr>
           <p:nvPr>
             <p:ph type="title"/>
           </p:nvPr>
@@ -8136,12 +8264,12 @@
           </a:prstGeom>
         </p:spPr>
         <p:txBody>
-          <a:bodyPr anchorCtr="0" anchor="t" bIns="91425" lIns="91425" spcFirstLastPara="1" rIns="91425" wrap="square" tIns="91425">
+          <a:bodyPr spcFirstLastPara="1" wrap="square" lIns="91425" tIns="91425" rIns="91425" bIns="91425" anchor="t" anchorCtr="0">
             <a:normAutofit fontScale="90000"/>
           </a:bodyPr>
           <a:lstStyle/>
           <a:p>
-            <a:pPr indent="0" lvl="0" marL="0" rtl="0" algn="l">
+            <a:pPr marL="0" lvl="0" indent="0" algn="l" rtl="0">
               <a:spcBef>
                 <a:spcPts val="0"/>
               </a:spcBef>
@@ -8151,7 +8279,7 @@
               <a:buNone/>
             </a:pPr>
             <a:r>
-              <a:rPr b="1" lang="en">
+              <a:rPr lang="en" b="1">
                 <a:solidFill>
                   <a:schemeClr val="lt1"/>
                 </a:solidFill>
@@ -8169,9 +8297,11 @@
       <p:sp>
         <p:nvSpPr>
           <p:cNvPr id="80" name="Google Shape;80;p16"/>
-          <p:cNvSpPr txBox="1"/>
+          <p:cNvSpPr txBox="1">
+            <a:spLocks noGrp="1"/>
+          </p:cNvSpPr>
           <p:nvPr>
-            <p:ph idx="1" type="body"/>
+            <p:ph type="body" idx="1"/>
           </p:nvPr>
         </p:nvSpPr>
         <p:spPr>
@@ -8184,12 +8314,12 @@
           </a:prstGeom>
         </p:spPr>
         <p:txBody>
-          <a:bodyPr anchorCtr="0" anchor="t" bIns="91425" lIns="91425" spcFirstLastPara="1" rIns="91425" wrap="square" tIns="91425">
-            <a:normAutofit lnSpcReduction="20000"/>
+          <a:bodyPr spcFirstLastPara="1" wrap="square" lIns="91425" tIns="91425" rIns="91425" bIns="91425" anchor="t" anchorCtr="0">
+            <a:normAutofit fontScale="92500"/>
           </a:bodyPr>
           <a:lstStyle/>
           <a:p>
-            <a:pPr indent="-342900" lvl="0" marL="457200" rtl="0" algn="l">
+            <a:pPr marL="457200" lvl="0" indent="-342900" algn="l" rtl="0">
               <a:spcBef>
                 <a:spcPts val="0"/>
               </a:spcBef>
@@ -8221,9 +8351,11 @@
       <p:sp>
         <p:nvSpPr>
           <p:cNvPr id="81" name="Google Shape;81;p16"/>
-          <p:cNvSpPr txBox="1"/>
+          <p:cNvSpPr txBox="1">
+            <a:spLocks noGrp="1"/>
+          </p:cNvSpPr>
           <p:nvPr>
-            <p:ph idx="1" type="body"/>
+            <p:ph type="body" idx="1"/>
           </p:nvPr>
         </p:nvSpPr>
         <p:spPr>
@@ -8236,12 +8368,12 @@
           </a:prstGeom>
         </p:spPr>
         <p:txBody>
-          <a:bodyPr anchorCtr="0" anchor="t" bIns="91425" lIns="91425" spcFirstLastPara="1" rIns="91425" wrap="square" tIns="91425">
-            <a:normAutofit lnSpcReduction="20000"/>
+          <a:bodyPr spcFirstLastPara="1" wrap="square" lIns="91425" tIns="91425" rIns="91425" bIns="91425" anchor="t" anchorCtr="0">
+            <a:normAutofit fontScale="92500"/>
           </a:bodyPr>
           <a:lstStyle/>
           <a:p>
-            <a:pPr indent="-342900" lvl="0" marL="457200" rtl="0" algn="l">
+            <a:pPr marL="457200" lvl="0" indent="-342900" algn="l" rtl="0">
               <a:spcBef>
                 <a:spcPts val="0"/>
               </a:spcBef>
@@ -8260,15 +8392,7 @@
                   <a:schemeClr val="lt1"/>
                 </a:solidFill>
               </a:rPr>
-              <a:t>Interesting</a:t>
-            </a:r>
-            <a:r>
-              <a:rPr lang="en">
-                <a:solidFill>
-                  <a:schemeClr val="lt1"/>
-                </a:solidFill>
-              </a:rPr>
-              <a:t> Commands</a:t>
+              <a:t>Interesting Commands</a:t>
             </a:r>
             <a:endParaRPr>
               <a:solidFill>
@@ -8298,12 +8422,12 @@
           </a:ln>
         </p:spPr>
         <p:txBody>
-          <a:bodyPr anchorCtr="0" anchor="t" bIns="91425" lIns="91425" spcFirstLastPara="1" rIns="91425" wrap="square" tIns="91425">
+          <a:bodyPr spcFirstLastPara="1" wrap="square" lIns="91425" tIns="91425" rIns="91425" bIns="91425" anchor="t" anchorCtr="0">
             <a:spAutoFit/>
           </a:bodyPr>
           <a:lstStyle/>
           <a:p>
-            <a:pPr indent="-228600" lvl="0" marL="723900" rtl="0" algn="l">
+            <a:pPr marL="723900" lvl="0" indent="-228600" algn="l" rtl="0">
               <a:lnSpc>
                 <a:spcPct val="115000"/>
               </a:lnSpc>
@@ -8338,7 +8462,7 @@
             </a:endParaRPr>
           </a:p>
           <a:p>
-            <a:pPr indent="-228600" lvl="0" marL="723900" rtl="0" algn="l">
+            <a:pPr marL="723900" lvl="0" indent="-228600" algn="l" rtl="0">
               <a:lnSpc>
                 <a:spcPct val="115000"/>
               </a:lnSpc>
@@ -8373,7 +8497,7 @@
             </a:endParaRPr>
           </a:p>
           <a:p>
-            <a:pPr indent="-228600" lvl="0" marL="723900" rtl="0" algn="l">
+            <a:pPr marL="723900" lvl="0" indent="-228600" algn="l" rtl="0">
               <a:lnSpc>
                 <a:spcPct val="115000"/>
               </a:lnSpc>
@@ -8408,7 +8532,7 @@
             </a:endParaRPr>
           </a:p>
           <a:p>
-            <a:pPr indent="-228600" lvl="0" marL="723900" rtl="0" algn="l">
+            <a:pPr marL="723900" lvl="0" indent="-228600" algn="l" rtl="0">
               <a:lnSpc>
                 <a:spcPct val="115000"/>
               </a:lnSpc>
@@ -8443,7 +8567,7 @@
             </a:endParaRPr>
           </a:p>
           <a:p>
-            <a:pPr indent="-228600" lvl="0" marL="723900" rtl="0" algn="l">
+            <a:pPr marL="723900" lvl="0" indent="-228600" algn="l" rtl="0">
               <a:lnSpc>
                 <a:spcPct val="115000"/>
               </a:lnSpc>
@@ -8478,7 +8602,7 @@
             </a:endParaRPr>
           </a:p>
           <a:p>
-            <a:pPr indent="-228600" lvl="0" marL="723900" rtl="0" algn="l">
+            <a:pPr marL="723900" lvl="0" indent="-228600" algn="l" rtl="0">
               <a:lnSpc>
                 <a:spcPct val="115000"/>
               </a:lnSpc>
@@ -8517,7 +8641,7 @@
             </a:endParaRPr>
           </a:p>
           <a:p>
-            <a:pPr indent="-228600" lvl="0" marL="723900" rtl="0" algn="l">
+            <a:pPr marL="723900" lvl="0" indent="-228600" algn="l" rtl="0">
               <a:lnSpc>
                 <a:spcPct val="115000"/>
               </a:lnSpc>
@@ -8607,9 +8731,11 @@
       <p:sp>
         <p:nvSpPr>
           <p:cNvPr id="83" name="Google Shape;83;p16"/>
-          <p:cNvSpPr txBox="1"/>
+          <p:cNvSpPr txBox="1">
+            <a:spLocks noGrp="1"/>
+          </p:cNvSpPr>
           <p:nvPr>
-            <p:ph idx="1" type="body"/>
+            <p:ph type="body" idx="1"/>
           </p:nvPr>
         </p:nvSpPr>
         <p:spPr>
@@ -8622,12 +8748,12 @@
           </a:prstGeom>
         </p:spPr>
         <p:txBody>
-          <a:bodyPr anchorCtr="0" anchor="t" bIns="91425" lIns="91425" spcFirstLastPara="1" rIns="91425" wrap="square" tIns="91425">
-            <a:normAutofit lnSpcReduction="20000"/>
+          <a:bodyPr spcFirstLastPara="1" wrap="square" lIns="91425" tIns="91425" rIns="91425" bIns="91425" anchor="t" anchorCtr="0">
+            <a:normAutofit fontScale="92500"/>
           </a:bodyPr>
           <a:lstStyle/>
           <a:p>
-            <a:pPr indent="-342900" lvl="0" marL="457200" rtl="0" algn="l">
+            <a:pPr marL="457200" lvl="0" indent="-342900" algn="l" rtl="0">
               <a:spcBef>
                 <a:spcPts val="0"/>
               </a:spcBef>
@@ -8665,11 +8791,11 @@
 </file>
 
 <file path=ppt/slides/slide5.xml><?xml version="1.0" encoding="utf-8"?>
-<p:sld xmlns:a="http://schemas.openxmlformats.org/drawingml/2006/main" xmlns:r="http://schemas.openxmlformats.org/officeDocument/2006/relationships" xmlns:mc="http://schemas.openxmlformats.org/markup-compatibility/2006" xmlns:mv="urn:schemas-microsoft-com:mac:vml" xmlns:p="http://schemas.openxmlformats.org/presentationml/2006/main" xmlns:c="http://schemas.openxmlformats.org/drawingml/2006/chart" xmlns:dgm="http://schemas.openxmlformats.org/drawingml/2006/diagram" xmlns:o="urn:schemas-microsoft-com:office:office" xmlns:v="urn:schemas-microsoft-com:vml" xmlns:pvml="urn:schemas-microsoft-com:office:powerpoint" xmlns:com="http://schemas.openxmlformats.org/drawingml/2006/compatibility" xmlns:p14="http://schemas.microsoft.com/office/powerpoint/2010/main" xmlns:p15="http://schemas.microsoft.com/office/powerpoint/2012/main" xmlns:ahyp="http://schemas.microsoft.com/office/drawing/2018/hyperlinkcolor">
+<p:sld xmlns:a="http://schemas.openxmlformats.org/drawingml/2006/main" xmlns:r="http://schemas.openxmlformats.org/officeDocument/2006/relationships" xmlns:p="http://schemas.openxmlformats.org/presentationml/2006/main">
   <p:cSld>
     <p:spTree>
       <p:nvGrpSpPr>
-        <p:cNvPr id="87" name="Shape 87"/>
+        <p:cNvPr id="1" name="Shape 87"/>
         <p:cNvGrpSpPr/>
         <p:nvPr/>
       </p:nvGrpSpPr>
@@ -8684,7 +8810,9 @@
       <p:sp>
         <p:nvSpPr>
           <p:cNvPr id="88" name="Google Shape;88;p17"/>
-          <p:cNvSpPr txBox="1"/>
+          <p:cNvSpPr txBox="1">
+            <a:spLocks noGrp="1"/>
+          </p:cNvSpPr>
           <p:nvPr>
             <p:ph type="title"/>
           </p:nvPr>
@@ -8699,12 +8827,12 @@
           </a:prstGeom>
         </p:spPr>
         <p:txBody>
-          <a:bodyPr anchorCtr="0" anchor="t" bIns="91425" lIns="91425" spcFirstLastPara="1" rIns="91425" wrap="square" tIns="91425">
+          <a:bodyPr spcFirstLastPara="1" wrap="square" lIns="91425" tIns="91425" rIns="91425" bIns="91425" anchor="t" anchorCtr="0">
             <a:normAutofit fontScale="90000"/>
           </a:bodyPr>
           <a:lstStyle/>
           <a:p>
-            <a:pPr indent="0" lvl="0" marL="0" rtl="0" algn="l">
+            <a:pPr marL="0" lvl="0" indent="0" algn="l" rtl="0">
               <a:spcBef>
                 <a:spcPts val="0"/>
               </a:spcBef>
@@ -8714,7 +8842,7 @@
               <a:buNone/>
             </a:pPr>
             <a:r>
-              <a:rPr b="1" lang="en">
+              <a:rPr lang="en" b="1">
                 <a:solidFill>
                   <a:schemeClr val="lt1"/>
                 </a:solidFill>
@@ -8861,12 +8989,12 @@
           </a:ln>
         </p:spPr>
         <p:txBody>
-          <a:bodyPr anchorCtr="0" anchor="t" bIns="91425" lIns="91425" spcFirstLastPara="1" rIns="91425" wrap="square" tIns="91425">
+          <a:bodyPr spcFirstLastPara="1" wrap="square" lIns="91425" tIns="91425" rIns="91425" bIns="91425" anchor="t" anchorCtr="0">
             <a:spAutoFit/>
           </a:bodyPr>
           <a:lstStyle/>
           <a:p>
-            <a:pPr indent="0" lvl="0" marL="0" rtl="0" algn="l">
+            <a:pPr marL="0" lvl="0" indent="0" algn="l" rtl="0">
               <a:spcBef>
                 <a:spcPts val="0"/>
               </a:spcBef>
@@ -8903,12 +9031,12 @@
           </a:ln>
         </p:spPr>
         <p:txBody>
-          <a:bodyPr anchorCtr="0" anchor="t" bIns="91425" lIns="91425" spcFirstLastPara="1" rIns="91425" wrap="square" tIns="91425">
+          <a:bodyPr spcFirstLastPara="1" wrap="square" lIns="91425" tIns="91425" rIns="91425" bIns="91425" anchor="t" anchorCtr="0">
             <a:spAutoFit/>
           </a:bodyPr>
           <a:lstStyle/>
           <a:p>
-            <a:pPr indent="0" lvl="0" marL="0" rtl="0" algn="l">
+            <a:pPr marL="0" lvl="0" indent="0" algn="l" rtl="0">
               <a:spcBef>
                 <a:spcPts val="0"/>
               </a:spcBef>
@@ -8945,12 +9073,12 @@
           </a:ln>
         </p:spPr>
         <p:txBody>
-          <a:bodyPr anchorCtr="0" anchor="t" bIns="91425" lIns="91425" spcFirstLastPara="1" rIns="91425" wrap="square" tIns="91425">
+          <a:bodyPr spcFirstLastPara="1" wrap="square" lIns="91425" tIns="91425" rIns="91425" bIns="91425" anchor="t" anchorCtr="0">
             <a:spAutoFit/>
           </a:bodyPr>
           <a:lstStyle/>
           <a:p>
-            <a:pPr indent="0" lvl="0" marL="0" rtl="0" algn="l">
+            <a:pPr marL="0" lvl="0" indent="0" algn="l" rtl="0">
               <a:spcBef>
                 <a:spcPts val="0"/>
               </a:spcBef>
@@ -8987,12 +9115,12 @@
           </a:ln>
         </p:spPr>
         <p:txBody>
-          <a:bodyPr anchorCtr="0" anchor="t" bIns="91425" lIns="91425" spcFirstLastPara="1" rIns="91425" wrap="square" tIns="91425">
+          <a:bodyPr spcFirstLastPara="1" wrap="square" lIns="91425" tIns="91425" rIns="91425" bIns="91425" anchor="t" anchorCtr="0">
             <a:spAutoFit/>
           </a:bodyPr>
           <a:lstStyle/>
           <a:p>
-            <a:pPr indent="0" lvl="0" marL="0" rtl="0" algn="l">
+            <a:pPr marL="0" lvl="0" indent="0" algn="l" rtl="0">
               <a:spcBef>
                 <a:spcPts val="0"/>
               </a:spcBef>
@@ -9018,11 +9146,11 @@
 </file>
 
 <file path=ppt/slides/slide6.xml><?xml version="1.0" encoding="utf-8"?>
-<p:sld xmlns:a="http://schemas.openxmlformats.org/drawingml/2006/main" xmlns:r="http://schemas.openxmlformats.org/officeDocument/2006/relationships" xmlns:mc="http://schemas.openxmlformats.org/markup-compatibility/2006" xmlns:mv="urn:schemas-microsoft-com:mac:vml" xmlns:p="http://schemas.openxmlformats.org/presentationml/2006/main" xmlns:c="http://schemas.openxmlformats.org/drawingml/2006/chart" xmlns:dgm="http://schemas.openxmlformats.org/drawingml/2006/diagram" xmlns:o="urn:schemas-microsoft-com:office:office" xmlns:v="urn:schemas-microsoft-com:vml" xmlns:pvml="urn:schemas-microsoft-com:office:powerpoint" xmlns:com="http://schemas.openxmlformats.org/drawingml/2006/compatibility" xmlns:p14="http://schemas.microsoft.com/office/powerpoint/2010/main" xmlns:p15="http://schemas.microsoft.com/office/powerpoint/2012/main" xmlns:ahyp="http://schemas.microsoft.com/office/drawing/2018/hyperlinkcolor">
+<p:sld xmlns:a="http://schemas.openxmlformats.org/drawingml/2006/main" xmlns:r="http://schemas.openxmlformats.org/officeDocument/2006/relationships" xmlns:p="http://schemas.openxmlformats.org/presentationml/2006/main">
   <p:cSld>
     <p:spTree>
       <p:nvGrpSpPr>
-        <p:cNvPr id="100" name="Shape 100"/>
+        <p:cNvPr id="1" name="Shape 100"/>
         <p:cNvGrpSpPr/>
         <p:nvPr/>
       </p:nvGrpSpPr>
@@ -9037,7 +9165,9 @@
       <p:sp>
         <p:nvSpPr>
           <p:cNvPr id="101" name="Google Shape;101;p18"/>
-          <p:cNvSpPr txBox="1"/>
+          <p:cNvSpPr txBox="1">
+            <a:spLocks noGrp="1"/>
+          </p:cNvSpPr>
           <p:nvPr>
             <p:ph type="title"/>
           </p:nvPr>
@@ -9052,12 +9182,12 @@
           </a:prstGeom>
         </p:spPr>
         <p:txBody>
-          <a:bodyPr anchorCtr="0" anchor="t" bIns="91425" lIns="91425" spcFirstLastPara="1" rIns="91425" wrap="square" tIns="91425">
+          <a:bodyPr spcFirstLastPara="1" wrap="square" lIns="91425" tIns="91425" rIns="91425" bIns="91425" anchor="t" anchorCtr="0">
             <a:normAutofit fontScale="90000"/>
           </a:bodyPr>
           <a:lstStyle/>
           <a:p>
-            <a:pPr indent="0" lvl="0" marL="0" rtl="0" algn="l">
+            <a:pPr marL="0" lvl="0" indent="0" algn="l" rtl="0">
               <a:spcBef>
                 <a:spcPts val="0"/>
               </a:spcBef>
@@ -9067,20 +9197,12 @@
               <a:buNone/>
             </a:pPr>
             <a:r>
-              <a:rPr b="1" lang="en">
+              <a:rPr lang="en" b="1">
                 <a:solidFill>
                   <a:schemeClr val="lt1"/>
                 </a:solidFill>
               </a:rPr>
-              <a:t>Future </a:t>
-            </a:r>
-            <a:r>
-              <a:rPr b="1" lang="en">
-                <a:solidFill>
-                  <a:schemeClr val="lt1"/>
-                </a:solidFill>
-              </a:rPr>
-              <a:t>Improvements</a:t>
+              <a:t>Future Improvements</a:t>
             </a:r>
             <a:endParaRPr b="1">
               <a:solidFill>
@@ -9093,9 +9215,11 @@
       <p:sp>
         <p:nvSpPr>
           <p:cNvPr id="102" name="Google Shape;102;p18"/>
-          <p:cNvSpPr txBox="1"/>
+          <p:cNvSpPr txBox="1">
+            <a:spLocks noGrp="1"/>
+          </p:cNvSpPr>
           <p:nvPr>
-            <p:ph idx="1" type="body"/>
+            <p:ph type="body" idx="1"/>
           </p:nvPr>
         </p:nvSpPr>
         <p:spPr>
@@ -9108,12 +9232,12 @@
           </a:prstGeom>
         </p:spPr>
         <p:txBody>
-          <a:bodyPr anchorCtr="0" anchor="t" bIns="91425" lIns="91425" spcFirstLastPara="1" rIns="91425" wrap="square" tIns="91425">
+          <a:bodyPr spcFirstLastPara="1" wrap="square" lIns="91425" tIns="91425" rIns="91425" bIns="91425" anchor="t" anchorCtr="0">
             <a:normAutofit/>
           </a:bodyPr>
           <a:lstStyle/>
           <a:p>
-            <a:pPr indent="-342900" lvl="0" marL="457200" rtl="0" algn="l">
+            <a:pPr marL="457200" lvl="0" indent="-342900" algn="l" rtl="0">
               <a:spcBef>
                 <a:spcPts val="0"/>
               </a:spcBef>
@@ -9141,7 +9265,7 @@
             </a:endParaRPr>
           </a:p>
           <a:p>
-            <a:pPr indent="-342900" lvl="0" marL="457200" rtl="0" algn="l">
+            <a:pPr marL="457200" lvl="0" indent="-342900" algn="l" rtl="0">
               <a:spcBef>
                 <a:spcPts val="0"/>
               </a:spcBef>
@@ -9169,7 +9293,7 @@
             </a:endParaRPr>
           </a:p>
           <a:p>
-            <a:pPr indent="-342900" lvl="0" marL="457200" rtl="0" algn="l">
+            <a:pPr marL="457200" lvl="0" indent="-342900" algn="l" rtl="0">
               <a:spcBef>
                 <a:spcPts val="0"/>
               </a:spcBef>
@@ -9197,7 +9321,7 @@
             </a:endParaRPr>
           </a:p>
           <a:p>
-            <a:pPr indent="-342900" lvl="0" marL="457200" rtl="0" algn="l">
+            <a:pPr marL="457200" lvl="0" indent="-342900" algn="l" rtl="0">
               <a:spcBef>
                 <a:spcPts val="0"/>
               </a:spcBef>
@@ -9235,11 +9359,11 @@
 </file>
 
 <file path=ppt/slides/slide7.xml><?xml version="1.0" encoding="utf-8"?>
-<p:sld xmlns:a="http://schemas.openxmlformats.org/drawingml/2006/main" xmlns:r="http://schemas.openxmlformats.org/officeDocument/2006/relationships" xmlns:mc="http://schemas.openxmlformats.org/markup-compatibility/2006" xmlns:mv="urn:schemas-microsoft-com:mac:vml" xmlns:p="http://schemas.openxmlformats.org/presentationml/2006/main" xmlns:c="http://schemas.openxmlformats.org/drawingml/2006/chart" xmlns:dgm="http://schemas.openxmlformats.org/drawingml/2006/diagram" xmlns:o="urn:schemas-microsoft-com:office:office" xmlns:v="urn:schemas-microsoft-com:vml" xmlns:pvml="urn:schemas-microsoft-com:office:powerpoint" xmlns:com="http://schemas.openxmlformats.org/drawingml/2006/compatibility" xmlns:p14="http://schemas.microsoft.com/office/powerpoint/2010/main" xmlns:p15="http://schemas.microsoft.com/office/powerpoint/2012/main" xmlns:ahyp="http://schemas.microsoft.com/office/drawing/2018/hyperlinkcolor">
+<p:sld xmlns:a="http://schemas.openxmlformats.org/drawingml/2006/main" xmlns:r="http://schemas.openxmlformats.org/officeDocument/2006/relationships" xmlns:p="http://schemas.openxmlformats.org/presentationml/2006/main">
   <p:cSld>
     <p:spTree>
       <p:nvGrpSpPr>
-        <p:cNvPr id="106" name="Shape 106"/>
+        <p:cNvPr id="1" name="Shape 106"/>
         <p:cNvGrpSpPr/>
         <p:nvPr/>
       </p:nvGrpSpPr>
@@ -9254,7 +9378,9 @@
       <p:sp>
         <p:nvSpPr>
           <p:cNvPr id="107" name="Google Shape;107;p19"/>
-          <p:cNvSpPr txBox="1"/>
+          <p:cNvSpPr txBox="1">
+            <a:spLocks noGrp="1"/>
+          </p:cNvSpPr>
           <p:nvPr>
             <p:ph type="title"/>
           </p:nvPr>
@@ -9269,12 +9395,12 @@
           </a:prstGeom>
         </p:spPr>
         <p:txBody>
-          <a:bodyPr anchorCtr="0" anchor="t" bIns="91425" lIns="91425" spcFirstLastPara="1" rIns="91425" wrap="square" tIns="91425">
+          <a:bodyPr spcFirstLastPara="1" wrap="square" lIns="91425" tIns="91425" rIns="91425" bIns="91425" anchor="t" anchorCtr="0">
             <a:normAutofit fontScale="90000"/>
           </a:bodyPr>
           <a:lstStyle/>
           <a:p>
-            <a:pPr indent="0" lvl="0" marL="0" rtl="0" algn="l">
+            <a:pPr marL="0" lvl="0" indent="0" algn="l" rtl="0">
               <a:spcBef>
                 <a:spcPts val="0"/>
               </a:spcBef>
@@ -9336,7 +9462,288 @@
 </file>
 
 <file path=ppt/theme/theme1.xml><?xml version="1.0" encoding="utf-8"?>
-<a:theme xmlns:a="http://schemas.openxmlformats.org/drawingml/2006/main" xmlns:r="http://schemas.openxmlformats.org/officeDocument/2006/relationships">
+<a:theme xmlns:a="http://schemas.openxmlformats.org/drawingml/2006/main" name="Simple Dark">
+  <a:themeElements>
+    <a:clrScheme name="Simple Dark">
+      <a:dk1>
+        <a:srgbClr val="FFFFFF"/>
+      </a:dk1>
+      <a:lt1>
+        <a:srgbClr val="212121"/>
+      </a:lt1>
+      <a:dk2>
+        <a:srgbClr val="303030"/>
+      </a:dk2>
+      <a:lt2>
+        <a:srgbClr val="ADADAD"/>
+      </a:lt2>
+      <a:accent1>
+        <a:srgbClr val="009688"/>
+      </a:accent1>
+      <a:accent2>
+        <a:srgbClr val="EEEEEE"/>
+      </a:accent2>
+      <a:accent3>
+        <a:srgbClr val="78909C"/>
+      </a:accent3>
+      <a:accent4>
+        <a:srgbClr val="FFAB40"/>
+      </a:accent4>
+      <a:accent5>
+        <a:srgbClr val="4DD0E1"/>
+      </a:accent5>
+      <a:accent6>
+        <a:srgbClr val="EEFF41"/>
+      </a:accent6>
+      <a:hlink>
+        <a:srgbClr val="4DD0E1"/>
+      </a:hlink>
+      <a:folHlink>
+        <a:srgbClr val="4DD0E1"/>
+      </a:folHlink>
+    </a:clrScheme>
+    <a:fontScheme name="Office">
+      <a:majorFont>
+        <a:latin typeface="Arial"/>
+        <a:ea typeface=""/>
+        <a:cs typeface=""/>
+        <a:font script="Jpan" typeface="ＭＳ Ｐゴシック"/>
+        <a:font script="Hang" typeface="맑은 고딕"/>
+        <a:font script="Hans" typeface="宋体"/>
+        <a:font script="Hant" typeface="新細明體"/>
+        <a:font script="Arab" typeface="Times New Roman"/>
+        <a:font script="Hebr" typeface="Times New Roman"/>
+        <a:font script="Thai" typeface="Angsana New"/>
+        <a:font script="Ethi" typeface="Nyala"/>
+        <a:font script="Beng" typeface="Vrinda"/>
+        <a:font script="Gujr" typeface="Shruti"/>
+        <a:font script="Khmr" typeface="MoolBoran"/>
+        <a:font script="Knda" typeface="Tunga"/>
+        <a:font script="Guru" typeface="Raavi"/>
+        <a:font script="Cans" typeface="Euphemia"/>
+        <a:font script="Cher" typeface="Plantagenet Cherokee"/>
+        <a:font script="Yiii" typeface="Microsoft Yi Baiti"/>
+        <a:font script="Tibt" typeface="Microsoft Himalaya"/>
+        <a:font script="Thaa" typeface="MV Boli"/>
+        <a:font script="Deva" typeface="Mangal"/>
+        <a:font script="Telu" typeface="Gautami"/>
+        <a:font script="Taml" typeface="Latha"/>
+        <a:font script="Syrc" typeface="Estrangelo Edessa"/>
+        <a:font script="Orya" typeface="Kalinga"/>
+        <a:font script="Mlym" typeface="Kartika"/>
+        <a:font script="Laoo" typeface="DokChampa"/>
+        <a:font script="Sinh" typeface="Iskoola Pota"/>
+        <a:font script="Mong" typeface="Mongolian Baiti"/>
+        <a:font script="Viet" typeface="Times New Roman"/>
+        <a:font script="Uigh" typeface="Microsoft Uighur"/>
+        <a:font script="Geor" typeface="Sylfaen"/>
+      </a:majorFont>
+      <a:minorFont>
+        <a:latin typeface="Arial"/>
+        <a:ea typeface=""/>
+        <a:cs typeface=""/>
+        <a:font script="Jpan" typeface="ＭＳ Ｐゴシック"/>
+        <a:font script="Hang" typeface="맑은 고딕"/>
+        <a:font script="Hans" typeface="宋体"/>
+        <a:font script="Hant" typeface="新細明體"/>
+        <a:font script="Arab" typeface="Arial"/>
+        <a:font script="Hebr" typeface="Arial"/>
+        <a:font script="Thai" typeface="Cordia New"/>
+        <a:font script="Ethi" typeface="Nyala"/>
+        <a:font script="Beng" typeface="Vrinda"/>
+        <a:font script="Gujr" typeface="Shruti"/>
+        <a:font script="Khmr" typeface="DaunPenh"/>
+        <a:font script="Knda" typeface="Tunga"/>
+        <a:font script="Guru" typeface="Raavi"/>
+        <a:font script="Cans" typeface="Euphemia"/>
+        <a:font script="Cher" typeface="Plantagenet Cherokee"/>
+        <a:font script="Yiii" typeface="Microsoft Yi Baiti"/>
+        <a:font script="Tibt" typeface="Microsoft Himalaya"/>
+        <a:font script="Thaa" typeface="MV Boli"/>
+        <a:font script="Deva" typeface="Mangal"/>
+        <a:font script="Telu" typeface="Gautami"/>
+        <a:font script="Taml" typeface="Latha"/>
+        <a:font script="Syrc" typeface="Estrangelo Edessa"/>
+        <a:font script="Orya" typeface="Kalinga"/>
+        <a:font script="Mlym" typeface="Kartika"/>
+        <a:font script="Laoo" typeface="DokChampa"/>
+        <a:font script="Sinh" typeface="Iskoola Pota"/>
+        <a:font script="Mong" typeface="Mongolian Baiti"/>
+        <a:font script="Viet" typeface="Arial"/>
+        <a:font script="Uigh" typeface="Microsoft Uighur"/>
+        <a:font script="Geor" typeface="Sylfaen"/>
+      </a:minorFont>
+    </a:fontScheme>
+    <a:fmtScheme name="Office">
+      <a:fillStyleLst>
+        <a:solidFill>
+          <a:schemeClr val="phClr"/>
+        </a:solidFill>
+        <a:gradFill rotWithShape="1">
+          <a:gsLst>
+            <a:gs pos="0">
+              <a:schemeClr val="phClr">
+                <a:tint val="50000"/>
+                <a:satMod val="300000"/>
+              </a:schemeClr>
+            </a:gs>
+            <a:gs pos="35000">
+              <a:schemeClr val="phClr">
+                <a:tint val="37000"/>
+                <a:satMod val="300000"/>
+              </a:schemeClr>
+            </a:gs>
+            <a:gs pos="100000">
+              <a:schemeClr val="phClr">
+                <a:tint val="15000"/>
+                <a:satMod val="350000"/>
+              </a:schemeClr>
+            </a:gs>
+          </a:gsLst>
+          <a:lin ang="16200000" scaled="1"/>
+        </a:gradFill>
+        <a:gradFill rotWithShape="1">
+          <a:gsLst>
+            <a:gs pos="0">
+              <a:schemeClr val="phClr">
+                <a:tint val="100000"/>
+                <a:shade val="100000"/>
+                <a:satMod val="130000"/>
+              </a:schemeClr>
+            </a:gs>
+            <a:gs pos="100000">
+              <a:schemeClr val="phClr">
+                <a:tint val="50000"/>
+                <a:shade val="100000"/>
+                <a:satMod val="350000"/>
+              </a:schemeClr>
+            </a:gs>
+          </a:gsLst>
+          <a:lin ang="16200000" scaled="0"/>
+        </a:gradFill>
+      </a:fillStyleLst>
+      <a:lnStyleLst>
+        <a:ln w="9525" cap="flat" cmpd="sng" algn="ctr">
+          <a:solidFill>
+            <a:schemeClr val="phClr">
+              <a:shade val="95000"/>
+              <a:satMod val="105000"/>
+            </a:schemeClr>
+          </a:solidFill>
+          <a:prstDash val="solid"/>
+        </a:ln>
+        <a:ln w="25400" cap="flat" cmpd="sng" algn="ctr">
+          <a:solidFill>
+            <a:schemeClr val="phClr"/>
+          </a:solidFill>
+          <a:prstDash val="solid"/>
+        </a:ln>
+        <a:ln w="38100" cap="flat" cmpd="sng" algn="ctr">
+          <a:solidFill>
+            <a:schemeClr val="phClr"/>
+          </a:solidFill>
+          <a:prstDash val="solid"/>
+        </a:ln>
+      </a:lnStyleLst>
+      <a:effectStyleLst>
+        <a:effectStyle>
+          <a:effectLst>
+            <a:outerShdw blurRad="40000" dist="20000" dir="5400000" rotWithShape="0">
+              <a:srgbClr val="000000">
+                <a:alpha val="38000"/>
+              </a:srgbClr>
+            </a:outerShdw>
+          </a:effectLst>
+        </a:effectStyle>
+        <a:effectStyle>
+          <a:effectLst>
+            <a:outerShdw blurRad="40000" dist="23000" dir="5400000" rotWithShape="0">
+              <a:srgbClr val="000000">
+                <a:alpha val="35000"/>
+              </a:srgbClr>
+            </a:outerShdw>
+          </a:effectLst>
+        </a:effectStyle>
+        <a:effectStyle>
+          <a:effectLst>
+            <a:outerShdw blurRad="40000" dist="23000" dir="5400000" rotWithShape="0">
+              <a:srgbClr val="000000">
+                <a:alpha val="35000"/>
+              </a:srgbClr>
+            </a:outerShdw>
+          </a:effectLst>
+          <a:scene3d>
+            <a:camera prst="orthographicFront">
+              <a:rot lat="0" lon="0" rev="0"/>
+            </a:camera>
+            <a:lightRig rig="threePt" dir="t">
+              <a:rot lat="0" lon="0" rev="1200000"/>
+            </a:lightRig>
+          </a:scene3d>
+          <a:sp3d>
+            <a:bevelT w="63500" h="25400"/>
+          </a:sp3d>
+        </a:effectStyle>
+      </a:effectStyleLst>
+      <a:bgFillStyleLst>
+        <a:solidFill>
+          <a:schemeClr val="phClr"/>
+        </a:solidFill>
+        <a:gradFill rotWithShape="1">
+          <a:gsLst>
+            <a:gs pos="0">
+              <a:schemeClr val="phClr">
+                <a:tint val="40000"/>
+                <a:satMod val="350000"/>
+              </a:schemeClr>
+            </a:gs>
+            <a:gs pos="40000">
+              <a:schemeClr val="phClr">
+                <a:tint val="45000"/>
+                <a:shade val="99000"/>
+                <a:satMod val="350000"/>
+              </a:schemeClr>
+            </a:gs>
+            <a:gs pos="100000">
+              <a:schemeClr val="phClr">
+                <a:shade val="20000"/>
+                <a:satMod val="255000"/>
+              </a:schemeClr>
+            </a:gs>
+          </a:gsLst>
+          <a:path path="circle">
+            <a:fillToRect l="50000" t="-80000" r="50000" b="180000"/>
+          </a:path>
+        </a:gradFill>
+        <a:gradFill rotWithShape="1">
+          <a:gsLst>
+            <a:gs pos="0">
+              <a:schemeClr val="phClr">
+                <a:tint val="80000"/>
+                <a:satMod val="300000"/>
+              </a:schemeClr>
+            </a:gs>
+            <a:gs pos="100000">
+              <a:schemeClr val="phClr">
+                <a:shade val="30000"/>
+                <a:satMod val="200000"/>
+              </a:schemeClr>
+            </a:gs>
+          </a:gsLst>
+          <a:path path="circle">
+            <a:fillToRect l="50000" t="50000" r="50000" b="50000"/>
+          </a:path>
+        </a:gradFill>
+      </a:bgFillStyleLst>
+    </a:fmtScheme>
+  </a:themeElements>
+  <a:objectDefaults/>
+  <a:extraClrSchemeLst/>
+</a:theme>
+</file>
+
+<file path=ppt/theme/theme2.xml><?xml version="1.0" encoding="utf-8"?>
+<a:theme xmlns:a="http://schemas.openxmlformats.org/drawingml/2006/main">
   <a:themeElements>
     <a:clrScheme name="Default">
       <a:dk1>
@@ -9611,284 +10018,7 @@
       </a:bgFillStyleLst>
     </a:fmtScheme>
   </a:themeElements>
-</a:theme>
-</file>
-
-<file path=ppt/theme/theme2.xml><?xml version="1.0" encoding="utf-8"?>
-<a:theme xmlns:a="http://schemas.openxmlformats.org/drawingml/2006/main" xmlns:r="http://schemas.openxmlformats.org/officeDocument/2006/relationships" name="Simple Dark">
-  <a:themeElements>
-    <a:clrScheme name="Simple Dark">
-      <a:dk1>
-        <a:srgbClr val="FFFFFF"/>
-      </a:dk1>
-      <a:lt1>
-        <a:srgbClr val="212121"/>
-      </a:lt1>
-      <a:dk2>
-        <a:srgbClr val="303030"/>
-      </a:dk2>
-      <a:lt2>
-        <a:srgbClr val="ADADAD"/>
-      </a:lt2>
-      <a:accent1>
-        <a:srgbClr val="009688"/>
-      </a:accent1>
-      <a:accent2>
-        <a:srgbClr val="EEEEEE"/>
-      </a:accent2>
-      <a:accent3>
-        <a:srgbClr val="78909C"/>
-      </a:accent3>
-      <a:accent4>
-        <a:srgbClr val="FFAB40"/>
-      </a:accent4>
-      <a:accent5>
-        <a:srgbClr val="4DD0E1"/>
-      </a:accent5>
-      <a:accent6>
-        <a:srgbClr val="EEFF41"/>
-      </a:accent6>
-      <a:hlink>
-        <a:srgbClr val="4DD0E1"/>
-      </a:hlink>
-      <a:folHlink>
-        <a:srgbClr val="4DD0E1"/>
-      </a:folHlink>
-    </a:clrScheme>
-    <a:fontScheme name="Office">
-      <a:majorFont>
-        <a:latin typeface="Arial"/>
-        <a:ea typeface=""/>
-        <a:cs typeface=""/>
-        <a:font script="Jpan" typeface="ＭＳ Ｐゴシック"/>
-        <a:font script="Hang" typeface="맑은 고딕"/>
-        <a:font script="Hans" typeface="宋体"/>
-        <a:font script="Hant" typeface="新細明體"/>
-        <a:font script="Arab" typeface="Times New Roman"/>
-        <a:font script="Hebr" typeface="Times New Roman"/>
-        <a:font script="Thai" typeface="Angsana New"/>
-        <a:font script="Ethi" typeface="Nyala"/>
-        <a:font script="Beng" typeface="Vrinda"/>
-        <a:font script="Gujr" typeface="Shruti"/>
-        <a:font script="Khmr" typeface="MoolBoran"/>
-        <a:font script="Knda" typeface="Tunga"/>
-        <a:font script="Guru" typeface="Raavi"/>
-        <a:font script="Cans" typeface="Euphemia"/>
-        <a:font script="Cher" typeface="Plantagenet Cherokee"/>
-        <a:font script="Yiii" typeface="Microsoft Yi Baiti"/>
-        <a:font script="Tibt" typeface="Microsoft Himalaya"/>
-        <a:font script="Thaa" typeface="MV Boli"/>
-        <a:font script="Deva" typeface="Mangal"/>
-        <a:font script="Telu" typeface="Gautami"/>
-        <a:font script="Taml" typeface="Latha"/>
-        <a:font script="Syrc" typeface="Estrangelo Edessa"/>
-        <a:font script="Orya" typeface="Kalinga"/>
-        <a:font script="Mlym" typeface="Kartika"/>
-        <a:font script="Laoo" typeface="DokChampa"/>
-        <a:font script="Sinh" typeface="Iskoola Pota"/>
-        <a:font script="Mong" typeface="Mongolian Baiti"/>
-        <a:font script="Viet" typeface="Times New Roman"/>
-        <a:font script="Uigh" typeface="Microsoft Uighur"/>
-        <a:font script="Geor" typeface="Sylfaen"/>
-      </a:majorFont>
-      <a:minorFont>
-        <a:latin typeface="Arial"/>
-        <a:ea typeface=""/>
-        <a:cs typeface=""/>
-        <a:font script="Jpan" typeface="ＭＳ Ｐゴシック"/>
-        <a:font script="Hang" typeface="맑은 고딕"/>
-        <a:font script="Hans" typeface="宋体"/>
-        <a:font script="Hant" typeface="新細明體"/>
-        <a:font script="Arab" typeface="Arial"/>
-        <a:font script="Hebr" typeface="Arial"/>
-        <a:font script="Thai" typeface="Cordia New"/>
-        <a:font script="Ethi" typeface="Nyala"/>
-        <a:font script="Beng" typeface="Vrinda"/>
-        <a:font script="Gujr" typeface="Shruti"/>
-        <a:font script="Khmr" typeface="DaunPenh"/>
-        <a:font script="Knda" typeface="Tunga"/>
-        <a:font script="Guru" typeface="Raavi"/>
-        <a:font script="Cans" typeface="Euphemia"/>
-        <a:font script="Cher" typeface="Plantagenet Cherokee"/>
-        <a:font script="Yiii" typeface="Microsoft Yi Baiti"/>
-        <a:font script="Tibt" typeface="Microsoft Himalaya"/>
-        <a:font script="Thaa" typeface="MV Boli"/>
-        <a:font script="Deva" typeface="Mangal"/>
-        <a:font script="Telu" typeface="Gautami"/>
-        <a:font script="Taml" typeface="Latha"/>
-        <a:font script="Syrc" typeface="Estrangelo Edessa"/>
-        <a:font script="Orya" typeface="Kalinga"/>
-        <a:font script="Mlym" typeface="Kartika"/>
-        <a:font script="Laoo" typeface="DokChampa"/>
-        <a:font script="Sinh" typeface="Iskoola Pota"/>
-        <a:font script="Mong" typeface="Mongolian Baiti"/>
-        <a:font script="Viet" typeface="Arial"/>
-        <a:font script="Uigh" typeface="Microsoft Uighur"/>
-        <a:font script="Geor" typeface="Sylfaen"/>
-      </a:minorFont>
-    </a:fontScheme>
-    <a:fmtScheme name="Office">
-      <a:fillStyleLst>
-        <a:solidFill>
-          <a:schemeClr val="phClr"/>
-        </a:solidFill>
-        <a:gradFill rotWithShape="1">
-          <a:gsLst>
-            <a:gs pos="0">
-              <a:schemeClr val="phClr">
-                <a:tint val="50000"/>
-                <a:satMod val="300000"/>
-              </a:schemeClr>
-            </a:gs>
-            <a:gs pos="35000">
-              <a:schemeClr val="phClr">
-                <a:tint val="37000"/>
-                <a:satMod val="300000"/>
-              </a:schemeClr>
-            </a:gs>
-            <a:gs pos="100000">
-              <a:schemeClr val="phClr">
-                <a:tint val="15000"/>
-                <a:satMod val="350000"/>
-              </a:schemeClr>
-            </a:gs>
-          </a:gsLst>
-          <a:lin ang="16200000" scaled="1"/>
-        </a:gradFill>
-        <a:gradFill rotWithShape="1">
-          <a:gsLst>
-            <a:gs pos="0">
-              <a:schemeClr val="phClr">
-                <a:tint val="100000"/>
-                <a:shade val="100000"/>
-                <a:satMod val="130000"/>
-              </a:schemeClr>
-            </a:gs>
-            <a:gs pos="100000">
-              <a:schemeClr val="phClr">
-                <a:tint val="50000"/>
-                <a:shade val="100000"/>
-                <a:satMod val="350000"/>
-              </a:schemeClr>
-            </a:gs>
-          </a:gsLst>
-          <a:lin ang="16200000" scaled="0"/>
-        </a:gradFill>
-      </a:fillStyleLst>
-      <a:lnStyleLst>
-        <a:ln w="9525" cap="flat" cmpd="sng" algn="ctr">
-          <a:solidFill>
-            <a:schemeClr val="phClr">
-              <a:shade val="95000"/>
-              <a:satMod val="105000"/>
-            </a:schemeClr>
-          </a:solidFill>
-          <a:prstDash val="solid"/>
-        </a:ln>
-        <a:ln w="25400" cap="flat" cmpd="sng" algn="ctr">
-          <a:solidFill>
-            <a:schemeClr val="phClr"/>
-          </a:solidFill>
-          <a:prstDash val="solid"/>
-        </a:ln>
-        <a:ln w="38100" cap="flat" cmpd="sng" algn="ctr">
-          <a:solidFill>
-            <a:schemeClr val="phClr"/>
-          </a:solidFill>
-          <a:prstDash val="solid"/>
-        </a:ln>
-      </a:lnStyleLst>
-      <a:effectStyleLst>
-        <a:effectStyle>
-          <a:effectLst>
-            <a:outerShdw blurRad="40000" dist="20000" dir="5400000" rotWithShape="0">
-              <a:srgbClr val="000000">
-                <a:alpha val="38000"/>
-              </a:srgbClr>
-            </a:outerShdw>
-          </a:effectLst>
-        </a:effectStyle>
-        <a:effectStyle>
-          <a:effectLst>
-            <a:outerShdw blurRad="40000" dist="23000" dir="5400000" rotWithShape="0">
-              <a:srgbClr val="000000">
-                <a:alpha val="35000"/>
-              </a:srgbClr>
-            </a:outerShdw>
-          </a:effectLst>
-        </a:effectStyle>
-        <a:effectStyle>
-          <a:effectLst>
-            <a:outerShdw blurRad="40000" dist="23000" dir="5400000" rotWithShape="0">
-              <a:srgbClr val="000000">
-                <a:alpha val="35000"/>
-              </a:srgbClr>
-            </a:outerShdw>
-          </a:effectLst>
-          <a:scene3d>
-            <a:camera prst="orthographicFront">
-              <a:rot lat="0" lon="0" rev="0"/>
-            </a:camera>
-            <a:lightRig rig="threePt" dir="t">
-              <a:rot lat="0" lon="0" rev="1200000"/>
-            </a:lightRig>
-          </a:scene3d>
-          <a:sp3d>
-            <a:bevelT w="63500" h="25400"/>
-          </a:sp3d>
-        </a:effectStyle>
-      </a:effectStyleLst>
-      <a:bgFillStyleLst>
-        <a:solidFill>
-          <a:schemeClr val="phClr"/>
-        </a:solidFill>
-        <a:gradFill rotWithShape="1">
-          <a:gsLst>
-            <a:gs pos="0">
-              <a:schemeClr val="phClr">
-                <a:tint val="40000"/>
-                <a:satMod val="350000"/>
-              </a:schemeClr>
-            </a:gs>
-            <a:gs pos="40000">
-              <a:schemeClr val="phClr">
-                <a:tint val="45000"/>
-                <a:shade val="99000"/>
-                <a:satMod val="350000"/>
-              </a:schemeClr>
-            </a:gs>
-            <a:gs pos="100000">
-              <a:schemeClr val="phClr">
-                <a:shade val="20000"/>
-                <a:satMod val="255000"/>
-              </a:schemeClr>
-            </a:gs>
-          </a:gsLst>
-          <a:path path="circle">
-            <a:fillToRect l="50000" t="-80000" r="50000" b="180000"/>
-          </a:path>
-        </a:gradFill>
-        <a:gradFill rotWithShape="1">
-          <a:gsLst>
-            <a:gs pos="0">
-              <a:schemeClr val="phClr">
-                <a:tint val="80000"/>
-                <a:satMod val="300000"/>
-              </a:schemeClr>
-            </a:gs>
-            <a:gs pos="100000">
-              <a:schemeClr val="phClr">
-                <a:shade val="30000"/>
-                <a:satMod val="200000"/>
-              </a:schemeClr>
-            </a:gs>
-          </a:gsLst>
-          <a:path path="circle">
-            <a:fillToRect l="50000" t="50000" r="50000" b="50000"/>
-          </a:path>
-        </a:gradFill>
-      </a:bgFillStyleLst>
-    </a:fmtScheme>
-  </a:themeElements>
+  <a:objectDefaults/>
+  <a:extraClrSchemeLst/>
 </a:theme>
 </file>